--- a/path_planing/論文/group_meeting_PPT.pptx
+++ b/path_planing/論文/group_meeting_PPT.pptx
@@ -5,16 +5,18 @@
     <p:sldMasterId id="2147483660" r:id="rId1"/>
   </p:sldMasterIdLst>
   <p:notesMasterIdLst>
-    <p:notesMasterId r:id="rId9"/>
+    <p:notesMasterId r:id="rId11"/>
   </p:notesMasterIdLst>
   <p:sldIdLst>
     <p:sldId id="331" r:id="rId2"/>
     <p:sldId id="333" r:id="rId3"/>
     <p:sldId id="257" r:id="rId4"/>
-    <p:sldId id="334" r:id="rId5"/>
-    <p:sldId id="337" r:id="rId6"/>
-    <p:sldId id="335" r:id="rId7"/>
-    <p:sldId id="336" r:id="rId8"/>
+    <p:sldId id="339" r:id="rId5"/>
+    <p:sldId id="334" r:id="rId6"/>
+    <p:sldId id="337" r:id="rId7"/>
+    <p:sldId id="338" r:id="rId8"/>
+    <p:sldId id="335" r:id="rId9"/>
+    <p:sldId id="336" r:id="rId10"/>
   </p:sldIdLst>
   <p:sldSz cx="12192000" cy="6858000"/>
   <p:notesSz cx="6858000" cy="9144000"/>
@@ -203,7 +205,7 @@
           <a:p>
             <a:fld id="{AB4C31A0-A384-472D-9FF2-2B4BB9D597D0}" type="datetimeFigureOut">
               <a:rPr lang="zh-TW" altLang="en-US" smtClean="0"/>
-              <a:t>2025/3/2</a:t>
+              <a:t>2025/3/3</a:t>
             </a:fld>
             <a:endParaRPr lang="zh-TW" altLang="en-US"/>
           </a:p>
@@ -713,7 +715,7 @@
           <a:p>
             <a:fld id="{098B67FC-D832-44A1-9EFE-DA55F2070A09}" type="datetimeFigureOut">
               <a:rPr lang="zh-TW" altLang="en-US" smtClean="0"/>
-              <a:t>2025/3/2</a:t>
+              <a:t>2025/3/3</a:t>
             </a:fld>
             <a:endParaRPr lang="zh-TW" altLang="en-US"/>
           </a:p>
@@ -920,7 +922,7 @@
           <a:p>
             <a:fld id="{098B67FC-D832-44A1-9EFE-DA55F2070A09}" type="datetimeFigureOut">
               <a:rPr lang="zh-TW" altLang="en-US" smtClean="0"/>
-              <a:t>2025/3/2</a:t>
+              <a:t>2025/3/3</a:t>
             </a:fld>
             <a:endParaRPr lang="zh-TW" altLang="en-US"/>
           </a:p>
@@ -1768,7 +1770,7 @@
           <a:p>
             <a:fld id="{098B67FC-D832-44A1-9EFE-DA55F2070A09}" type="datetimeFigureOut">
               <a:rPr lang="zh-TW" altLang="en-US" smtClean="0"/>
-              <a:t>2025/3/2</a:t>
+              <a:t>2025/3/3</a:t>
             </a:fld>
             <a:endParaRPr lang="zh-TW" altLang="en-US"/>
           </a:p>
@@ -12547,7 +12549,7 @@
           <a:p>
             <a:fld id="{098B67FC-D832-44A1-9EFE-DA55F2070A09}" type="datetimeFigureOut">
               <a:rPr lang="zh-TW" altLang="en-US" smtClean="0"/>
-              <a:t>2025/3/2</a:t>
+              <a:t>2025/3/3</a:t>
             </a:fld>
             <a:endParaRPr lang="zh-TW" altLang="en-US"/>
           </a:p>
@@ -12821,7 +12823,7 @@
           <a:p>
             <a:fld id="{098B67FC-D832-44A1-9EFE-DA55F2070A09}" type="datetimeFigureOut">
               <a:rPr lang="zh-TW" altLang="en-US" smtClean="0"/>
-              <a:t>2025/3/2</a:t>
+              <a:t>2025/3/3</a:t>
             </a:fld>
             <a:endParaRPr lang="zh-TW" altLang="en-US"/>
           </a:p>
@@ -13238,7 +13240,7 @@
           <a:p>
             <a:fld id="{098B67FC-D832-44A1-9EFE-DA55F2070A09}" type="datetimeFigureOut">
               <a:rPr lang="zh-TW" altLang="en-US" smtClean="0"/>
-              <a:t>2025/3/2</a:t>
+              <a:t>2025/3/3</a:t>
             </a:fld>
             <a:endParaRPr lang="zh-TW" altLang="en-US"/>
           </a:p>
@@ -13368,7 +13370,7 @@
           <a:p>
             <a:fld id="{098B67FC-D832-44A1-9EFE-DA55F2070A09}" type="datetimeFigureOut">
               <a:rPr lang="zh-TW" altLang="en-US" smtClean="0"/>
-              <a:t>2025/3/2</a:t>
+              <a:t>2025/3/3</a:t>
             </a:fld>
             <a:endParaRPr lang="zh-TW" altLang="en-US"/>
           </a:p>
@@ -13468,7 +13470,7 @@
           <a:p>
             <a:fld id="{098B67FC-D832-44A1-9EFE-DA55F2070A09}" type="datetimeFigureOut">
               <a:rPr lang="zh-TW" altLang="en-US" smtClean="0"/>
-              <a:t>2025/3/2</a:t>
+              <a:t>2025/3/3</a:t>
             </a:fld>
             <a:endParaRPr lang="zh-TW" altLang="en-US"/>
           </a:p>
@@ -13776,7 +13778,7 @@
           <a:p>
             <a:fld id="{098B67FC-D832-44A1-9EFE-DA55F2070A09}" type="datetimeFigureOut">
               <a:rPr lang="zh-TW" altLang="en-US" smtClean="0"/>
-              <a:t>2025/3/2</a:t>
+              <a:t>2025/3/3</a:t>
             </a:fld>
             <a:endParaRPr lang="zh-TW" altLang="en-US"/>
           </a:p>
@@ -14049,7 +14051,7 @@
           <a:p>
             <a:fld id="{098B67FC-D832-44A1-9EFE-DA55F2070A09}" type="datetimeFigureOut">
               <a:rPr lang="zh-TW" altLang="en-US" smtClean="0"/>
-              <a:t>2025/3/2</a:t>
+              <a:t>2025/3/3</a:t>
             </a:fld>
             <a:endParaRPr lang="zh-TW" altLang="en-US"/>
           </a:p>
@@ -14294,7 +14296,7 @@
           <a:p>
             <a:fld id="{098B67FC-D832-44A1-9EFE-DA55F2070A09}" type="datetimeFigureOut">
               <a:rPr lang="zh-TW" altLang="en-US" smtClean="0"/>
-              <a:t>2025/3/2</a:t>
+              <a:t>2025/3/3</a:t>
             </a:fld>
             <a:endParaRPr lang="zh-TW" altLang="en-US"/>
           </a:p>
@@ -14943,7 +14945,7 @@
         <p14:ripple/>
       </p:transition>
     </mc:Choice>
-    <mc:Fallback xmlns="" xmlns:m="http://schemas.openxmlformats.org/officeDocument/2006/math" xmlns:w="http://schemas.openxmlformats.org/wordprocessingml/2006/main" xmlns:wp="http://schemas.openxmlformats.org/drawingml/2006/wordprocessingDrawing" xmlns:a14="http://schemas.microsoft.com/office/drawing/2010/main" xmlns:p15="http://schemas.microsoft.com/office/powerpoint/2012/main" xmlns:p159="http://schemas.microsoft.com/office/powerpoint/2015/09/main">
+    <mc:Fallback xmlns:p159="http://schemas.microsoft.com/office/powerpoint/2015/09/main" xmlns:p15="http://schemas.microsoft.com/office/powerpoint/2012/main" xmlns:a14="http://schemas.microsoft.com/office/drawing/2010/main" xmlns:wp="http://schemas.openxmlformats.org/drawingml/2006/wordprocessingDrawing" xmlns:w="http://schemas.openxmlformats.org/wordprocessingml/2006/main" xmlns:m="http://schemas.openxmlformats.org/officeDocument/2006/math" xmlns="">
       <p:transition spd="slow">
         <p:fade/>
       </p:transition>
@@ -15671,13 +15673,13 @@
   <p:clrMapOvr>
     <a:masterClrMapping/>
   </p:clrMapOvr>
-  <mc:AlternateContent xmlns:mc="http://schemas.openxmlformats.org/markup-compatibility/2006">
-    <mc:Choice xmlns:p159="http://schemas.microsoft.com/office/powerpoint/2015/09/main" Requires="p159">
+  <mc:AlternateContent xmlns:mc="http://schemas.openxmlformats.org/markup-compatibility/2006" xmlns:p159="http://schemas.microsoft.com/office/powerpoint/2015/09/main">
+    <mc:Choice Requires="p159">
       <p:transition xmlns:p14="http://schemas.microsoft.com/office/powerpoint/2010/main" spd="slow" p14:dur="2000">
         <p159:morph option="byObject"/>
       </p:transition>
     </mc:Choice>
-    <mc:Fallback>
+    <mc:Fallback xmlns="">
       <p:transition spd="slow">
         <p:fade/>
       </p:transition>
@@ -16125,6 +16127,934 @@
   <p:clrMapOvr>
     <a:masterClrMapping/>
   </p:clrMapOvr>
+  <mc:AlternateContent xmlns:mc="http://schemas.openxmlformats.org/markup-compatibility/2006" xmlns:p159="http://schemas.microsoft.com/office/powerpoint/2015/09/main">
+    <mc:Choice Requires="p159">
+      <p:transition xmlns:p14="http://schemas.microsoft.com/office/powerpoint/2010/main" spd="slow" p14:dur="2000">
+        <p159:morph option="byObject"/>
+      </p:transition>
+    </mc:Choice>
+    <mc:Fallback xmlns="">
+      <p:transition spd="slow">
+        <p:fade/>
+      </p:transition>
+    </mc:Fallback>
+  </mc:AlternateContent>
+</p:sld>
+</file>
+
+<file path=ppt/slides/slide4.xml><?xml version="1.0" encoding="utf-8"?>
+<p:sld xmlns:a="http://schemas.openxmlformats.org/drawingml/2006/main" xmlns:r="http://schemas.openxmlformats.org/officeDocument/2006/relationships" xmlns:p="http://schemas.openxmlformats.org/presentationml/2006/main">
+  <p:cSld>
+    <p:spTree>
+      <p:nvGrpSpPr>
+        <p:cNvPr id="1" name=""/>
+        <p:cNvGrpSpPr/>
+        <p:nvPr/>
+      </p:nvGrpSpPr>
+      <p:grpSpPr>
+        <a:xfrm>
+          <a:off x="0" y="0"/>
+          <a:ext cx="0" cy="0"/>
+          <a:chOff x="0" y="0"/>
+          <a:chExt cx="0" cy="0"/>
+        </a:xfrm>
+      </p:grpSpPr>
+      <p:sp>
+        <p:nvSpPr>
+          <p:cNvPr id="2" name="標題 1">
+            <a:extLst>
+              <a:ext uri="{FF2B5EF4-FFF2-40B4-BE49-F238E27FC236}">
+                <a16:creationId xmlns:a16="http://schemas.microsoft.com/office/drawing/2014/main" id="{A952E27C-AD20-4170-9CFA-A09A3A6ED724}"/>
+              </a:ext>
+            </a:extLst>
+          </p:cNvPr>
+          <p:cNvSpPr>
+            <a:spLocks noGrp="1"/>
+          </p:cNvSpPr>
+          <p:nvPr>
+            <p:ph type="title"/>
+          </p:nvPr>
+        </p:nvSpPr>
+        <p:spPr/>
+        <p:txBody>
+          <a:bodyPr/>
+          <a:lstStyle/>
+          <a:p>
+            <a:r>
+              <a:rPr lang="en-US" altLang="zh-TW" dirty="0"/>
+              <a:t>Introduction of Path Planning</a:t>
+            </a:r>
+            <a:endParaRPr lang="zh-TW" altLang="en-US" dirty="0"/>
+          </a:p>
+        </p:txBody>
+      </p:sp>
+      <p:sp>
+        <p:nvSpPr>
+          <p:cNvPr id="4" name="箭號: ＞形 3">
+            <a:extLst>
+              <a:ext uri="{FF2B5EF4-FFF2-40B4-BE49-F238E27FC236}">
+                <a16:creationId xmlns:a16="http://schemas.microsoft.com/office/drawing/2014/main" id="{4E39B216-79E3-4785-B07E-9B256669ED4F}"/>
+              </a:ext>
+            </a:extLst>
+          </p:cNvPr>
+          <p:cNvSpPr/>
+          <p:nvPr/>
+        </p:nvSpPr>
+        <p:spPr>
+          <a:xfrm>
+            <a:off x="948045" y="6056416"/>
+            <a:ext cx="2733541" cy="703654"/>
+          </a:xfrm>
+          <a:prstGeom prst="chevron">
+            <a:avLst/>
+          </a:prstGeom>
+          <a:solidFill>
+            <a:schemeClr val="accent3"/>
+          </a:solidFill>
+          <a:ln w="76200">
+            <a:solidFill>
+              <a:schemeClr val="accent1"/>
+            </a:solidFill>
+          </a:ln>
+          <a:effectLst>
+            <a:outerShdw blurRad="50800" dist="38100" dir="2700000" algn="tl" rotWithShape="0">
+              <a:prstClr val="black">
+                <a:alpha val="40000"/>
+              </a:prstClr>
+            </a:outerShdw>
+          </a:effectLst>
+        </p:spPr>
+        <p:style>
+          <a:lnRef idx="2">
+            <a:schemeClr val="accent1">
+              <a:shade val="50000"/>
+            </a:schemeClr>
+          </a:lnRef>
+          <a:fillRef idx="1">
+            <a:schemeClr val="accent1"/>
+          </a:fillRef>
+          <a:effectRef idx="0">
+            <a:schemeClr val="accent1"/>
+          </a:effectRef>
+          <a:fontRef idx="minor">
+            <a:schemeClr val="lt1"/>
+          </a:fontRef>
+        </p:style>
+        <p:txBody>
+          <a:bodyPr rtlCol="0" anchor="ctr"/>
+          <a:lstStyle/>
+          <a:p>
+            <a:pPr algn="ctr"/>
+            <a:r>
+              <a:rPr lang="en-US" altLang="zh-TW" sz="2400" b="1" dirty="0">
+                <a:solidFill>
+                  <a:schemeClr val="tx1"/>
+                </a:solidFill>
+              </a:rPr>
+              <a:t>Introduction</a:t>
+            </a:r>
+            <a:endParaRPr lang="zh-TW" altLang="en-US" sz="2400" b="1" dirty="0">
+              <a:solidFill>
+                <a:schemeClr val="tx1"/>
+              </a:solidFill>
+            </a:endParaRPr>
+          </a:p>
+        </p:txBody>
+      </p:sp>
+      <p:sp>
+        <p:nvSpPr>
+          <p:cNvPr id="5" name="箭號: ＞形 4">
+            <a:extLst>
+              <a:ext uri="{FF2B5EF4-FFF2-40B4-BE49-F238E27FC236}">
+                <a16:creationId xmlns:a16="http://schemas.microsoft.com/office/drawing/2014/main" id="{5EC7300E-2D0A-4EF0-A091-25E75D87EBF8}"/>
+              </a:ext>
+            </a:extLst>
+          </p:cNvPr>
+          <p:cNvSpPr/>
+          <p:nvPr/>
+        </p:nvSpPr>
+        <p:spPr>
+          <a:xfrm>
+            <a:off x="3293343" y="6056416"/>
+            <a:ext cx="2733541" cy="703654"/>
+          </a:xfrm>
+          <a:prstGeom prst="chevron">
+            <a:avLst/>
+          </a:prstGeom>
+          <a:solidFill>
+            <a:schemeClr val="accent1">
+              <a:lumMod val="40000"/>
+              <a:lumOff val="60000"/>
+            </a:schemeClr>
+          </a:solidFill>
+          <a:ln w="76200">
+            <a:solidFill>
+              <a:schemeClr val="accent1"/>
+            </a:solidFill>
+          </a:ln>
+          <a:effectLst>
+            <a:outerShdw blurRad="50800" dist="38100" dir="2700000" algn="tl" rotWithShape="0">
+              <a:prstClr val="black">
+                <a:alpha val="40000"/>
+              </a:prstClr>
+            </a:outerShdw>
+          </a:effectLst>
+        </p:spPr>
+        <p:style>
+          <a:lnRef idx="2">
+            <a:schemeClr val="accent1">
+              <a:shade val="50000"/>
+            </a:schemeClr>
+          </a:lnRef>
+          <a:fillRef idx="1">
+            <a:schemeClr val="accent1"/>
+          </a:fillRef>
+          <a:effectRef idx="0">
+            <a:schemeClr val="accent1"/>
+          </a:effectRef>
+          <a:fontRef idx="minor">
+            <a:schemeClr val="lt1"/>
+          </a:fontRef>
+        </p:style>
+        <p:txBody>
+          <a:bodyPr rtlCol="0" anchor="ctr"/>
+          <a:lstStyle/>
+          <a:p>
+            <a:pPr algn="ctr"/>
+            <a:r>
+              <a:rPr lang="en-US" altLang="zh-TW" sz="2400" b="1" dirty="0">
+                <a:solidFill>
+                  <a:schemeClr val="tx1"/>
+                </a:solidFill>
+              </a:rPr>
+              <a:t>Methods</a:t>
+            </a:r>
+            <a:endParaRPr lang="zh-TW" altLang="en-US" sz="2400" b="1" dirty="0">
+              <a:solidFill>
+                <a:schemeClr val="tx1"/>
+              </a:solidFill>
+            </a:endParaRPr>
+          </a:p>
+        </p:txBody>
+      </p:sp>
+      <p:sp>
+        <p:nvSpPr>
+          <p:cNvPr id="6" name="箭號: ＞形 5">
+            <a:extLst>
+              <a:ext uri="{FF2B5EF4-FFF2-40B4-BE49-F238E27FC236}">
+                <a16:creationId xmlns:a16="http://schemas.microsoft.com/office/drawing/2014/main" id="{B1CB4C0D-1E5F-44E0-A42F-3AEED4E9952B}"/>
+              </a:ext>
+            </a:extLst>
+          </p:cNvPr>
+          <p:cNvSpPr/>
+          <p:nvPr/>
+        </p:nvSpPr>
+        <p:spPr>
+          <a:xfrm>
+            <a:off x="5638642" y="6056416"/>
+            <a:ext cx="2733541" cy="703654"/>
+          </a:xfrm>
+          <a:prstGeom prst="chevron">
+            <a:avLst/>
+          </a:prstGeom>
+          <a:solidFill>
+            <a:schemeClr val="accent1">
+              <a:lumMod val="40000"/>
+              <a:lumOff val="60000"/>
+            </a:schemeClr>
+          </a:solidFill>
+          <a:ln w="76200">
+            <a:solidFill>
+              <a:schemeClr val="accent1"/>
+            </a:solidFill>
+          </a:ln>
+          <a:effectLst>
+            <a:outerShdw blurRad="50800" dist="38100" dir="2700000" algn="tl" rotWithShape="0">
+              <a:prstClr val="black">
+                <a:alpha val="40000"/>
+              </a:prstClr>
+            </a:outerShdw>
+          </a:effectLst>
+        </p:spPr>
+        <p:style>
+          <a:lnRef idx="2">
+            <a:schemeClr val="accent1">
+              <a:shade val="50000"/>
+            </a:schemeClr>
+          </a:lnRef>
+          <a:fillRef idx="1">
+            <a:schemeClr val="accent1"/>
+          </a:fillRef>
+          <a:effectRef idx="0">
+            <a:schemeClr val="accent1"/>
+          </a:effectRef>
+          <a:fontRef idx="minor">
+            <a:schemeClr val="lt1"/>
+          </a:fontRef>
+        </p:style>
+        <p:txBody>
+          <a:bodyPr rtlCol="0" anchor="ctr"/>
+          <a:lstStyle/>
+          <a:p>
+            <a:pPr algn="ctr"/>
+            <a:r>
+              <a:rPr lang="en-US" altLang="zh-TW" sz="2400" b="1" dirty="0">
+                <a:solidFill>
+                  <a:schemeClr val="tx1"/>
+                </a:solidFill>
+              </a:rPr>
+              <a:t>Results</a:t>
+            </a:r>
+            <a:endParaRPr lang="zh-TW" altLang="en-US" sz="2400" b="1" dirty="0">
+              <a:solidFill>
+                <a:schemeClr val="tx1"/>
+              </a:solidFill>
+            </a:endParaRPr>
+          </a:p>
+        </p:txBody>
+      </p:sp>
+      <p:sp>
+        <p:nvSpPr>
+          <p:cNvPr id="7" name="箭號: ＞形 6">
+            <a:extLst>
+              <a:ext uri="{FF2B5EF4-FFF2-40B4-BE49-F238E27FC236}">
+                <a16:creationId xmlns:a16="http://schemas.microsoft.com/office/drawing/2014/main" id="{E10DF0CA-0FC1-4E86-B5E7-FD76502DEE74}"/>
+              </a:ext>
+            </a:extLst>
+          </p:cNvPr>
+          <p:cNvSpPr/>
+          <p:nvPr/>
+        </p:nvSpPr>
+        <p:spPr>
+          <a:xfrm>
+            <a:off x="7983940" y="6056416"/>
+            <a:ext cx="2733541" cy="703654"/>
+          </a:xfrm>
+          <a:prstGeom prst="chevron">
+            <a:avLst/>
+          </a:prstGeom>
+          <a:solidFill>
+            <a:schemeClr val="accent1">
+              <a:lumMod val="40000"/>
+              <a:lumOff val="60000"/>
+            </a:schemeClr>
+          </a:solidFill>
+          <a:ln w="76200">
+            <a:solidFill>
+              <a:schemeClr val="accent1"/>
+            </a:solidFill>
+          </a:ln>
+          <a:effectLst>
+            <a:outerShdw blurRad="50800" dist="38100" dir="2700000" algn="tl" rotWithShape="0">
+              <a:prstClr val="black">
+                <a:alpha val="40000"/>
+              </a:prstClr>
+            </a:outerShdw>
+          </a:effectLst>
+        </p:spPr>
+        <p:style>
+          <a:lnRef idx="2">
+            <a:schemeClr val="accent1">
+              <a:shade val="50000"/>
+            </a:schemeClr>
+          </a:lnRef>
+          <a:fillRef idx="1">
+            <a:schemeClr val="accent1"/>
+          </a:fillRef>
+          <a:effectRef idx="0">
+            <a:schemeClr val="accent1"/>
+          </a:effectRef>
+          <a:fontRef idx="minor">
+            <a:schemeClr val="lt1"/>
+          </a:fontRef>
+        </p:style>
+        <p:txBody>
+          <a:bodyPr rtlCol="0" anchor="ctr"/>
+          <a:lstStyle/>
+          <a:p>
+            <a:pPr algn="ctr"/>
+            <a:r>
+              <a:rPr lang="en-US" altLang="zh-TW" sz="2400" b="1" dirty="0">
+                <a:solidFill>
+                  <a:schemeClr val="tx1"/>
+                </a:solidFill>
+              </a:rPr>
+              <a:t>Discussion</a:t>
+            </a:r>
+            <a:endParaRPr lang="zh-TW" altLang="en-US" sz="2400" b="1" dirty="0">
+              <a:solidFill>
+                <a:schemeClr val="tx1"/>
+              </a:solidFill>
+            </a:endParaRPr>
+          </a:p>
+        </p:txBody>
+      </p:sp>
+      <p:sp>
+        <p:nvSpPr>
+          <p:cNvPr id="9" name="投影片編號版面配置區 8">
+            <a:extLst>
+              <a:ext uri="{FF2B5EF4-FFF2-40B4-BE49-F238E27FC236}">
+                <a16:creationId xmlns:a16="http://schemas.microsoft.com/office/drawing/2014/main" id="{36AD0D0E-CFEE-4786-A8AE-3CAC3F4C5723}"/>
+              </a:ext>
+            </a:extLst>
+          </p:cNvPr>
+          <p:cNvSpPr>
+            <a:spLocks noGrp="1"/>
+          </p:cNvSpPr>
+          <p:nvPr>
+            <p:ph type="sldNum" sz="quarter" idx="12"/>
+          </p:nvPr>
+        </p:nvSpPr>
+        <p:spPr>
+          <a:xfrm>
+            <a:off x="11507190" y="6176962"/>
+            <a:ext cx="540000" cy="540000"/>
+          </a:xfrm>
+          <a:prstGeom prst="dodecagon">
+            <a:avLst/>
+          </a:prstGeom>
+          <a:solidFill>
+            <a:schemeClr val="bg1">
+              <a:lumMod val="75000"/>
+            </a:schemeClr>
+          </a:solidFill>
+          <a:ln w="28575">
+            <a:solidFill>
+              <a:schemeClr val="tx1"/>
+            </a:solidFill>
+          </a:ln>
+        </p:spPr>
+        <p:txBody>
+          <a:bodyPr>
+            <a:noAutofit/>
+          </a:bodyPr>
+          <a:lstStyle/>
+          <a:p>
+            <a:fld id="{ACB351D4-1F96-497A-B525-5EA7415D2C20}" type="slidenum">
+              <a:rPr lang="zh-TW" altLang="en-US" sz="3200" smtClean="0">
+                <a:solidFill>
+                  <a:srgbClr val="FFFF00"/>
+                </a:solidFill>
+              </a:rPr>
+              <a:t>4</a:t>
+            </a:fld>
+            <a:endParaRPr lang="zh-TW" altLang="en-US" sz="3200" dirty="0">
+              <a:solidFill>
+                <a:srgbClr val="FFFF00"/>
+              </a:solidFill>
+            </a:endParaRPr>
+          </a:p>
+        </p:txBody>
+      </p:sp>
+      <p:sp>
+        <p:nvSpPr>
+          <p:cNvPr id="12" name="手繪多邊形: 圖案 11">
+            <a:extLst>
+              <a:ext uri="{FF2B5EF4-FFF2-40B4-BE49-F238E27FC236}">
+                <a16:creationId xmlns:a16="http://schemas.microsoft.com/office/drawing/2014/main" id="{366DC036-B424-4D3E-93F7-3A76CC9828DF}"/>
+              </a:ext>
+            </a:extLst>
+          </p:cNvPr>
+          <p:cNvSpPr/>
+          <p:nvPr/>
+        </p:nvSpPr>
+        <p:spPr>
+          <a:xfrm>
+            <a:off x="1149831" y="1846858"/>
+            <a:ext cx="2616422" cy="3500575"/>
+          </a:xfrm>
+          <a:custGeom>
+            <a:avLst/>
+            <a:gdLst>
+              <a:gd name="connsiteX0" fmla="*/ 0 w 2108200"/>
+              <a:gd name="connsiteY0" fmla="*/ 1811866 h 1811866"/>
+              <a:gd name="connsiteX1" fmla="*/ 330200 w 2108200"/>
+              <a:gd name="connsiteY1" fmla="*/ 330200 h 1811866"/>
+              <a:gd name="connsiteX2" fmla="*/ 931333 w 2108200"/>
+              <a:gd name="connsiteY2" fmla="*/ 1549400 h 1811866"/>
+              <a:gd name="connsiteX3" fmla="*/ 2108200 w 2108200"/>
+              <a:gd name="connsiteY3" fmla="*/ 0 h 1811866"/>
+            </a:gdLst>
+            <a:ahLst/>
+            <a:cxnLst>
+              <a:cxn ang="0">
+                <a:pos x="connsiteX0" y="connsiteY0"/>
+              </a:cxn>
+              <a:cxn ang="0">
+                <a:pos x="connsiteX1" y="connsiteY1"/>
+              </a:cxn>
+              <a:cxn ang="0">
+                <a:pos x="connsiteX2" y="connsiteY2"/>
+              </a:cxn>
+              <a:cxn ang="0">
+                <a:pos x="connsiteX3" y="connsiteY3"/>
+              </a:cxn>
+            </a:cxnLst>
+            <a:rect l="l" t="t" r="r" b="b"/>
+            <a:pathLst>
+              <a:path w="2108200" h="1811866">
+                <a:moveTo>
+                  <a:pt x="0" y="1811866"/>
+                </a:moveTo>
+                <a:cubicBezTo>
+                  <a:pt x="87489" y="1092905"/>
+                  <a:pt x="174978" y="373944"/>
+                  <a:pt x="330200" y="330200"/>
+                </a:cubicBezTo>
+                <a:cubicBezTo>
+                  <a:pt x="485422" y="286456"/>
+                  <a:pt x="635000" y="1604433"/>
+                  <a:pt x="931333" y="1549400"/>
+                </a:cubicBezTo>
+                <a:cubicBezTo>
+                  <a:pt x="1227666" y="1494367"/>
+                  <a:pt x="1667933" y="747183"/>
+                  <a:pt x="2108200" y="0"/>
+                </a:cubicBezTo>
+              </a:path>
+            </a:pathLst>
+          </a:custGeom>
+          <a:noFill/>
+          <a:ln w="76200"/>
+        </p:spPr>
+        <p:style>
+          <a:lnRef idx="2">
+            <a:schemeClr val="accent1">
+              <a:shade val="50000"/>
+            </a:schemeClr>
+          </a:lnRef>
+          <a:fillRef idx="1">
+            <a:schemeClr val="accent1"/>
+          </a:fillRef>
+          <a:effectRef idx="0">
+            <a:schemeClr val="accent1"/>
+          </a:effectRef>
+          <a:fontRef idx="minor">
+            <a:schemeClr val="lt1"/>
+          </a:fontRef>
+        </p:style>
+        <p:txBody>
+          <a:bodyPr rtlCol="0" anchor="ctr"/>
+          <a:lstStyle/>
+          <a:p>
+            <a:pPr algn="ctr"/>
+            <a:endParaRPr lang="zh-TW" altLang="en-US"/>
+          </a:p>
+        </p:txBody>
+      </p:sp>
+      <p:sp>
+        <p:nvSpPr>
+          <p:cNvPr id="13" name="橢圓 12">
+            <a:extLst>
+              <a:ext uri="{FF2B5EF4-FFF2-40B4-BE49-F238E27FC236}">
+                <a16:creationId xmlns:a16="http://schemas.microsoft.com/office/drawing/2014/main" id="{0E3802AD-0496-4571-87C9-FD14951A58D2}"/>
+              </a:ext>
+            </a:extLst>
+          </p:cNvPr>
+          <p:cNvSpPr/>
+          <p:nvPr/>
+        </p:nvSpPr>
+        <p:spPr>
+          <a:xfrm>
+            <a:off x="3586253" y="1634348"/>
+            <a:ext cx="360000" cy="360000"/>
+          </a:xfrm>
+          <a:prstGeom prst="ellipse">
+            <a:avLst/>
+          </a:prstGeom>
+          <a:solidFill>
+            <a:srgbClr val="FF0000"/>
+          </a:solidFill>
+          <a:ln>
+            <a:solidFill>
+              <a:srgbClr val="FF0000"/>
+            </a:solidFill>
+          </a:ln>
+        </p:spPr>
+        <p:style>
+          <a:lnRef idx="2">
+            <a:schemeClr val="accent1">
+              <a:shade val="50000"/>
+            </a:schemeClr>
+          </a:lnRef>
+          <a:fillRef idx="1">
+            <a:schemeClr val="accent1"/>
+          </a:fillRef>
+          <a:effectRef idx="0">
+            <a:schemeClr val="accent1"/>
+          </a:effectRef>
+          <a:fontRef idx="minor">
+            <a:schemeClr val="lt1"/>
+          </a:fontRef>
+        </p:style>
+        <p:txBody>
+          <a:bodyPr rtlCol="0" anchor="ctr"/>
+          <a:lstStyle/>
+          <a:p>
+            <a:pPr algn="ctr"/>
+            <a:r>
+              <a:rPr lang="en-US" altLang="zh-TW" dirty="0"/>
+              <a:t>B</a:t>
+            </a:r>
+            <a:endParaRPr lang="zh-TW" altLang="en-US" dirty="0"/>
+          </a:p>
+        </p:txBody>
+      </p:sp>
+      <p:pic>
+        <p:nvPicPr>
+          <p:cNvPr id="10" name="圖片 9">
+            <a:extLst>
+              <a:ext uri="{FF2B5EF4-FFF2-40B4-BE49-F238E27FC236}">
+                <a16:creationId xmlns:a16="http://schemas.microsoft.com/office/drawing/2014/main" id="{BEE7CEBA-467D-4F4A-840E-96D346ACE5EE}"/>
+              </a:ext>
+            </a:extLst>
+          </p:cNvPr>
+          <p:cNvPicPr>
+            <a:picLocks noChangeAspect="1"/>
+          </p:cNvPicPr>
+          <p:nvPr/>
+        </p:nvPicPr>
+        <p:blipFill>
+          <a:blip r:embed="rId2">
+            <a:extLst>
+              <a:ext uri="{28A0092B-C50C-407E-A947-70E740481C1C}">
+                <a14:useLocalDpi xmlns:a14="http://schemas.microsoft.com/office/drawing/2010/main" val="0"/>
+              </a:ext>
+            </a:extLst>
+          </a:blip>
+          <a:stretch>
+            <a:fillRect/>
+          </a:stretch>
+        </p:blipFill>
+        <p:spPr>
+          <a:xfrm>
+            <a:off x="360439" y="4283108"/>
+            <a:ext cx="1052311" cy="1052311"/>
+          </a:xfrm>
+          <a:prstGeom prst="rect">
+            <a:avLst/>
+          </a:prstGeom>
+        </p:spPr>
+      </p:pic>
+      <p:sp>
+        <p:nvSpPr>
+          <p:cNvPr id="14" name="橢圓 13">
+            <a:extLst>
+              <a:ext uri="{FF2B5EF4-FFF2-40B4-BE49-F238E27FC236}">
+                <a16:creationId xmlns:a16="http://schemas.microsoft.com/office/drawing/2014/main" id="{1C4CCA07-3369-4344-A52F-4076AEC42568}"/>
+              </a:ext>
+            </a:extLst>
+          </p:cNvPr>
+          <p:cNvSpPr/>
+          <p:nvPr/>
+        </p:nvSpPr>
+        <p:spPr>
+          <a:xfrm>
+            <a:off x="939375" y="5155419"/>
+            <a:ext cx="360000" cy="360000"/>
+          </a:xfrm>
+          <a:prstGeom prst="ellipse">
+            <a:avLst/>
+          </a:prstGeom>
+          <a:solidFill>
+            <a:srgbClr val="00B050"/>
+          </a:solidFill>
+          <a:ln>
+            <a:solidFill>
+              <a:srgbClr val="00B050"/>
+            </a:solidFill>
+          </a:ln>
+        </p:spPr>
+        <p:style>
+          <a:lnRef idx="2">
+            <a:schemeClr val="accent1">
+              <a:shade val="50000"/>
+            </a:schemeClr>
+          </a:lnRef>
+          <a:fillRef idx="1">
+            <a:schemeClr val="accent1"/>
+          </a:fillRef>
+          <a:effectRef idx="0">
+            <a:schemeClr val="accent1"/>
+          </a:effectRef>
+          <a:fontRef idx="minor">
+            <a:schemeClr val="lt1"/>
+          </a:fontRef>
+        </p:style>
+        <p:txBody>
+          <a:bodyPr rtlCol="0" anchor="ctr"/>
+          <a:lstStyle/>
+          <a:p>
+            <a:pPr algn="ctr"/>
+            <a:r>
+              <a:rPr lang="en-US" altLang="zh-TW" dirty="0"/>
+              <a:t>A</a:t>
+            </a:r>
+            <a:endParaRPr lang="zh-TW" altLang="en-US" dirty="0"/>
+          </a:p>
+        </p:txBody>
+      </p:sp>
+      <p:sp>
+        <p:nvSpPr>
+          <p:cNvPr id="16" name="等腰三角形 15">
+            <a:extLst>
+              <a:ext uri="{FF2B5EF4-FFF2-40B4-BE49-F238E27FC236}">
+                <a16:creationId xmlns:a16="http://schemas.microsoft.com/office/drawing/2014/main" id="{9E4ACEDA-C68E-4A32-B63C-BE3414A5FCA1}"/>
+              </a:ext>
+            </a:extLst>
+          </p:cNvPr>
+          <p:cNvSpPr/>
+          <p:nvPr/>
+        </p:nvSpPr>
+        <p:spPr>
+          <a:xfrm>
+            <a:off x="1470159" y="3101660"/>
+            <a:ext cx="245182" cy="1288058"/>
+          </a:xfrm>
+          <a:prstGeom prst="triangle">
+            <a:avLst/>
+          </a:prstGeom>
+          <a:solidFill>
+            <a:srgbClr val="F26E61"/>
+          </a:solidFill>
+          <a:ln w="28575">
+            <a:solidFill>
+              <a:schemeClr val="accent1">
+                <a:lumMod val="50000"/>
+              </a:schemeClr>
+            </a:solidFill>
+          </a:ln>
+        </p:spPr>
+        <p:style>
+          <a:lnRef idx="2">
+            <a:schemeClr val="accent1">
+              <a:shade val="50000"/>
+            </a:schemeClr>
+          </a:lnRef>
+          <a:fillRef idx="1">
+            <a:schemeClr val="accent1"/>
+          </a:fillRef>
+          <a:effectRef idx="0">
+            <a:schemeClr val="accent1"/>
+          </a:effectRef>
+          <a:fontRef idx="minor">
+            <a:schemeClr val="lt1"/>
+          </a:fontRef>
+        </p:style>
+        <p:txBody>
+          <a:bodyPr rtlCol="0" anchor="ctr"/>
+          <a:lstStyle/>
+          <a:p>
+            <a:pPr algn="ctr"/>
+            <a:endParaRPr lang="zh-TW" altLang="en-US"/>
+          </a:p>
+        </p:txBody>
+      </p:sp>
+      <p:sp>
+        <p:nvSpPr>
+          <p:cNvPr id="17" name="等腰三角形 16">
+            <a:extLst>
+              <a:ext uri="{FF2B5EF4-FFF2-40B4-BE49-F238E27FC236}">
+                <a16:creationId xmlns:a16="http://schemas.microsoft.com/office/drawing/2014/main" id="{09968664-F94D-47DC-876E-6F26C932D930}"/>
+              </a:ext>
+            </a:extLst>
+          </p:cNvPr>
+          <p:cNvSpPr/>
+          <p:nvPr/>
+        </p:nvSpPr>
+        <p:spPr>
+          <a:xfrm rot="11260378">
+            <a:off x="1833883" y="2395694"/>
+            <a:ext cx="1248319" cy="2066611"/>
+          </a:xfrm>
+          <a:prstGeom prst="triangle">
+            <a:avLst/>
+          </a:prstGeom>
+          <a:solidFill>
+            <a:srgbClr val="F26E61"/>
+          </a:solidFill>
+          <a:ln w="28575">
+            <a:solidFill>
+              <a:schemeClr val="accent1">
+                <a:lumMod val="50000"/>
+              </a:schemeClr>
+            </a:solidFill>
+          </a:ln>
+        </p:spPr>
+        <p:style>
+          <a:lnRef idx="2">
+            <a:schemeClr val="accent1">
+              <a:shade val="50000"/>
+            </a:schemeClr>
+          </a:lnRef>
+          <a:fillRef idx="1">
+            <a:schemeClr val="accent1"/>
+          </a:fillRef>
+          <a:effectRef idx="0">
+            <a:schemeClr val="accent1"/>
+          </a:effectRef>
+          <a:fontRef idx="minor">
+            <a:schemeClr val="lt1"/>
+          </a:fontRef>
+        </p:style>
+        <p:txBody>
+          <a:bodyPr rtlCol="0" anchor="ctr"/>
+          <a:lstStyle/>
+          <a:p>
+            <a:pPr algn="ctr"/>
+            <a:endParaRPr lang="zh-TW" altLang="en-US"/>
+          </a:p>
+        </p:txBody>
+      </p:sp>
+      <p:pic>
+        <p:nvPicPr>
+          <p:cNvPr id="18" name="內容版面配置區 11">
+            <a:extLst>
+              <a:ext uri="{FF2B5EF4-FFF2-40B4-BE49-F238E27FC236}">
+                <a16:creationId xmlns:a16="http://schemas.microsoft.com/office/drawing/2014/main" id="{B846259E-5A92-473C-B3D6-5B2CE37AC87A}"/>
+              </a:ext>
+            </a:extLst>
+          </p:cNvPr>
+          <p:cNvPicPr>
+            <a:picLocks noGrp="1" noChangeAspect="1"/>
+          </p:cNvPicPr>
+          <p:nvPr>
+            <p:ph idx="1"/>
+          </p:nvPr>
+        </p:nvPicPr>
+        <p:blipFill rotWithShape="1">
+          <a:blip r:embed="rId3">
+            <a:extLst>
+              <a:ext uri="{28A0092B-C50C-407E-A947-70E740481C1C}">
+                <a14:useLocalDpi xmlns:a14="http://schemas.microsoft.com/office/drawing/2010/main" val="0"/>
+              </a:ext>
+            </a:extLst>
+          </a:blip>
+          <a:srcRect l="28629" t="6839" r="25185" b="10504"/>
+          <a:stretch/>
+        </p:blipFill>
+        <p:spPr>
+          <a:xfrm>
+            <a:off x="4555645" y="1783032"/>
+            <a:ext cx="3288359" cy="3291933"/>
+          </a:xfrm>
+        </p:spPr>
+      </p:pic>
+      <p:pic>
+        <p:nvPicPr>
+          <p:cNvPr id="20" name="圖片 19">
+            <a:extLst>
+              <a:ext uri="{FF2B5EF4-FFF2-40B4-BE49-F238E27FC236}">
+                <a16:creationId xmlns:a16="http://schemas.microsoft.com/office/drawing/2014/main" id="{2C8C1B92-B2EB-4BDD-8E81-7B8C0A412AAA}"/>
+              </a:ext>
+            </a:extLst>
+          </p:cNvPr>
+          <p:cNvPicPr>
+            <a:picLocks noChangeAspect="1"/>
+          </p:cNvPicPr>
+          <p:nvPr/>
+        </p:nvPicPr>
+        <p:blipFill rotWithShape="1">
+          <a:blip r:embed="rId4"/>
+          <a:srcRect l="23789" t="5544" r="24127" b="1494"/>
+          <a:stretch/>
+        </p:blipFill>
+        <p:spPr>
+          <a:xfrm>
+            <a:off x="8262117" y="1783032"/>
+            <a:ext cx="3451519" cy="3226365"/>
+          </a:xfrm>
+          <a:prstGeom prst="rect">
+            <a:avLst/>
+          </a:prstGeom>
+        </p:spPr>
+      </p:pic>
+      <p:sp>
+        <p:nvSpPr>
+          <p:cNvPr id="21" name="文字方塊 20">
+            <a:extLst>
+              <a:ext uri="{FF2B5EF4-FFF2-40B4-BE49-F238E27FC236}">
+                <a16:creationId xmlns:a16="http://schemas.microsoft.com/office/drawing/2014/main" id="{79475756-816F-402D-9178-7FBFB4A9207F}"/>
+              </a:ext>
+            </a:extLst>
+          </p:cNvPr>
+          <p:cNvSpPr txBox="1"/>
+          <p:nvPr/>
+        </p:nvSpPr>
+        <p:spPr>
+          <a:xfrm>
+            <a:off x="4555645" y="5074965"/>
+            <a:ext cx="3288359" cy="369332"/>
+          </a:xfrm>
+          <a:prstGeom prst="rect">
+            <a:avLst/>
+          </a:prstGeom>
+          <a:noFill/>
+        </p:spPr>
+        <p:txBody>
+          <a:bodyPr wrap="square" rtlCol="0">
+            <a:spAutoFit/>
+          </a:bodyPr>
+          <a:lstStyle/>
+          <a:p>
+            <a:r>
+              <a:rPr lang="en-US" altLang="zh-TW" dirty="0"/>
+              <a:t>Global Planning</a:t>
+            </a:r>
+            <a:endParaRPr lang="zh-TW" altLang="en-US" dirty="0"/>
+          </a:p>
+        </p:txBody>
+      </p:sp>
+      <p:sp>
+        <p:nvSpPr>
+          <p:cNvPr id="22" name="文字方塊 21">
+            <a:extLst>
+              <a:ext uri="{FF2B5EF4-FFF2-40B4-BE49-F238E27FC236}">
+                <a16:creationId xmlns:a16="http://schemas.microsoft.com/office/drawing/2014/main" id="{FFC04C07-37C1-49AD-BDED-354C5F233222}"/>
+              </a:ext>
+            </a:extLst>
+          </p:cNvPr>
+          <p:cNvSpPr txBox="1"/>
+          <p:nvPr/>
+        </p:nvSpPr>
+        <p:spPr>
+          <a:xfrm>
+            <a:off x="8262117" y="5042699"/>
+            <a:ext cx="3288359" cy="369332"/>
+          </a:xfrm>
+          <a:prstGeom prst="rect">
+            <a:avLst/>
+          </a:prstGeom>
+          <a:noFill/>
+        </p:spPr>
+        <p:txBody>
+          <a:bodyPr wrap="square" rtlCol="0">
+            <a:spAutoFit/>
+          </a:bodyPr>
+          <a:lstStyle/>
+          <a:p>
+            <a:r>
+              <a:rPr lang="en-US" altLang="zh-TW"/>
+              <a:t>Local </a:t>
+            </a:r>
+            <a:r>
+              <a:rPr lang="en-US" altLang="zh-TW" dirty="0"/>
+              <a:t>Planning</a:t>
+            </a:r>
+            <a:endParaRPr lang="zh-TW" altLang="en-US" dirty="0"/>
+          </a:p>
+        </p:txBody>
+      </p:sp>
+    </p:spTree>
+    <p:extLst>
+      <p:ext uri="{BB962C8B-B14F-4D97-AF65-F5344CB8AC3E}">
+        <p14:creationId xmlns:p14="http://schemas.microsoft.com/office/powerpoint/2010/main" val="2874713874"/>
+      </p:ext>
+    </p:extLst>
+  </p:cSld>
+  <p:clrMapOvr>
+    <a:masterClrMapping/>
+  </p:clrMapOvr>
   <mc:AlternateContent xmlns:mc="http://schemas.openxmlformats.org/markup-compatibility/2006">
     <mc:Choice xmlns:p159="http://schemas.microsoft.com/office/powerpoint/2015/09/main" Requires="p159">
       <p:transition xmlns:p14="http://schemas.microsoft.com/office/powerpoint/2010/main" spd="slow" p14:dur="2000">
@@ -16140,7 +17070,7 @@
 </p:sld>
 </file>
 
-<file path=ppt/slides/slide4.xml><?xml version="1.0" encoding="utf-8"?>
+<file path=ppt/slides/slide5.xml><?xml version="1.0" encoding="utf-8"?>
 <p:sld xmlns:a="http://schemas.openxmlformats.org/drawingml/2006/main" xmlns:r="http://schemas.openxmlformats.org/officeDocument/2006/relationships" xmlns:p="http://schemas.openxmlformats.org/presentationml/2006/main">
   <p:cSld>
     <p:spTree>
@@ -16559,7 +17489,7 @@
                   <a:srgbClr val="FFFF00"/>
                 </a:solidFill>
               </a:rPr>
-              <a:t>4</a:t>
+              <a:t>5</a:t>
             </a:fld>
             <a:endParaRPr lang="zh-TW" altLang="en-US" sz="3200" dirty="0">
               <a:solidFill>
@@ -16579,13 +17509,13 @@
   <p:clrMapOvr>
     <a:masterClrMapping/>
   </p:clrMapOvr>
-  <mc:AlternateContent xmlns:mc="http://schemas.openxmlformats.org/markup-compatibility/2006">
-    <mc:Choice xmlns:p159="http://schemas.microsoft.com/office/powerpoint/2015/09/main" Requires="p159">
+  <mc:AlternateContent xmlns:mc="http://schemas.openxmlformats.org/markup-compatibility/2006" xmlns:p159="http://schemas.microsoft.com/office/powerpoint/2015/09/main">
+    <mc:Choice Requires="p159">
       <p:transition xmlns:p14="http://schemas.microsoft.com/office/powerpoint/2010/main" spd="slow" p14:dur="2000">
         <p159:morph option="byObject"/>
       </p:transition>
     </mc:Choice>
-    <mc:Fallback>
+    <mc:Fallback xmlns="">
       <p:transition spd="slow">
         <p:fade/>
       </p:transition>
@@ -16594,7 +17524,7 @@
 </p:sld>
 </file>
 
-<file path=ppt/slides/slide5.xml><?xml version="1.0" encoding="utf-8"?>
+<file path=ppt/slides/slide6.xml><?xml version="1.0" encoding="utf-8"?>
 <p:sld xmlns:a="http://schemas.openxmlformats.org/drawingml/2006/main" xmlns:r="http://schemas.openxmlformats.org/officeDocument/2006/relationships" xmlns:p="http://schemas.openxmlformats.org/presentationml/2006/main">
   <p:cSld>
     <p:spTree>
@@ -17641,7 +18571,7 @@
           <a:p>
             <a:r>
               <a:rPr lang="en-US" altLang="zh-TW" dirty="0"/>
-              <a:t>Velocity Obstacle (VO)</a:t>
+              <a:t>Velocity Obstacle (VO)-1</a:t>
             </a:r>
             <a:endParaRPr lang="zh-TW" altLang="en-US" dirty="0"/>
           </a:p>
@@ -17995,7 +18925,7 @@
                   <a:srgbClr val="FFFF00"/>
                 </a:solidFill>
               </a:rPr>
-              <a:t>5</a:t>
+              <a:t>6</a:t>
             </a:fld>
             <a:endParaRPr lang="zh-TW" altLang="en-US" sz="3200" dirty="0">
               <a:solidFill>
@@ -18705,8 +19635,8 @@
           </a:fontRef>
         </p:style>
       </p:cxnSp>
-      <mc:AlternateContent xmlns:mc="http://schemas.openxmlformats.org/markup-compatibility/2006">
-        <mc:Choice xmlns:a14="http://schemas.microsoft.com/office/drawing/2010/main" Requires="a14">
+      <mc:AlternateContent xmlns:mc="http://schemas.openxmlformats.org/markup-compatibility/2006" xmlns:a14="http://schemas.microsoft.com/office/drawing/2010/main">
+        <mc:Choice Requires="a14">
           <p:sp>
             <p:nvSpPr>
               <p:cNvPr id="45" name="文字方塊 44">
@@ -18735,6 +19665,7 @@
               </a:bodyPr>
               <a:lstStyle/>
               <a:p>
+                <a:pPr/>
                 <a14:m>
                   <m:oMathPara xmlns:m="http://schemas.openxmlformats.org/officeDocument/2006/math">
                     <m:oMathParaPr>
@@ -18805,7 +19736,7 @@
             </p:txBody>
           </p:sp>
         </mc:Choice>
-        <mc:Fallback>
+        <mc:Fallback xmlns="">
           <p:sp>
             <p:nvSpPr>
               <p:cNvPr id="45" name="文字方塊 44">
@@ -19000,8 +19931,8 @@
           </a:p>
         </p:txBody>
       </p:sp>
-      <mc:AlternateContent xmlns:mc="http://schemas.openxmlformats.org/markup-compatibility/2006">
-        <mc:Choice xmlns:a14="http://schemas.microsoft.com/office/drawing/2010/main" Requires="a14">
+      <mc:AlternateContent xmlns:mc="http://schemas.openxmlformats.org/markup-compatibility/2006" xmlns:a14="http://schemas.microsoft.com/office/drawing/2010/main">
+        <mc:Choice Requires="a14">
           <p:sp>
             <p:nvSpPr>
               <p:cNvPr id="159" name="文字方塊 158">
@@ -19030,6 +19961,7 @@
               </a:bodyPr>
               <a:lstStyle/>
               <a:p>
+                <a:pPr/>
                 <a14:m>
                   <m:oMathPara xmlns:m="http://schemas.openxmlformats.org/officeDocument/2006/math">
                     <m:oMathParaPr>
@@ -19088,7 +20020,7 @@
             </p:txBody>
           </p:sp>
         </mc:Choice>
-        <mc:Fallback>
+        <mc:Fallback xmlns="">
           <p:sp>
             <p:nvSpPr>
               <p:cNvPr id="159" name="文字方塊 158">
@@ -19133,8 +20065,8 @@
           </p:sp>
         </mc:Fallback>
       </mc:AlternateContent>
-      <mc:AlternateContent xmlns:mc="http://schemas.openxmlformats.org/markup-compatibility/2006">
-        <mc:Choice xmlns:a14="http://schemas.microsoft.com/office/drawing/2010/main" Requires="a14">
+      <mc:AlternateContent xmlns:mc="http://schemas.openxmlformats.org/markup-compatibility/2006" xmlns:a14="http://schemas.microsoft.com/office/drawing/2010/main">
+        <mc:Choice Requires="a14">
           <p:sp>
             <p:nvSpPr>
               <p:cNvPr id="160" name="文字方塊 159">
@@ -19163,6 +20095,7 @@
               </a:bodyPr>
               <a:lstStyle/>
               <a:p>
+                <a:pPr/>
                 <a14:m>
                   <m:oMathPara xmlns:m="http://schemas.openxmlformats.org/officeDocument/2006/math">
                     <m:oMathParaPr>
@@ -19221,7 +20154,7 @@
             </p:txBody>
           </p:sp>
         </mc:Choice>
-        <mc:Fallback>
+        <mc:Fallback xmlns="">
           <p:sp>
             <p:nvSpPr>
               <p:cNvPr id="160" name="文字方塊 159">
@@ -19266,8 +20199,8 @@
           </p:sp>
         </mc:Fallback>
       </mc:AlternateContent>
-      <mc:AlternateContent xmlns:mc="http://schemas.openxmlformats.org/markup-compatibility/2006">
-        <mc:Choice xmlns:a14="http://schemas.microsoft.com/office/drawing/2010/main" Requires="a14">
+      <mc:AlternateContent xmlns:mc="http://schemas.openxmlformats.org/markup-compatibility/2006" xmlns:a14="http://schemas.microsoft.com/office/drawing/2010/main">
+        <mc:Choice Requires="a14">
           <p:sp>
             <p:nvSpPr>
               <p:cNvPr id="161" name="文字方塊 160">
@@ -19296,6 +20229,7 @@
               </a:bodyPr>
               <a:lstStyle/>
               <a:p>
+                <a:pPr/>
                 <a14:m>
                   <m:oMathPara xmlns:m="http://schemas.openxmlformats.org/officeDocument/2006/math">
                     <m:oMathParaPr>
@@ -19322,7 +20256,7 @@
             </p:txBody>
           </p:sp>
         </mc:Choice>
-        <mc:Fallback>
+        <mc:Fallback xmlns="">
           <p:sp>
             <p:nvSpPr>
               <p:cNvPr id="161" name="文字方塊 160">
@@ -19413,8 +20347,8 @@
           </a:p>
         </p:txBody>
       </p:sp>
-      <mc:AlternateContent xmlns:mc="http://schemas.openxmlformats.org/markup-compatibility/2006">
-        <mc:Choice xmlns:a14="http://schemas.microsoft.com/office/drawing/2010/main" Requires="a14">
+      <mc:AlternateContent xmlns:mc="http://schemas.openxmlformats.org/markup-compatibility/2006" xmlns:a14="http://schemas.microsoft.com/office/drawing/2010/main">
+        <mc:Choice Requires="a14">
           <p:sp>
             <p:nvSpPr>
               <p:cNvPr id="195" name="文字方塊 194">
@@ -19499,7 +20433,7 @@
             </p:txBody>
           </p:sp>
         </mc:Choice>
-        <mc:Fallback>
+        <mc:Fallback xmlns="">
           <p:sp>
             <p:nvSpPr>
               <p:cNvPr id="195" name="文字方塊 194">
@@ -19628,8 +20562,8 @@
           </a:fontRef>
         </p:style>
       </p:cxnSp>
-      <mc:AlternateContent xmlns:mc="http://schemas.openxmlformats.org/markup-compatibility/2006">
-        <mc:Choice xmlns:a14="http://schemas.microsoft.com/office/drawing/2010/main" Requires="a14">
+      <mc:AlternateContent xmlns:mc="http://schemas.openxmlformats.org/markup-compatibility/2006" xmlns:a14="http://schemas.microsoft.com/office/drawing/2010/main">
+        <mc:Choice Requires="a14">
           <p:sp>
             <p:nvSpPr>
               <p:cNvPr id="203" name="文字方塊 202">
@@ -19658,6 +20592,7 @@
               </a:bodyPr>
               <a:lstStyle/>
               <a:p>
+                <a:pPr/>
                 <a14:m>
                   <m:oMathPara xmlns:m="http://schemas.openxmlformats.org/officeDocument/2006/math">
                     <m:oMathParaPr>
@@ -19716,7 +20651,7 @@
             </p:txBody>
           </p:sp>
         </mc:Choice>
-        <mc:Fallback>
+        <mc:Fallback xmlns="">
           <p:sp>
             <p:nvSpPr>
               <p:cNvPr id="203" name="文字方塊 202">
@@ -19761,8 +20696,8 @@
           </p:sp>
         </mc:Fallback>
       </mc:AlternateContent>
-      <mc:AlternateContent xmlns:mc="http://schemas.openxmlformats.org/markup-compatibility/2006">
-        <mc:Choice xmlns:a14="http://schemas.microsoft.com/office/drawing/2010/main" Requires="a14">
+      <mc:AlternateContent xmlns:mc="http://schemas.openxmlformats.org/markup-compatibility/2006" xmlns:a14="http://schemas.microsoft.com/office/drawing/2010/main">
+        <mc:Choice Requires="a14">
           <p:sp>
             <p:nvSpPr>
               <p:cNvPr id="204" name="文字方塊 203">
@@ -19791,6 +20726,7 @@
               </a:bodyPr>
               <a:lstStyle/>
               <a:p>
+                <a:pPr/>
                 <a14:m>
                   <m:oMathPara xmlns:m="http://schemas.openxmlformats.org/officeDocument/2006/math">
                     <m:oMathParaPr>
@@ -19849,7 +20785,7 @@
             </p:txBody>
           </p:sp>
         </mc:Choice>
-        <mc:Fallback>
+        <mc:Fallback xmlns="">
           <p:sp>
             <p:nvSpPr>
               <p:cNvPr id="204" name="文字方塊 203">
@@ -19894,8 +20830,8 @@
           </p:sp>
         </mc:Fallback>
       </mc:AlternateContent>
-      <mc:AlternateContent xmlns:mc="http://schemas.openxmlformats.org/markup-compatibility/2006">
-        <mc:Choice xmlns:a14="http://schemas.microsoft.com/office/drawing/2010/main" Requires="a14">
+      <mc:AlternateContent xmlns:mc="http://schemas.openxmlformats.org/markup-compatibility/2006" xmlns:a14="http://schemas.microsoft.com/office/drawing/2010/main">
+        <mc:Choice Requires="a14">
           <p:sp>
             <p:nvSpPr>
               <p:cNvPr id="205" name="文字方塊 204">
@@ -19924,6 +20860,7 @@
               </a:bodyPr>
               <a:lstStyle/>
               <a:p>
+                <a:pPr/>
                 <a14:m>
                   <m:oMathPara xmlns:m="http://schemas.openxmlformats.org/officeDocument/2006/math">
                     <m:oMathParaPr>
@@ -19950,7 +20887,7 @@
             </p:txBody>
           </p:sp>
         </mc:Choice>
-        <mc:Fallback>
+        <mc:Fallback xmlns="">
           <p:sp>
             <p:nvSpPr>
               <p:cNvPr id="205" name="文字方塊 204">
@@ -20223,8 +21160,8 @@
             </a:fontRef>
           </p:style>
         </p:cxnSp>
-        <mc:AlternateContent xmlns:mc="http://schemas.openxmlformats.org/markup-compatibility/2006">
-          <mc:Choice xmlns:a14="http://schemas.microsoft.com/office/drawing/2010/main" Requires="a14">
+        <mc:AlternateContent xmlns:mc="http://schemas.openxmlformats.org/markup-compatibility/2006" xmlns:a14="http://schemas.microsoft.com/office/drawing/2010/main">
+          <mc:Choice Requires="a14">
             <p:sp>
               <p:nvSpPr>
                 <p:cNvPr id="210" name="文字方塊 209">
@@ -20253,6 +21190,7 @@
                 </a:bodyPr>
                 <a:lstStyle/>
                 <a:p>
+                  <a:pPr/>
                   <a14:m>
                     <m:oMathPara xmlns:m="http://schemas.openxmlformats.org/officeDocument/2006/math">
                       <m:oMathParaPr>
@@ -20292,7 +21230,7 @@
               </p:txBody>
             </p:sp>
           </mc:Choice>
-          <mc:Fallback>
+          <mc:Fallback xmlns="">
             <p:sp>
               <p:nvSpPr>
                 <p:cNvPr id="210" name="文字方塊 209">
@@ -20402,8 +21340,8 @@
             </a:fontRef>
           </p:style>
         </p:cxnSp>
-        <mc:AlternateContent xmlns:mc="http://schemas.openxmlformats.org/markup-compatibility/2006">
-          <mc:Choice xmlns:a14="http://schemas.microsoft.com/office/drawing/2010/main" Requires="a14">
+        <mc:AlternateContent xmlns:mc="http://schemas.openxmlformats.org/markup-compatibility/2006" xmlns:a14="http://schemas.microsoft.com/office/drawing/2010/main">
+          <mc:Choice Requires="a14">
             <p:sp>
               <p:nvSpPr>
                 <p:cNvPr id="214" name="文字方塊 213">
@@ -20432,6 +21370,7 @@
                 </a:bodyPr>
                 <a:lstStyle/>
                 <a:p>
+                  <a:pPr/>
                   <a14:m>
                     <m:oMathPara xmlns:m="http://schemas.openxmlformats.org/officeDocument/2006/math">
                       <m:oMathParaPr>
@@ -20471,7 +21410,7 @@
               </p:txBody>
             </p:sp>
           </mc:Choice>
-          <mc:Fallback>
+          <mc:Fallback xmlns="">
             <p:sp>
               <p:nvSpPr>
                 <p:cNvPr id="214" name="文字方塊 213">
@@ -20563,8 +21502,8 @@
           </a:p>
         </p:txBody>
       </p:sp>
-      <mc:AlternateContent xmlns:mc="http://schemas.openxmlformats.org/markup-compatibility/2006">
-        <mc:Choice xmlns:a14="http://schemas.microsoft.com/office/drawing/2010/main" Requires="a14">
+      <mc:AlternateContent xmlns:mc="http://schemas.openxmlformats.org/markup-compatibility/2006" xmlns:a14="http://schemas.microsoft.com/office/drawing/2010/main">
+        <mc:Choice Requires="a14">
           <p:sp>
             <p:nvSpPr>
               <p:cNvPr id="288" name="文字方塊 287">
@@ -20649,7 +21588,7 @@
             </p:txBody>
           </p:sp>
         </mc:Choice>
-        <mc:Fallback>
+        <mc:Fallback xmlns="">
           <p:sp>
             <p:nvSpPr>
               <p:cNvPr id="288" name="文字方塊 287">
@@ -20694,8 +21633,8 @@
           </p:sp>
         </mc:Fallback>
       </mc:AlternateContent>
-      <mc:AlternateContent xmlns:mc="http://schemas.openxmlformats.org/markup-compatibility/2006">
-        <mc:Choice xmlns:a14="http://schemas.microsoft.com/office/drawing/2010/main" Requires="a14">
+      <mc:AlternateContent xmlns:mc="http://schemas.openxmlformats.org/markup-compatibility/2006" xmlns:a14="http://schemas.microsoft.com/office/drawing/2010/main">
+        <mc:Choice Requires="a14">
           <p:sp>
             <p:nvSpPr>
               <p:cNvPr id="289" name="文字方塊 288">
@@ -20726,6 +21665,7 @@
               </a:bodyPr>
               <a:lstStyle/>
               <a:p>
+                <a:pPr/>
                 <a14:m>
                   <m:oMathPara xmlns:m="http://schemas.openxmlformats.org/officeDocument/2006/math">
                     <m:oMathParaPr>
@@ -20839,7 +21779,7 @@
             </p:txBody>
           </p:sp>
         </mc:Choice>
-        <mc:Fallback>
+        <mc:Fallback xmlns="">
           <p:sp>
             <p:nvSpPr>
               <p:cNvPr id="289" name="文字方塊 288">
@@ -20894,13 +21834,13 @@
   <p:clrMapOvr>
     <a:masterClrMapping/>
   </p:clrMapOvr>
-  <mc:AlternateContent xmlns:mc="http://schemas.openxmlformats.org/markup-compatibility/2006">
-    <mc:Choice xmlns:p159="http://schemas.microsoft.com/office/powerpoint/2015/09/main" Requires="p159">
+  <mc:AlternateContent xmlns:mc="http://schemas.openxmlformats.org/markup-compatibility/2006" xmlns:p159="http://schemas.microsoft.com/office/powerpoint/2015/09/main">
+    <mc:Choice Requires="p159">
       <p:transition xmlns:p14="http://schemas.microsoft.com/office/powerpoint/2010/main" spd="slow" p14:dur="2000">
         <p159:morph option="byObject"/>
       </p:transition>
     </mc:Choice>
-    <mc:Fallback>
+    <mc:Fallback xmlns="">
       <p:transition spd="slow">
         <p:fade/>
       </p:transition>
@@ -22331,7 +23271,3610 @@
 </p:sld>
 </file>
 
-<file path=ppt/slides/slide6.xml><?xml version="1.0" encoding="utf-8"?>
+<file path=ppt/slides/slide7.xml><?xml version="1.0" encoding="utf-8"?>
+<p:sld xmlns:a="http://schemas.openxmlformats.org/drawingml/2006/main" xmlns:r="http://schemas.openxmlformats.org/officeDocument/2006/relationships" xmlns:p="http://schemas.openxmlformats.org/presentationml/2006/main">
+  <p:cSld>
+    <p:spTree>
+      <p:nvGrpSpPr>
+        <p:cNvPr id="1" name=""/>
+        <p:cNvGrpSpPr/>
+        <p:nvPr/>
+      </p:nvGrpSpPr>
+      <p:grpSpPr>
+        <a:xfrm>
+          <a:off x="0" y="0"/>
+          <a:ext cx="0" cy="0"/>
+          <a:chOff x="0" y="0"/>
+          <a:chExt cx="0" cy="0"/>
+        </a:xfrm>
+      </p:grpSpPr>
+      <p:sp>
+        <p:nvSpPr>
+          <p:cNvPr id="4" name="箭號: ＞形 3">
+            <a:extLst>
+              <a:ext uri="{FF2B5EF4-FFF2-40B4-BE49-F238E27FC236}">
+                <a16:creationId xmlns:a16="http://schemas.microsoft.com/office/drawing/2014/main" id="{4E39B216-79E3-4785-B07E-9B256669ED4F}"/>
+              </a:ext>
+            </a:extLst>
+          </p:cNvPr>
+          <p:cNvSpPr/>
+          <p:nvPr/>
+        </p:nvSpPr>
+        <p:spPr>
+          <a:xfrm>
+            <a:off x="948045" y="6056416"/>
+            <a:ext cx="2733541" cy="703654"/>
+          </a:xfrm>
+          <a:prstGeom prst="chevron">
+            <a:avLst/>
+          </a:prstGeom>
+          <a:solidFill>
+            <a:schemeClr val="accent1">
+              <a:lumMod val="40000"/>
+              <a:lumOff val="60000"/>
+            </a:schemeClr>
+          </a:solidFill>
+          <a:ln w="76200">
+            <a:solidFill>
+              <a:schemeClr val="accent1"/>
+            </a:solidFill>
+          </a:ln>
+          <a:effectLst>
+            <a:outerShdw blurRad="50800" dist="38100" dir="2700000" algn="tl" rotWithShape="0">
+              <a:prstClr val="black">
+                <a:alpha val="40000"/>
+              </a:prstClr>
+            </a:outerShdw>
+          </a:effectLst>
+        </p:spPr>
+        <p:style>
+          <a:lnRef idx="2">
+            <a:schemeClr val="accent1">
+              <a:shade val="50000"/>
+            </a:schemeClr>
+          </a:lnRef>
+          <a:fillRef idx="1">
+            <a:schemeClr val="accent1"/>
+          </a:fillRef>
+          <a:effectRef idx="0">
+            <a:schemeClr val="accent1"/>
+          </a:effectRef>
+          <a:fontRef idx="minor">
+            <a:schemeClr val="lt1"/>
+          </a:fontRef>
+        </p:style>
+        <p:txBody>
+          <a:bodyPr rtlCol="0" anchor="ctr"/>
+          <a:lstStyle/>
+          <a:p>
+            <a:pPr algn="ctr"/>
+            <a:r>
+              <a:rPr lang="en-US" altLang="zh-TW" sz="2400" b="1" dirty="0">
+                <a:solidFill>
+                  <a:schemeClr val="tx1"/>
+                </a:solidFill>
+              </a:rPr>
+              <a:t>Introduction</a:t>
+            </a:r>
+            <a:endParaRPr lang="zh-TW" altLang="en-US" sz="2400" b="1" dirty="0">
+              <a:solidFill>
+                <a:schemeClr val="tx1"/>
+              </a:solidFill>
+            </a:endParaRPr>
+          </a:p>
+        </p:txBody>
+      </p:sp>
+      <p:sp>
+        <p:nvSpPr>
+          <p:cNvPr id="5" name="箭號: ＞形 4">
+            <a:extLst>
+              <a:ext uri="{FF2B5EF4-FFF2-40B4-BE49-F238E27FC236}">
+                <a16:creationId xmlns:a16="http://schemas.microsoft.com/office/drawing/2014/main" id="{5EC7300E-2D0A-4EF0-A091-25E75D87EBF8}"/>
+              </a:ext>
+            </a:extLst>
+          </p:cNvPr>
+          <p:cNvSpPr/>
+          <p:nvPr/>
+        </p:nvSpPr>
+        <p:spPr>
+          <a:xfrm>
+            <a:off x="3293343" y="6056416"/>
+            <a:ext cx="2733541" cy="703654"/>
+          </a:xfrm>
+          <a:prstGeom prst="chevron">
+            <a:avLst/>
+          </a:prstGeom>
+          <a:solidFill>
+            <a:srgbClr val="FFC000"/>
+          </a:solidFill>
+          <a:ln w="76200">
+            <a:solidFill>
+              <a:schemeClr val="accent1"/>
+            </a:solidFill>
+          </a:ln>
+          <a:effectLst>
+            <a:outerShdw blurRad="50800" dist="38100" dir="2700000" algn="tl" rotWithShape="0">
+              <a:prstClr val="black">
+                <a:alpha val="40000"/>
+              </a:prstClr>
+            </a:outerShdw>
+          </a:effectLst>
+        </p:spPr>
+        <p:style>
+          <a:lnRef idx="2">
+            <a:schemeClr val="accent1">
+              <a:shade val="50000"/>
+            </a:schemeClr>
+          </a:lnRef>
+          <a:fillRef idx="1">
+            <a:schemeClr val="accent1"/>
+          </a:fillRef>
+          <a:effectRef idx="0">
+            <a:schemeClr val="accent1"/>
+          </a:effectRef>
+          <a:fontRef idx="minor">
+            <a:schemeClr val="lt1"/>
+          </a:fontRef>
+        </p:style>
+        <p:txBody>
+          <a:bodyPr rtlCol="0" anchor="ctr"/>
+          <a:lstStyle/>
+          <a:p>
+            <a:pPr algn="ctr"/>
+            <a:r>
+              <a:rPr lang="en-US" altLang="zh-TW" sz="2400" b="1" dirty="0">
+                <a:solidFill>
+                  <a:schemeClr val="tx1"/>
+                </a:solidFill>
+              </a:rPr>
+              <a:t>Methods</a:t>
+            </a:r>
+            <a:endParaRPr lang="zh-TW" altLang="en-US" sz="2400" b="1" dirty="0">
+              <a:solidFill>
+                <a:schemeClr val="tx1"/>
+              </a:solidFill>
+            </a:endParaRPr>
+          </a:p>
+        </p:txBody>
+      </p:sp>
+      <p:sp>
+        <p:nvSpPr>
+          <p:cNvPr id="6" name="箭號: ＞形 5">
+            <a:extLst>
+              <a:ext uri="{FF2B5EF4-FFF2-40B4-BE49-F238E27FC236}">
+                <a16:creationId xmlns:a16="http://schemas.microsoft.com/office/drawing/2014/main" id="{B1CB4C0D-1E5F-44E0-A42F-3AEED4E9952B}"/>
+              </a:ext>
+            </a:extLst>
+          </p:cNvPr>
+          <p:cNvSpPr/>
+          <p:nvPr/>
+        </p:nvSpPr>
+        <p:spPr>
+          <a:xfrm>
+            <a:off x="5638642" y="6056416"/>
+            <a:ext cx="2733541" cy="703654"/>
+          </a:xfrm>
+          <a:prstGeom prst="chevron">
+            <a:avLst/>
+          </a:prstGeom>
+          <a:solidFill>
+            <a:schemeClr val="accent1">
+              <a:lumMod val="40000"/>
+              <a:lumOff val="60000"/>
+            </a:schemeClr>
+          </a:solidFill>
+          <a:ln w="76200">
+            <a:solidFill>
+              <a:schemeClr val="accent1"/>
+            </a:solidFill>
+          </a:ln>
+          <a:effectLst>
+            <a:outerShdw blurRad="50800" dist="38100" dir="2700000" algn="tl" rotWithShape="0">
+              <a:prstClr val="black">
+                <a:alpha val="40000"/>
+              </a:prstClr>
+            </a:outerShdw>
+          </a:effectLst>
+        </p:spPr>
+        <p:style>
+          <a:lnRef idx="2">
+            <a:schemeClr val="accent1">
+              <a:shade val="50000"/>
+            </a:schemeClr>
+          </a:lnRef>
+          <a:fillRef idx="1">
+            <a:schemeClr val="accent1"/>
+          </a:fillRef>
+          <a:effectRef idx="0">
+            <a:schemeClr val="accent1"/>
+          </a:effectRef>
+          <a:fontRef idx="minor">
+            <a:schemeClr val="lt1"/>
+          </a:fontRef>
+        </p:style>
+        <p:txBody>
+          <a:bodyPr rtlCol="0" anchor="ctr"/>
+          <a:lstStyle/>
+          <a:p>
+            <a:pPr algn="ctr"/>
+            <a:r>
+              <a:rPr lang="en-US" altLang="zh-TW" sz="2400" b="1" dirty="0">
+                <a:solidFill>
+                  <a:schemeClr val="tx1"/>
+                </a:solidFill>
+              </a:rPr>
+              <a:t>Results</a:t>
+            </a:r>
+            <a:endParaRPr lang="zh-TW" altLang="en-US" sz="2400" b="1" dirty="0">
+              <a:solidFill>
+                <a:schemeClr val="tx1"/>
+              </a:solidFill>
+            </a:endParaRPr>
+          </a:p>
+        </p:txBody>
+      </p:sp>
+      <p:sp>
+        <p:nvSpPr>
+          <p:cNvPr id="7" name="箭號: ＞形 6">
+            <a:extLst>
+              <a:ext uri="{FF2B5EF4-FFF2-40B4-BE49-F238E27FC236}">
+                <a16:creationId xmlns:a16="http://schemas.microsoft.com/office/drawing/2014/main" id="{E10DF0CA-0FC1-4E86-B5E7-FD76502DEE74}"/>
+              </a:ext>
+            </a:extLst>
+          </p:cNvPr>
+          <p:cNvSpPr/>
+          <p:nvPr/>
+        </p:nvSpPr>
+        <p:spPr>
+          <a:xfrm>
+            <a:off x="7983940" y="6056416"/>
+            <a:ext cx="2733541" cy="703654"/>
+          </a:xfrm>
+          <a:prstGeom prst="chevron">
+            <a:avLst/>
+          </a:prstGeom>
+          <a:solidFill>
+            <a:schemeClr val="accent1">
+              <a:lumMod val="40000"/>
+              <a:lumOff val="60000"/>
+            </a:schemeClr>
+          </a:solidFill>
+          <a:ln w="76200">
+            <a:solidFill>
+              <a:schemeClr val="accent1"/>
+            </a:solidFill>
+          </a:ln>
+          <a:effectLst>
+            <a:outerShdw blurRad="50800" dist="38100" dir="2700000" algn="tl" rotWithShape="0">
+              <a:prstClr val="black">
+                <a:alpha val="40000"/>
+              </a:prstClr>
+            </a:outerShdw>
+          </a:effectLst>
+        </p:spPr>
+        <p:style>
+          <a:lnRef idx="2">
+            <a:schemeClr val="accent1">
+              <a:shade val="50000"/>
+            </a:schemeClr>
+          </a:lnRef>
+          <a:fillRef idx="1">
+            <a:schemeClr val="accent1"/>
+          </a:fillRef>
+          <a:effectRef idx="0">
+            <a:schemeClr val="accent1"/>
+          </a:effectRef>
+          <a:fontRef idx="minor">
+            <a:schemeClr val="lt1"/>
+          </a:fontRef>
+        </p:style>
+        <p:txBody>
+          <a:bodyPr rtlCol="0" anchor="ctr"/>
+          <a:lstStyle/>
+          <a:p>
+            <a:pPr algn="ctr"/>
+            <a:r>
+              <a:rPr lang="en-US" altLang="zh-TW" sz="2400" b="1" dirty="0">
+                <a:solidFill>
+                  <a:schemeClr val="tx1"/>
+                </a:solidFill>
+              </a:rPr>
+              <a:t>Discussion</a:t>
+            </a:r>
+            <a:endParaRPr lang="zh-TW" altLang="en-US" sz="2400" b="1" dirty="0">
+              <a:solidFill>
+                <a:schemeClr val="tx1"/>
+              </a:solidFill>
+            </a:endParaRPr>
+          </a:p>
+        </p:txBody>
+      </p:sp>
+      <p:sp>
+        <p:nvSpPr>
+          <p:cNvPr id="8" name="投影片編號版面配置區 8">
+            <a:extLst>
+              <a:ext uri="{FF2B5EF4-FFF2-40B4-BE49-F238E27FC236}">
+                <a16:creationId xmlns:a16="http://schemas.microsoft.com/office/drawing/2014/main" id="{DD2EED80-2D64-4743-982B-4B5008C663AC}"/>
+              </a:ext>
+            </a:extLst>
+          </p:cNvPr>
+          <p:cNvSpPr>
+            <a:spLocks noGrp="1"/>
+          </p:cNvSpPr>
+          <p:nvPr>
+            <p:ph type="sldNum" sz="quarter" idx="12"/>
+          </p:nvPr>
+        </p:nvSpPr>
+        <p:spPr>
+          <a:xfrm>
+            <a:off x="11507190" y="6176962"/>
+            <a:ext cx="540000" cy="540000"/>
+          </a:xfrm>
+          <a:prstGeom prst="dodecagon">
+            <a:avLst/>
+          </a:prstGeom>
+          <a:solidFill>
+            <a:schemeClr val="bg1">
+              <a:lumMod val="75000"/>
+            </a:schemeClr>
+          </a:solidFill>
+          <a:ln w="28575">
+            <a:solidFill>
+              <a:schemeClr val="tx1"/>
+            </a:solidFill>
+          </a:ln>
+        </p:spPr>
+        <p:txBody>
+          <a:bodyPr>
+            <a:noAutofit/>
+          </a:bodyPr>
+          <a:lstStyle/>
+          <a:p>
+            <a:fld id="{ACB351D4-1F96-497A-B525-5EA7415D2C20}" type="slidenum">
+              <a:rPr lang="zh-TW" altLang="en-US" sz="3200" smtClean="0">
+                <a:solidFill>
+                  <a:srgbClr val="FFFF00"/>
+                </a:solidFill>
+              </a:rPr>
+              <a:t>7</a:t>
+            </a:fld>
+            <a:endParaRPr lang="zh-TW" altLang="en-US" sz="3200" dirty="0">
+              <a:solidFill>
+                <a:srgbClr val="FFFF00"/>
+              </a:solidFill>
+            </a:endParaRPr>
+          </a:p>
+        </p:txBody>
+      </p:sp>
+      <p:grpSp>
+        <p:nvGrpSpPr>
+          <p:cNvPr id="27" name="群組 26">
+            <a:extLst>
+              <a:ext uri="{FF2B5EF4-FFF2-40B4-BE49-F238E27FC236}">
+                <a16:creationId xmlns:a16="http://schemas.microsoft.com/office/drawing/2014/main" id="{3608A229-5F20-472E-B671-C2FF00D7A3CE}"/>
+              </a:ext>
+            </a:extLst>
+          </p:cNvPr>
+          <p:cNvGrpSpPr/>
+          <p:nvPr/>
+        </p:nvGrpSpPr>
+        <p:grpSpPr>
+          <a:xfrm>
+            <a:off x="1446270" y="1334785"/>
+            <a:ext cx="2814556" cy="4318000"/>
+            <a:chOff x="1689711" y="1380067"/>
+            <a:chExt cx="2814556" cy="4318000"/>
+          </a:xfrm>
+        </p:grpSpPr>
+        <p:sp>
+          <p:nvSpPr>
+            <p:cNvPr id="11" name="手繪多邊形: 圖案 10">
+              <a:extLst>
+                <a:ext uri="{FF2B5EF4-FFF2-40B4-BE49-F238E27FC236}">
+                  <a16:creationId xmlns:a16="http://schemas.microsoft.com/office/drawing/2014/main" id="{D3023E17-374D-4CDC-8C16-E8538F4CFD8E}"/>
+                </a:ext>
+              </a:extLst>
+            </p:cNvPr>
+            <p:cNvSpPr/>
+            <p:nvPr/>
+          </p:nvSpPr>
+          <p:spPr>
+            <a:xfrm>
+              <a:off x="1689711" y="1380067"/>
+              <a:ext cx="2814556" cy="4318000"/>
+            </a:xfrm>
+            <a:custGeom>
+              <a:avLst/>
+              <a:gdLst>
+                <a:gd name="connsiteX0" fmla="*/ 3622 w 2814556"/>
+                <a:gd name="connsiteY0" fmla="*/ 160866 h 4318000"/>
+                <a:gd name="connsiteX1" fmla="*/ 1290556 w 2814556"/>
+                <a:gd name="connsiteY1" fmla="*/ 4318000 h 4318000"/>
+                <a:gd name="connsiteX2" fmla="*/ 2814556 w 2814556"/>
+                <a:gd name="connsiteY2" fmla="*/ 101600 h 4318000"/>
+                <a:gd name="connsiteX3" fmla="*/ 2780689 w 2814556"/>
+                <a:gd name="connsiteY3" fmla="*/ 59266 h 4318000"/>
+                <a:gd name="connsiteX4" fmla="*/ 2721422 w 2814556"/>
+                <a:gd name="connsiteY4" fmla="*/ 16933 h 4318000"/>
+                <a:gd name="connsiteX5" fmla="*/ 2687556 w 2814556"/>
+                <a:gd name="connsiteY5" fmla="*/ 0 h 4318000"/>
+                <a:gd name="connsiteX6" fmla="*/ 2628289 w 2814556"/>
+                <a:gd name="connsiteY6" fmla="*/ 16933 h 4318000"/>
+                <a:gd name="connsiteX7" fmla="*/ 2526689 w 2814556"/>
+                <a:gd name="connsiteY7" fmla="*/ 84666 h 4318000"/>
+                <a:gd name="connsiteX8" fmla="*/ 2408156 w 2814556"/>
+                <a:gd name="connsiteY8" fmla="*/ 186266 h 4318000"/>
+                <a:gd name="connsiteX9" fmla="*/ 2323489 w 2814556"/>
+                <a:gd name="connsiteY9" fmla="*/ 194733 h 4318000"/>
+                <a:gd name="connsiteX10" fmla="*/ 2238822 w 2814556"/>
+                <a:gd name="connsiteY10" fmla="*/ 177800 h 4318000"/>
+                <a:gd name="connsiteX11" fmla="*/ 2204956 w 2814556"/>
+                <a:gd name="connsiteY11" fmla="*/ 160866 h 4318000"/>
+                <a:gd name="connsiteX12" fmla="*/ 2128756 w 2814556"/>
+                <a:gd name="connsiteY12" fmla="*/ 118533 h 4318000"/>
+                <a:gd name="connsiteX13" fmla="*/ 2052556 w 2814556"/>
+                <a:gd name="connsiteY13" fmla="*/ 101600 h 4318000"/>
+                <a:gd name="connsiteX14" fmla="*/ 1993289 w 2814556"/>
+                <a:gd name="connsiteY14" fmla="*/ 67733 h 4318000"/>
+                <a:gd name="connsiteX15" fmla="*/ 1798556 w 2814556"/>
+                <a:gd name="connsiteY15" fmla="*/ 67733 h 4318000"/>
+                <a:gd name="connsiteX16" fmla="*/ 1747756 w 2814556"/>
+                <a:gd name="connsiteY16" fmla="*/ 84666 h 4318000"/>
+                <a:gd name="connsiteX17" fmla="*/ 1654622 w 2814556"/>
+                <a:gd name="connsiteY17" fmla="*/ 101600 h 4318000"/>
+                <a:gd name="connsiteX18" fmla="*/ 1595356 w 2814556"/>
+                <a:gd name="connsiteY18" fmla="*/ 127000 h 4318000"/>
+                <a:gd name="connsiteX19" fmla="*/ 1400622 w 2814556"/>
+                <a:gd name="connsiteY19" fmla="*/ 186266 h 4318000"/>
+                <a:gd name="connsiteX20" fmla="*/ 1180489 w 2814556"/>
+                <a:gd name="connsiteY20" fmla="*/ 152400 h 4318000"/>
+                <a:gd name="connsiteX21" fmla="*/ 1112756 w 2814556"/>
+                <a:gd name="connsiteY21" fmla="*/ 101600 h 4318000"/>
+                <a:gd name="connsiteX22" fmla="*/ 1045022 w 2814556"/>
+                <a:gd name="connsiteY22" fmla="*/ 67733 h 4318000"/>
+                <a:gd name="connsiteX23" fmla="*/ 943422 w 2814556"/>
+                <a:gd name="connsiteY23" fmla="*/ 16933 h 4318000"/>
+                <a:gd name="connsiteX24" fmla="*/ 723289 w 2814556"/>
+                <a:gd name="connsiteY24" fmla="*/ 42333 h 4318000"/>
+                <a:gd name="connsiteX25" fmla="*/ 621689 w 2814556"/>
+                <a:gd name="connsiteY25" fmla="*/ 110066 h 4318000"/>
+                <a:gd name="connsiteX26" fmla="*/ 579356 w 2814556"/>
+                <a:gd name="connsiteY26" fmla="*/ 135466 h 4318000"/>
+                <a:gd name="connsiteX27" fmla="*/ 553956 w 2814556"/>
+                <a:gd name="connsiteY27" fmla="*/ 152400 h 4318000"/>
+                <a:gd name="connsiteX28" fmla="*/ 528556 w 2814556"/>
+                <a:gd name="connsiteY28" fmla="*/ 160866 h 4318000"/>
+                <a:gd name="connsiteX29" fmla="*/ 486222 w 2814556"/>
+                <a:gd name="connsiteY29" fmla="*/ 186266 h 4318000"/>
+                <a:gd name="connsiteX30" fmla="*/ 393089 w 2814556"/>
+                <a:gd name="connsiteY30" fmla="*/ 203200 h 4318000"/>
+                <a:gd name="connsiteX31" fmla="*/ 308422 w 2814556"/>
+                <a:gd name="connsiteY31" fmla="*/ 194733 h 4318000"/>
+                <a:gd name="connsiteX32" fmla="*/ 283022 w 2814556"/>
+                <a:gd name="connsiteY32" fmla="*/ 186266 h 4318000"/>
+                <a:gd name="connsiteX33" fmla="*/ 223756 w 2814556"/>
+                <a:gd name="connsiteY33" fmla="*/ 160866 h 4318000"/>
+                <a:gd name="connsiteX34" fmla="*/ 198356 w 2814556"/>
+                <a:gd name="connsiteY34" fmla="*/ 143933 h 4318000"/>
+                <a:gd name="connsiteX35" fmla="*/ 105222 w 2814556"/>
+                <a:gd name="connsiteY35" fmla="*/ 118533 h 4318000"/>
+                <a:gd name="connsiteX36" fmla="*/ 3622 w 2814556"/>
+                <a:gd name="connsiteY36" fmla="*/ 152400 h 4318000"/>
+                <a:gd name="connsiteX37" fmla="*/ 3622 w 2814556"/>
+                <a:gd name="connsiteY37" fmla="*/ 160866 h 4318000"/>
+              </a:gdLst>
+              <a:ahLst/>
+              <a:cxnLst>
+                <a:cxn ang="0">
+                  <a:pos x="connsiteX0" y="connsiteY0"/>
+                </a:cxn>
+                <a:cxn ang="0">
+                  <a:pos x="connsiteX1" y="connsiteY1"/>
+                </a:cxn>
+                <a:cxn ang="0">
+                  <a:pos x="connsiteX2" y="connsiteY2"/>
+                </a:cxn>
+                <a:cxn ang="0">
+                  <a:pos x="connsiteX3" y="connsiteY3"/>
+                </a:cxn>
+                <a:cxn ang="0">
+                  <a:pos x="connsiteX4" y="connsiteY4"/>
+                </a:cxn>
+                <a:cxn ang="0">
+                  <a:pos x="connsiteX5" y="connsiteY5"/>
+                </a:cxn>
+                <a:cxn ang="0">
+                  <a:pos x="connsiteX6" y="connsiteY6"/>
+                </a:cxn>
+                <a:cxn ang="0">
+                  <a:pos x="connsiteX7" y="connsiteY7"/>
+                </a:cxn>
+                <a:cxn ang="0">
+                  <a:pos x="connsiteX8" y="connsiteY8"/>
+                </a:cxn>
+                <a:cxn ang="0">
+                  <a:pos x="connsiteX9" y="connsiteY9"/>
+                </a:cxn>
+                <a:cxn ang="0">
+                  <a:pos x="connsiteX10" y="connsiteY10"/>
+                </a:cxn>
+                <a:cxn ang="0">
+                  <a:pos x="connsiteX11" y="connsiteY11"/>
+                </a:cxn>
+                <a:cxn ang="0">
+                  <a:pos x="connsiteX12" y="connsiteY12"/>
+                </a:cxn>
+                <a:cxn ang="0">
+                  <a:pos x="connsiteX13" y="connsiteY13"/>
+                </a:cxn>
+                <a:cxn ang="0">
+                  <a:pos x="connsiteX14" y="connsiteY14"/>
+                </a:cxn>
+                <a:cxn ang="0">
+                  <a:pos x="connsiteX15" y="connsiteY15"/>
+                </a:cxn>
+                <a:cxn ang="0">
+                  <a:pos x="connsiteX16" y="connsiteY16"/>
+                </a:cxn>
+                <a:cxn ang="0">
+                  <a:pos x="connsiteX17" y="connsiteY17"/>
+                </a:cxn>
+                <a:cxn ang="0">
+                  <a:pos x="connsiteX18" y="connsiteY18"/>
+                </a:cxn>
+                <a:cxn ang="0">
+                  <a:pos x="connsiteX19" y="connsiteY19"/>
+                </a:cxn>
+                <a:cxn ang="0">
+                  <a:pos x="connsiteX20" y="connsiteY20"/>
+                </a:cxn>
+                <a:cxn ang="0">
+                  <a:pos x="connsiteX21" y="connsiteY21"/>
+                </a:cxn>
+                <a:cxn ang="0">
+                  <a:pos x="connsiteX22" y="connsiteY22"/>
+                </a:cxn>
+                <a:cxn ang="0">
+                  <a:pos x="connsiteX23" y="connsiteY23"/>
+                </a:cxn>
+                <a:cxn ang="0">
+                  <a:pos x="connsiteX24" y="connsiteY24"/>
+                </a:cxn>
+                <a:cxn ang="0">
+                  <a:pos x="connsiteX25" y="connsiteY25"/>
+                </a:cxn>
+                <a:cxn ang="0">
+                  <a:pos x="connsiteX26" y="connsiteY26"/>
+                </a:cxn>
+                <a:cxn ang="0">
+                  <a:pos x="connsiteX27" y="connsiteY27"/>
+                </a:cxn>
+                <a:cxn ang="0">
+                  <a:pos x="connsiteX28" y="connsiteY28"/>
+                </a:cxn>
+                <a:cxn ang="0">
+                  <a:pos x="connsiteX29" y="connsiteY29"/>
+                </a:cxn>
+                <a:cxn ang="0">
+                  <a:pos x="connsiteX30" y="connsiteY30"/>
+                </a:cxn>
+                <a:cxn ang="0">
+                  <a:pos x="connsiteX31" y="connsiteY31"/>
+                </a:cxn>
+                <a:cxn ang="0">
+                  <a:pos x="connsiteX32" y="connsiteY32"/>
+                </a:cxn>
+                <a:cxn ang="0">
+                  <a:pos x="connsiteX33" y="connsiteY33"/>
+                </a:cxn>
+                <a:cxn ang="0">
+                  <a:pos x="connsiteX34" y="connsiteY34"/>
+                </a:cxn>
+                <a:cxn ang="0">
+                  <a:pos x="connsiteX35" y="connsiteY35"/>
+                </a:cxn>
+                <a:cxn ang="0">
+                  <a:pos x="connsiteX36" y="connsiteY36"/>
+                </a:cxn>
+                <a:cxn ang="0">
+                  <a:pos x="connsiteX37" y="connsiteY37"/>
+                </a:cxn>
+              </a:cxnLst>
+              <a:rect l="l" t="t" r="r" b="b"/>
+              <a:pathLst>
+                <a:path w="2814556" h="4318000">
+                  <a:moveTo>
+                    <a:pt x="3622" y="160866"/>
+                  </a:moveTo>
+                  <a:lnTo>
+                    <a:pt x="1290556" y="4318000"/>
+                  </a:lnTo>
+                  <a:lnTo>
+                    <a:pt x="2814556" y="101600"/>
+                  </a:lnTo>
+                  <a:lnTo>
+                    <a:pt x="2780689" y="59266"/>
+                  </a:lnTo>
+                  <a:cubicBezTo>
+                    <a:pt x="2760933" y="45155"/>
+                    <a:pt x="2741904" y="29967"/>
+                    <a:pt x="2721422" y="16933"/>
+                  </a:cubicBezTo>
+                  <a:cubicBezTo>
+                    <a:pt x="2710774" y="10157"/>
+                    <a:pt x="2700177" y="0"/>
+                    <a:pt x="2687556" y="0"/>
+                  </a:cubicBezTo>
+                  <a:cubicBezTo>
+                    <a:pt x="2667010" y="0"/>
+                    <a:pt x="2648045" y="11289"/>
+                    <a:pt x="2628289" y="16933"/>
+                  </a:cubicBezTo>
+                  <a:cubicBezTo>
+                    <a:pt x="2594422" y="39511"/>
+                    <a:pt x="2555470" y="55885"/>
+                    <a:pt x="2526689" y="84666"/>
+                  </a:cubicBezTo>
+                  <a:cubicBezTo>
+                    <a:pt x="2513093" y="98262"/>
+                    <a:pt x="2452425" y="176780"/>
+                    <a:pt x="2408156" y="186266"/>
+                  </a:cubicBezTo>
+                  <a:cubicBezTo>
+                    <a:pt x="2380422" y="192209"/>
+                    <a:pt x="2351711" y="191911"/>
+                    <a:pt x="2323489" y="194733"/>
+                  </a:cubicBezTo>
+                  <a:cubicBezTo>
+                    <a:pt x="2295267" y="189089"/>
+                    <a:pt x="2266496" y="185707"/>
+                    <a:pt x="2238822" y="177800"/>
+                  </a:cubicBezTo>
+                  <a:cubicBezTo>
+                    <a:pt x="2226686" y="174333"/>
+                    <a:pt x="2215989" y="166996"/>
+                    <a:pt x="2204956" y="160866"/>
+                  </a:cubicBezTo>
+                  <a:cubicBezTo>
+                    <a:pt x="2191421" y="153346"/>
+                    <a:pt x="2146954" y="124132"/>
+                    <a:pt x="2128756" y="118533"/>
+                  </a:cubicBezTo>
+                  <a:cubicBezTo>
+                    <a:pt x="2103887" y="110881"/>
+                    <a:pt x="2077956" y="107244"/>
+                    <a:pt x="2052556" y="101600"/>
+                  </a:cubicBezTo>
+                  <a:cubicBezTo>
+                    <a:pt x="2032800" y="90311"/>
+                    <a:pt x="2014717" y="75386"/>
+                    <a:pt x="1993289" y="67733"/>
+                  </a:cubicBezTo>
+                  <a:cubicBezTo>
+                    <a:pt x="1942367" y="49546"/>
+                    <a:pt x="1833478" y="65550"/>
+                    <a:pt x="1798556" y="67733"/>
+                  </a:cubicBezTo>
+                  <a:cubicBezTo>
+                    <a:pt x="1781623" y="73377"/>
+                    <a:pt x="1765131" y="80578"/>
+                    <a:pt x="1747756" y="84666"/>
+                  </a:cubicBezTo>
+                  <a:cubicBezTo>
+                    <a:pt x="1717041" y="91893"/>
+                    <a:pt x="1685024" y="93155"/>
+                    <a:pt x="1654622" y="101600"/>
+                  </a:cubicBezTo>
+                  <a:cubicBezTo>
+                    <a:pt x="1633913" y="107353"/>
+                    <a:pt x="1615371" y="119168"/>
+                    <a:pt x="1595356" y="127000"/>
+                  </a:cubicBezTo>
+                  <a:cubicBezTo>
+                    <a:pt x="1451320" y="183362"/>
+                    <a:pt x="1503444" y="171578"/>
+                    <a:pt x="1400622" y="186266"/>
+                  </a:cubicBezTo>
+                  <a:cubicBezTo>
+                    <a:pt x="1327244" y="174977"/>
+                    <a:pt x="1251713" y="173348"/>
+                    <a:pt x="1180489" y="152400"/>
+                  </a:cubicBezTo>
+                  <a:cubicBezTo>
+                    <a:pt x="1153414" y="144437"/>
+                    <a:pt x="1136688" y="116558"/>
+                    <a:pt x="1112756" y="101600"/>
+                  </a:cubicBezTo>
+                  <a:cubicBezTo>
+                    <a:pt x="1091350" y="88221"/>
+                    <a:pt x="1067295" y="79612"/>
+                    <a:pt x="1045022" y="67733"/>
+                  </a:cubicBezTo>
+                  <a:cubicBezTo>
+                    <a:pt x="951856" y="18044"/>
+                    <a:pt x="1020711" y="47848"/>
+                    <a:pt x="943422" y="16933"/>
+                  </a:cubicBezTo>
+                  <a:cubicBezTo>
+                    <a:pt x="870044" y="25400"/>
+                    <a:pt x="795636" y="27438"/>
+                    <a:pt x="723289" y="42333"/>
+                  </a:cubicBezTo>
+                  <a:cubicBezTo>
+                    <a:pt x="651684" y="57075"/>
+                    <a:pt x="666823" y="74962"/>
+                    <a:pt x="621689" y="110066"/>
+                  </a:cubicBezTo>
+                  <a:cubicBezTo>
+                    <a:pt x="608699" y="120169"/>
+                    <a:pt x="593311" y="126744"/>
+                    <a:pt x="579356" y="135466"/>
+                  </a:cubicBezTo>
+                  <a:cubicBezTo>
+                    <a:pt x="570727" y="140859"/>
+                    <a:pt x="563058" y="147849"/>
+                    <a:pt x="553956" y="152400"/>
+                  </a:cubicBezTo>
+                  <a:cubicBezTo>
+                    <a:pt x="545974" y="156391"/>
+                    <a:pt x="536538" y="156875"/>
+                    <a:pt x="528556" y="160866"/>
+                  </a:cubicBezTo>
+                  <a:cubicBezTo>
+                    <a:pt x="513837" y="168225"/>
+                    <a:pt x="501260" y="179582"/>
+                    <a:pt x="486222" y="186266"/>
+                  </a:cubicBezTo>
+                  <a:cubicBezTo>
+                    <a:pt x="467311" y="194671"/>
+                    <a:pt x="405024" y="201495"/>
+                    <a:pt x="393089" y="203200"/>
+                  </a:cubicBezTo>
+                  <a:cubicBezTo>
+                    <a:pt x="364867" y="200378"/>
+                    <a:pt x="336455" y="199046"/>
+                    <a:pt x="308422" y="194733"/>
+                  </a:cubicBezTo>
+                  <a:cubicBezTo>
+                    <a:pt x="299601" y="193376"/>
+                    <a:pt x="291308" y="189581"/>
+                    <a:pt x="283022" y="186266"/>
+                  </a:cubicBezTo>
+                  <a:cubicBezTo>
+                    <a:pt x="263066" y="178284"/>
+                    <a:pt x="242980" y="170478"/>
+                    <a:pt x="223756" y="160866"/>
+                  </a:cubicBezTo>
+                  <a:cubicBezTo>
+                    <a:pt x="214655" y="156315"/>
+                    <a:pt x="207804" y="147712"/>
+                    <a:pt x="198356" y="143933"/>
+                  </a:cubicBezTo>
+                  <a:cubicBezTo>
+                    <a:pt x="181586" y="137225"/>
+                    <a:pt x="128617" y="124382"/>
+                    <a:pt x="105222" y="118533"/>
+                  </a:cubicBezTo>
+                  <a:cubicBezTo>
+                    <a:pt x="37490" y="126059"/>
+                    <a:pt x="37550" y="109989"/>
+                    <a:pt x="3622" y="152400"/>
+                  </a:cubicBezTo>
+                  <a:cubicBezTo>
+                    <a:pt x="-320" y="157328"/>
+                    <a:pt x="-2022" y="163689"/>
+                    <a:pt x="3622" y="160866"/>
+                  </a:cubicBezTo>
+                  <a:close/>
+                </a:path>
+              </a:pathLst>
+            </a:custGeom>
+            <a:solidFill>
+              <a:srgbClr val="F26E61"/>
+            </a:solidFill>
+            <a:ln>
+              <a:solidFill>
+                <a:srgbClr val="B24F45">
+                  <a:alpha val="50196"/>
+                </a:srgbClr>
+              </a:solidFill>
+            </a:ln>
+          </p:spPr>
+          <p:style>
+            <a:lnRef idx="2">
+              <a:schemeClr val="accent1">
+                <a:shade val="50000"/>
+              </a:schemeClr>
+            </a:lnRef>
+            <a:fillRef idx="1">
+              <a:schemeClr val="accent1"/>
+            </a:fillRef>
+            <a:effectRef idx="0">
+              <a:schemeClr val="accent1"/>
+            </a:effectRef>
+            <a:fontRef idx="minor">
+              <a:schemeClr val="lt1"/>
+            </a:fontRef>
+          </p:style>
+          <p:txBody>
+            <a:bodyPr rtlCol="0" anchor="ctr"/>
+            <a:lstStyle/>
+            <a:p>
+              <a:pPr algn="ctr"/>
+              <a:endParaRPr lang="zh-TW" altLang="en-US"/>
+            </a:p>
+          </p:txBody>
+        </p:sp>
+        <p:cxnSp>
+          <p:nvCxnSpPr>
+            <p:cNvPr id="13" name="直線單箭頭接點 12">
+              <a:extLst>
+                <a:ext uri="{FF2B5EF4-FFF2-40B4-BE49-F238E27FC236}">
+                  <a16:creationId xmlns:a16="http://schemas.microsoft.com/office/drawing/2014/main" id="{44FA7C1B-7C40-486B-B4BF-0A936C382881}"/>
+                </a:ext>
+              </a:extLst>
+            </p:cNvPr>
+            <p:cNvCxnSpPr>
+              <a:stCxn id="11" idx="1"/>
+              <a:endCxn id="11" idx="36"/>
+            </p:cNvCxnSpPr>
+            <p:nvPr/>
+          </p:nvCxnSpPr>
+          <p:spPr>
+            <a:xfrm flipH="1" flipV="1">
+              <a:off x="1693333" y="1532467"/>
+              <a:ext cx="1286934" cy="4165600"/>
+            </a:xfrm>
+            <a:prstGeom prst="straightConnector1">
+              <a:avLst/>
+            </a:prstGeom>
+            <a:ln w="38100">
+              <a:solidFill>
+                <a:schemeClr val="tx1"/>
+              </a:solidFill>
+              <a:tailEnd type="triangle"/>
+            </a:ln>
+          </p:spPr>
+          <p:style>
+            <a:lnRef idx="1">
+              <a:schemeClr val="accent1"/>
+            </a:lnRef>
+            <a:fillRef idx="0">
+              <a:schemeClr val="accent1"/>
+            </a:fillRef>
+            <a:effectRef idx="0">
+              <a:schemeClr val="accent1"/>
+            </a:effectRef>
+            <a:fontRef idx="minor">
+              <a:schemeClr val="tx1"/>
+            </a:fontRef>
+          </p:style>
+        </p:cxnSp>
+        <p:cxnSp>
+          <p:nvCxnSpPr>
+            <p:cNvPr id="60" name="直線單箭頭接點 59">
+              <a:extLst>
+                <a:ext uri="{FF2B5EF4-FFF2-40B4-BE49-F238E27FC236}">
+                  <a16:creationId xmlns:a16="http://schemas.microsoft.com/office/drawing/2014/main" id="{7E226DF9-7BE2-4E0C-99C8-26981049C793}"/>
+                </a:ext>
+              </a:extLst>
+            </p:cNvPr>
+            <p:cNvCxnSpPr>
+              <a:cxnSpLocks/>
+              <a:stCxn id="11" idx="1"/>
+              <a:endCxn id="11" idx="2"/>
+            </p:cNvCxnSpPr>
+            <p:nvPr/>
+          </p:nvCxnSpPr>
+          <p:spPr>
+            <a:xfrm flipV="1">
+              <a:off x="2980267" y="1481667"/>
+              <a:ext cx="1524000" cy="4216400"/>
+            </a:xfrm>
+            <a:prstGeom prst="straightConnector1">
+              <a:avLst/>
+            </a:prstGeom>
+            <a:ln w="38100">
+              <a:solidFill>
+                <a:schemeClr val="tx1"/>
+              </a:solidFill>
+              <a:tailEnd type="triangle"/>
+            </a:ln>
+          </p:spPr>
+          <p:style>
+            <a:lnRef idx="1">
+              <a:schemeClr val="accent1"/>
+            </a:lnRef>
+            <a:fillRef idx="0">
+              <a:schemeClr val="accent1"/>
+            </a:fillRef>
+            <a:effectRef idx="0">
+              <a:schemeClr val="accent1"/>
+            </a:effectRef>
+            <a:fontRef idx="minor">
+              <a:schemeClr val="tx1"/>
+            </a:fontRef>
+          </p:style>
+        </p:cxnSp>
+      </p:grpSp>
+      <p:grpSp>
+        <p:nvGrpSpPr>
+          <p:cNvPr id="25" name="群組 24">
+            <a:extLst>
+              <a:ext uri="{FF2B5EF4-FFF2-40B4-BE49-F238E27FC236}">
+                <a16:creationId xmlns:a16="http://schemas.microsoft.com/office/drawing/2014/main" id="{05A3CFC2-D21C-476D-8BDB-6C7B5211A4DA}"/>
+              </a:ext>
+            </a:extLst>
+          </p:cNvPr>
+          <p:cNvGrpSpPr/>
+          <p:nvPr/>
+        </p:nvGrpSpPr>
+        <p:grpSpPr>
+          <a:xfrm>
+            <a:off x="7721802" y="1334785"/>
+            <a:ext cx="2814556" cy="3453811"/>
+            <a:chOff x="5791201" y="1380067"/>
+            <a:chExt cx="2814556" cy="3453811"/>
+          </a:xfrm>
+        </p:grpSpPr>
+        <p:sp>
+          <p:nvSpPr>
+            <p:cNvPr id="80" name="手繪多邊形: 圖案 79">
+              <a:extLst>
+                <a:ext uri="{FF2B5EF4-FFF2-40B4-BE49-F238E27FC236}">
+                  <a16:creationId xmlns:a16="http://schemas.microsoft.com/office/drawing/2014/main" id="{1474F6A2-82D0-4259-A9A3-9BFB25A7B8B7}"/>
+                </a:ext>
+              </a:extLst>
+            </p:cNvPr>
+            <p:cNvSpPr/>
+            <p:nvPr/>
+          </p:nvSpPr>
+          <p:spPr>
+            <a:xfrm>
+              <a:off x="6680713" y="3942554"/>
+              <a:ext cx="864000" cy="864000"/>
+            </a:xfrm>
+            <a:custGeom>
+              <a:avLst/>
+              <a:gdLst>
+                <a:gd name="connsiteX0" fmla="*/ 432000 w 864000"/>
+                <a:gd name="connsiteY0" fmla="*/ 0 h 864000"/>
+                <a:gd name="connsiteX1" fmla="*/ 864000 w 864000"/>
+                <a:gd name="connsiteY1" fmla="*/ 432000 h 864000"/>
+                <a:gd name="connsiteX2" fmla="*/ 858035 w 864000"/>
+                <a:gd name="connsiteY2" fmla="*/ 491172 h 864000"/>
+                <a:gd name="connsiteX3" fmla="*/ 795907 w 864000"/>
+                <a:gd name="connsiteY3" fmla="*/ 663061 h 864000"/>
+                <a:gd name="connsiteX4" fmla="*/ 790221 w 864000"/>
+                <a:gd name="connsiteY4" fmla="*/ 673535 h 864000"/>
+                <a:gd name="connsiteX5" fmla="*/ 432000 w 864000"/>
+                <a:gd name="connsiteY5" fmla="*/ 864000 h 864000"/>
+                <a:gd name="connsiteX6" fmla="*/ 73779 w 864000"/>
+                <a:gd name="connsiteY6" fmla="*/ 673535 h 864000"/>
+                <a:gd name="connsiteX7" fmla="*/ 55892 w 864000"/>
+                <a:gd name="connsiteY7" fmla="*/ 640580 h 864000"/>
+                <a:gd name="connsiteX8" fmla="*/ 4191 w 864000"/>
+                <a:gd name="connsiteY8" fmla="*/ 473575 h 864000"/>
+                <a:gd name="connsiteX9" fmla="*/ 0 w 864000"/>
+                <a:gd name="connsiteY9" fmla="*/ 432000 h 864000"/>
+                <a:gd name="connsiteX10" fmla="*/ 432000 w 864000"/>
+                <a:gd name="connsiteY10" fmla="*/ 0 h 864000"/>
+              </a:gdLst>
+              <a:ahLst/>
+              <a:cxnLst>
+                <a:cxn ang="0">
+                  <a:pos x="connsiteX0" y="connsiteY0"/>
+                </a:cxn>
+                <a:cxn ang="0">
+                  <a:pos x="connsiteX1" y="connsiteY1"/>
+                </a:cxn>
+                <a:cxn ang="0">
+                  <a:pos x="connsiteX2" y="connsiteY2"/>
+                </a:cxn>
+                <a:cxn ang="0">
+                  <a:pos x="connsiteX3" y="connsiteY3"/>
+                </a:cxn>
+                <a:cxn ang="0">
+                  <a:pos x="connsiteX4" y="connsiteY4"/>
+                </a:cxn>
+                <a:cxn ang="0">
+                  <a:pos x="connsiteX5" y="connsiteY5"/>
+                </a:cxn>
+                <a:cxn ang="0">
+                  <a:pos x="connsiteX6" y="connsiteY6"/>
+                </a:cxn>
+                <a:cxn ang="0">
+                  <a:pos x="connsiteX7" y="connsiteY7"/>
+                </a:cxn>
+                <a:cxn ang="0">
+                  <a:pos x="connsiteX8" y="connsiteY8"/>
+                </a:cxn>
+                <a:cxn ang="0">
+                  <a:pos x="connsiteX9" y="connsiteY9"/>
+                </a:cxn>
+                <a:cxn ang="0">
+                  <a:pos x="connsiteX10" y="connsiteY10"/>
+                </a:cxn>
+              </a:cxnLst>
+              <a:rect l="l" t="t" r="r" b="b"/>
+              <a:pathLst>
+                <a:path w="864000" h="864000">
+                  <a:moveTo>
+                    <a:pt x="432000" y="0"/>
+                  </a:moveTo>
+                  <a:cubicBezTo>
+                    <a:pt x="670587" y="0"/>
+                    <a:pt x="864000" y="193413"/>
+                    <a:pt x="864000" y="432000"/>
+                  </a:cubicBezTo>
+                  <a:lnTo>
+                    <a:pt x="858035" y="491172"/>
+                  </a:lnTo>
+                  <a:lnTo>
+                    <a:pt x="795907" y="663061"/>
+                  </a:lnTo>
+                  <a:lnTo>
+                    <a:pt x="790221" y="673535"/>
+                  </a:lnTo>
+                  <a:cubicBezTo>
+                    <a:pt x="712588" y="788448"/>
+                    <a:pt x="581117" y="864000"/>
+                    <a:pt x="432000" y="864000"/>
+                  </a:cubicBezTo>
+                  <a:cubicBezTo>
+                    <a:pt x="282883" y="864000"/>
+                    <a:pt x="151413" y="788448"/>
+                    <a:pt x="73779" y="673535"/>
+                  </a:cubicBezTo>
+                  <a:lnTo>
+                    <a:pt x="55892" y="640580"/>
+                  </a:lnTo>
+                  <a:lnTo>
+                    <a:pt x="4191" y="473575"/>
+                  </a:lnTo>
+                  <a:lnTo>
+                    <a:pt x="0" y="432000"/>
+                  </a:lnTo>
+                  <a:cubicBezTo>
+                    <a:pt x="0" y="193413"/>
+                    <a:pt x="193413" y="0"/>
+                    <a:pt x="432000" y="0"/>
+                  </a:cubicBezTo>
+                  <a:close/>
+                </a:path>
+              </a:pathLst>
+            </a:custGeom>
+            <a:ln>
+              <a:solidFill>
+                <a:srgbClr val="F26E61"/>
+              </a:solidFill>
+            </a:ln>
+          </p:spPr>
+          <p:style>
+            <a:lnRef idx="2">
+              <a:schemeClr val="accent1">
+                <a:shade val="50000"/>
+              </a:schemeClr>
+            </a:lnRef>
+            <a:fillRef idx="1">
+              <a:schemeClr val="accent1"/>
+            </a:fillRef>
+            <a:effectRef idx="0">
+              <a:schemeClr val="accent1"/>
+            </a:effectRef>
+            <a:fontRef idx="minor">
+              <a:schemeClr val="lt1"/>
+            </a:fontRef>
+          </p:style>
+          <p:txBody>
+            <a:bodyPr wrap="square" rtlCol="0" anchor="ctr">
+              <a:noAutofit/>
+            </a:bodyPr>
+            <a:lstStyle/>
+            <a:p>
+              <a:pPr algn="ctr"/>
+              <a:endParaRPr lang="zh-TW" altLang="en-US"/>
+            </a:p>
+          </p:txBody>
+        </p:sp>
+        <p:sp>
+          <p:nvSpPr>
+            <p:cNvPr id="79" name="手繪多邊形: 圖案 78">
+              <a:extLst>
+                <a:ext uri="{FF2B5EF4-FFF2-40B4-BE49-F238E27FC236}">
+                  <a16:creationId xmlns:a16="http://schemas.microsoft.com/office/drawing/2014/main" id="{7C9A62E7-BEA8-4D9F-BE98-CF22D8893B83}"/>
+                </a:ext>
+              </a:extLst>
+            </p:cNvPr>
+            <p:cNvSpPr/>
+            <p:nvPr/>
+          </p:nvSpPr>
+          <p:spPr>
+            <a:xfrm>
+              <a:off x="5791201" y="1380067"/>
+              <a:ext cx="2814556" cy="3053659"/>
+            </a:xfrm>
+            <a:custGeom>
+              <a:avLst/>
+              <a:gdLst>
+                <a:gd name="connsiteX0" fmla="*/ 2687556 w 2814556"/>
+                <a:gd name="connsiteY0" fmla="*/ 0 h 3053659"/>
+                <a:gd name="connsiteX1" fmla="*/ 2721422 w 2814556"/>
+                <a:gd name="connsiteY1" fmla="*/ 16933 h 3053659"/>
+                <a:gd name="connsiteX2" fmla="*/ 2780689 w 2814556"/>
+                <a:gd name="connsiteY2" fmla="*/ 59266 h 3053659"/>
+                <a:gd name="connsiteX3" fmla="*/ 2814556 w 2814556"/>
+                <a:gd name="connsiteY3" fmla="*/ 101600 h 3053659"/>
+                <a:gd name="connsiteX4" fmla="*/ 1747547 w 2814556"/>
+                <a:gd name="connsiteY4" fmla="*/ 3053659 h 3053659"/>
+                <a:gd name="connsiteX5" fmla="*/ 1753512 w 2814556"/>
+                <a:gd name="connsiteY5" fmla="*/ 2994487 h 3053659"/>
+                <a:gd name="connsiteX6" fmla="*/ 1321512 w 2814556"/>
+                <a:gd name="connsiteY6" fmla="*/ 2562487 h 3053659"/>
+                <a:gd name="connsiteX7" fmla="*/ 889512 w 2814556"/>
+                <a:gd name="connsiteY7" fmla="*/ 2994487 h 3053659"/>
+                <a:gd name="connsiteX8" fmla="*/ 893703 w 2814556"/>
+                <a:gd name="connsiteY8" fmla="*/ 3036062 h 3053659"/>
+                <a:gd name="connsiteX9" fmla="*/ 3622 w 2814556"/>
+                <a:gd name="connsiteY9" fmla="*/ 160866 h 3053659"/>
+                <a:gd name="connsiteX10" fmla="*/ 3622 w 2814556"/>
+                <a:gd name="connsiteY10" fmla="*/ 152400 h 3053659"/>
+                <a:gd name="connsiteX11" fmla="*/ 105222 w 2814556"/>
+                <a:gd name="connsiteY11" fmla="*/ 118533 h 3053659"/>
+                <a:gd name="connsiteX12" fmla="*/ 198356 w 2814556"/>
+                <a:gd name="connsiteY12" fmla="*/ 143933 h 3053659"/>
+                <a:gd name="connsiteX13" fmla="*/ 223756 w 2814556"/>
+                <a:gd name="connsiteY13" fmla="*/ 160866 h 3053659"/>
+                <a:gd name="connsiteX14" fmla="*/ 283022 w 2814556"/>
+                <a:gd name="connsiteY14" fmla="*/ 186266 h 3053659"/>
+                <a:gd name="connsiteX15" fmla="*/ 308422 w 2814556"/>
+                <a:gd name="connsiteY15" fmla="*/ 194733 h 3053659"/>
+                <a:gd name="connsiteX16" fmla="*/ 393089 w 2814556"/>
+                <a:gd name="connsiteY16" fmla="*/ 203200 h 3053659"/>
+                <a:gd name="connsiteX17" fmla="*/ 486222 w 2814556"/>
+                <a:gd name="connsiteY17" fmla="*/ 186266 h 3053659"/>
+                <a:gd name="connsiteX18" fmla="*/ 528556 w 2814556"/>
+                <a:gd name="connsiteY18" fmla="*/ 160866 h 3053659"/>
+                <a:gd name="connsiteX19" fmla="*/ 553956 w 2814556"/>
+                <a:gd name="connsiteY19" fmla="*/ 152400 h 3053659"/>
+                <a:gd name="connsiteX20" fmla="*/ 579356 w 2814556"/>
+                <a:gd name="connsiteY20" fmla="*/ 135466 h 3053659"/>
+                <a:gd name="connsiteX21" fmla="*/ 621689 w 2814556"/>
+                <a:gd name="connsiteY21" fmla="*/ 110066 h 3053659"/>
+                <a:gd name="connsiteX22" fmla="*/ 723289 w 2814556"/>
+                <a:gd name="connsiteY22" fmla="*/ 42333 h 3053659"/>
+                <a:gd name="connsiteX23" fmla="*/ 943422 w 2814556"/>
+                <a:gd name="connsiteY23" fmla="*/ 16933 h 3053659"/>
+                <a:gd name="connsiteX24" fmla="*/ 1045022 w 2814556"/>
+                <a:gd name="connsiteY24" fmla="*/ 67733 h 3053659"/>
+                <a:gd name="connsiteX25" fmla="*/ 1112756 w 2814556"/>
+                <a:gd name="connsiteY25" fmla="*/ 101600 h 3053659"/>
+                <a:gd name="connsiteX26" fmla="*/ 1180489 w 2814556"/>
+                <a:gd name="connsiteY26" fmla="*/ 152400 h 3053659"/>
+                <a:gd name="connsiteX27" fmla="*/ 1400622 w 2814556"/>
+                <a:gd name="connsiteY27" fmla="*/ 186266 h 3053659"/>
+                <a:gd name="connsiteX28" fmla="*/ 1595356 w 2814556"/>
+                <a:gd name="connsiteY28" fmla="*/ 127000 h 3053659"/>
+                <a:gd name="connsiteX29" fmla="*/ 1654622 w 2814556"/>
+                <a:gd name="connsiteY29" fmla="*/ 101600 h 3053659"/>
+                <a:gd name="connsiteX30" fmla="*/ 1747756 w 2814556"/>
+                <a:gd name="connsiteY30" fmla="*/ 84666 h 3053659"/>
+                <a:gd name="connsiteX31" fmla="*/ 1798556 w 2814556"/>
+                <a:gd name="connsiteY31" fmla="*/ 67733 h 3053659"/>
+                <a:gd name="connsiteX32" fmla="*/ 1993289 w 2814556"/>
+                <a:gd name="connsiteY32" fmla="*/ 67733 h 3053659"/>
+                <a:gd name="connsiteX33" fmla="*/ 2052556 w 2814556"/>
+                <a:gd name="connsiteY33" fmla="*/ 101600 h 3053659"/>
+                <a:gd name="connsiteX34" fmla="*/ 2128756 w 2814556"/>
+                <a:gd name="connsiteY34" fmla="*/ 118533 h 3053659"/>
+                <a:gd name="connsiteX35" fmla="*/ 2204956 w 2814556"/>
+                <a:gd name="connsiteY35" fmla="*/ 160866 h 3053659"/>
+                <a:gd name="connsiteX36" fmla="*/ 2238822 w 2814556"/>
+                <a:gd name="connsiteY36" fmla="*/ 177800 h 3053659"/>
+                <a:gd name="connsiteX37" fmla="*/ 2323489 w 2814556"/>
+                <a:gd name="connsiteY37" fmla="*/ 194733 h 3053659"/>
+                <a:gd name="connsiteX38" fmla="*/ 2408156 w 2814556"/>
+                <a:gd name="connsiteY38" fmla="*/ 186266 h 3053659"/>
+                <a:gd name="connsiteX39" fmla="*/ 2526689 w 2814556"/>
+                <a:gd name="connsiteY39" fmla="*/ 84666 h 3053659"/>
+                <a:gd name="connsiteX40" fmla="*/ 2628289 w 2814556"/>
+                <a:gd name="connsiteY40" fmla="*/ 16933 h 3053659"/>
+                <a:gd name="connsiteX41" fmla="*/ 2687556 w 2814556"/>
+                <a:gd name="connsiteY41" fmla="*/ 0 h 3053659"/>
+              </a:gdLst>
+              <a:ahLst/>
+              <a:cxnLst>
+                <a:cxn ang="0">
+                  <a:pos x="connsiteX0" y="connsiteY0"/>
+                </a:cxn>
+                <a:cxn ang="0">
+                  <a:pos x="connsiteX1" y="connsiteY1"/>
+                </a:cxn>
+                <a:cxn ang="0">
+                  <a:pos x="connsiteX2" y="connsiteY2"/>
+                </a:cxn>
+                <a:cxn ang="0">
+                  <a:pos x="connsiteX3" y="connsiteY3"/>
+                </a:cxn>
+                <a:cxn ang="0">
+                  <a:pos x="connsiteX4" y="connsiteY4"/>
+                </a:cxn>
+                <a:cxn ang="0">
+                  <a:pos x="connsiteX5" y="connsiteY5"/>
+                </a:cxn>
+                <a:cxn ang="0">
+                  <a:pos x="connsiteX6" y="connsiteY6"/>
+                </a:cxn>
+                <a:cxn ang="0">
+                  <a:pos x="connsiteX7" y="connsiteY7"/>
+                </a:cxn>
+                <a:cxn ang="0">
+                  <a:pos x="connsiteX8" y="connsiteY8"/>
+                </a:cxn>
+                <a:cxn ang="0">
+                  <a:pos x="connsiteX9" y="connsiteY9"/>
+                </a:cxn>
+                <a:cxn ang="0">
+                  <a:pos x="connsiteX10" y="connsiteY10"/>
+                </a:cxn>
+                <a:cxn ang="0">
+                  <a:pos x="connsiteX11" y="connsiteY11"/>
+                </a:cxn>
+                <a:cxn ang="0">
+                  <a:pos x="connsiteX12" y="connsiteY12"/>
+                </a:cxn>
+                <a:cxn ang="0">
+                  <a:pos x="connsiteX13" y="connsiteY13"/>
+                </a:cxn>
+                <a:cxn ang="0">
+                  <a:pos x="connsiteX14" y="connsiteY14"/>
+                </a:cxn>
+                <a:cxn ang="0">
+                  <a:pos x="connsiteX15" y="connsiteY15"/>
+                </a:cxn>
+                <a:cxn ang="0">
+                  <a:pos x="connsiteX16" y="connsiteY16"/>
+                </a:cxn>
+                <a:cxn ang="0">
+                  <a:pos x="connsiteX17" y="connsiteY17"/>
+                </a:cxn>
+                <a:cxn ang="0">
+                  <a:pos x="connsiteX18" y="connsiteY18"/>
+                </a:cxn>
+                <a:cxn ang="0">
+                  <a:pos x="connsiteX19" y="connsiteY19"/>
+                </a:cxn>
+                <a:cxn ang="0">
+                  <a:pos x="connsiteX20" y="connsiteY20"/>
+                </a:cxn>
+                <a:cxn ang="0">
+                  <a:pos x="connsiteX21" y="connsiteY21"/>
+                </a:cxn>
+                <a:cxn ang="0">
+                  <a:pos x="connsiteX22" y="connsiteY22"/>
+                </a:cxn>
+                <a:cxn ang="0">
+                  <a:pos x="connsiteX23" y="connsiteY23"/>
+                </a:cxn>
+                <a:cxn ang="0">
+                  <a:pos x="connsiteX24" y="connsiteY24"/>
+                </a:cxn>
+                <a:cxn ang="0">
+                  <a:pos x="connsiteX25" y="connsiteY25"/>
+                </a:cxn>
+                <a:cxn ang="0">
+                  <a:pos x="connsiteX26" y="connsiteY26"/>
+                </a:cxn>
+                <a:cxn ang="0">
+                  <a:pos x="connsiteX27" y="connsiteY27"/>
+                </a:cxn>
+                <a:cxn ang="0">
+                  <a:pos x="connsiteX28" y="connsiteY28"/>
+                </a:cxn>
+                <a:cxn ang="0">
+                  <a:pos x="connsiteX29" y="connsiteY29"/>
+                </a:cxn>
+                <a:cxn ang="0">
+                  <a:pos x="connsiteX30" y="connsiteY30"/>
+                </a:cxn>
+                <a:cxn ang="0">
+                  <a:pos x="connsiteX31" y="connsiteY31"/>
+                </a:cxn>
+                <a:cxn ang="0">
+                  <a:pos x="connsiteX32" y="connsiteY32"/>
+                </a:cxn>
+                <a:cxn ang="0">
+                  <a:pos x="connsiteX33" y="connsiteY33"/>
+                </a:cxn>
+                <a:cxn ang="0">
+                  <a:pos x="connsiteX34" y="connsiteY34"/>
+                </a:cxn>
+                <a:cxn ang="0">
+                  <a:pos x="connsiteX35" y="connsiteY35"/>
+                </a:cxn>
+                <a:cxn ang="0">
+                  <a:pos x="connsiteX36" y="connsiteY36"/>
+                </a:cxn>
+                <a:cxn ang="0">
+                  <a:pos x="connsiteX37" y="connsiteY37"/>
+                </a:cxn>
+                <a:cxn ang="0">
+                  <a:pos x="connsiteX38" y="connsiteY38"/>
+                </a:cxn>
+                <a:cxn ang="0">
+                  <a:pos x="connsiteX39" y="connsiteY39"/>
+                </a:cxn>
+                <a:cxn ang="0">
+                  <a:pos x="connsiteX40" y="connsiteY40"/>
+                </a:cxn>
+                <a:cxn ang="0">
+                  <a:pos x="connsiteX41" y="connsiteY41"/>
+                </a:cxn>
+              </a:cxnLst>
+              <a:rect l="l" t="t" r="r" b="b"/>
+              <a:pathLst>
+                <a:path w="2814556" h="3053659">
+                  <a:moveTo>
+                    <a:pt x="2687556" y="0"/>
+                  </a:moveTo>
+                  <a:cubicBezTo>
+                    <a:pt x="2700177" y="0"/>
+                    <a:pt x="2710774" y="10157"/>
+                    <a:pt x="2721422" y="16933"/>
+                  </a:cubicBezTo>
+                  <a:cubicBezTo>
+                    <a:pt x="2741904" y="29967"/>
+                    <a:pt x="2760933" y="45155"/>
+                    <a:pt x="2780689" y="59266"/>
+                  </a:cubicBezTo>
+                  <a:lnTo>
+                    <a:pt x="2814556" y="101600"/>
+                  </a:lnTo>
+                  <a:lnTo>
+                    <a:pt x="1747547" y="3053659"/>
+                  </a:lnTo>
+                  <a:lnTo>
+                    <a:pt x="1753512" y="2994487"/>
+                  </a:lnTo>
+                  <a:cubicBezTo>
+                    <a:pt x="1753512" y="2755900"/>
+                    <a:pt x="1560099" y="2562487"/>
+                    <a:pt x="1321512" y="2562487"/>
+                  </a:cubicBezTo>
+                  <a:cubicBezTo>
+                    <a:pt x="1082925" y="2562487"/>
+                    <a:pt x="889512" y="2755900"/>
+                    <a:pt x="889512" y="2994487"/>
+                  </a:cubicBezTo>
+                  <a:lnTo>
+                    <a:pt x="893703" y="3036062"/>
+                  </a:lnTo>
+                  <a:lnTo>
+                    <a:pt x="3622" y="160866"/>
+                  </a:lnTo>
+                  <a:cubicBezTo>
+                    <a:pt x="-2022" y="163689"/>
+                    <a:pt x="-320" y="157328"/>
+                    <a:pt x="3622" y="152400"/>
+                  </a:cubicBezTo>
+                  <a:cubicBezTo>
+                    <a:pt x="37550" y="109989"/>
+                    <a:pt x="37490" y="126059"/>
+                    <a:pt x="105222" y="118533"/>
+                  </a:cubicBezTo>
+                  <a:cubicBezTo>
+                    <a:pt x="128617" y="124382"/>
+                    <a:pt x="181586" y="137225"/>
+                    <a:pt x="198356" y="143933"/>
+                  </a:cubicBezTo>
+                  <a:cubicBezTo>
+                    <a:pt x="207804" y="147712"/>
+                    <a:pt x="214655" y="156315"/>
+                    <a:pt x="223756" y="160866"/>
+                  </a:cubicBezTo>
+                  <a:cubicBezTo>
+                    <a:pt x="242980" y="170478"/>
+                    <a:pt x="263066" y="178284"/>
+                    <a:pt x="283022" y="186266"/>
+                  </a:cubicBezTo>
+                  <a:cubicBezTo>
+                    <a:pt x="291308" y="189581"/>
+                    <a:pt x="299601" y="193376"/>
+                    <a:pt x="308422" y="194733"/>
+                  </a:cubicBezTo>
+                  <a:cubicBezTo>
+                    <a:pt x="336455" y="199046"/>
+                    <a:pt x="364867" y="200378"/>
+                    <a:pt x="393089" y="203200"/>
+                  </a:cubicBezTo>
+                  <a:cubicBezTo>
+                    <a:pt x="405024" y="201495"/>
+                    <a:pt x="467311" y="194671"/>
+                    <a:pt x="486222" y="186266"/>
+                  </a:cubicBezTo>
+                  <a:cubicBezTo>
+                    <a:pt x="501260" y="179582"/>
+                    <a:pt x="513837" y="168225"/>
+                    <a:pt x="528556" y="160866"/>
+                  </a:cubicBezTo>
+                  <a:cubicBezTo>
+                    <a:pt x="536538" y="156875"/>
+                    <a:pt x="545974" y="156391"/>
+                    <a:pt x="553956" y="152400"/>
+                  </a:cubicBezTo>
+                  <a:cubicBezTo>
+                    <a:pt x="563058" y="147849"/>
+                    <a:pt x="570727" y="140859"/>
+                    <a:pt x="579356" y="135466"/>
+                  </a:cubicBezTo>
+                  <a:cubicBezTo>
+                    <a:pt x="593311" y="126744"/>
+                    <a:pt x="608699" y="120169"/>
+                    <a:pt x="621689" y="110066"/>
+                  </a:cubicBezTo>
+                  <a:cubicBezTo>
+                    <a:pt x="666823" y="74962"/>
+                    <a:pt x="651684" y="57075"/>
+                    <a:pt x="723289" y="42333"/>
+                  </a:cubicBezTo>
+                  <a:cubicBezTo>
+                    <a:pt x="795636" y="27438"/>
+                    <a:pt x="870044" y="25400"/>
+                    <a:pt x="943422" y="16933"/>
+                  </a:cubicBezTo>
+                  <a:cubicBezTo>
+                    <a:pt x="1020711" y="47848"/>
+                    <a:pt x="951856" y="18044"/>
+                    <a:pt x="1045022" y="67733"/>
+                  </a:cubicBezTo>
+                  <a:cubicBezTo>
+                    <a:pt x="1067295" y="79612"/>
+                    <a:pt x="1091350" y="88221"/>
+                    <a:pt x="1112756" y="101600"/>
+                  </a:cubicBezTo>
+                  <a:cubicBezTo>
+                    <a:pt x="1136688" y="116558"/>
+                    <a:pt x="1153414" y="144437"/>
+                    <a:pt x="1180489" y="152400"/>
+                  </a:cubicBezTo>
+                  <a:cubicBezTo>
+                    <a:pt x="1251713" y="173348"/>
+                    <a:pt x="1327244" y="174977"/>
+                    <a:pt x="1400622" y="186266"/>
+                  </a:cubicBezTo>
+                  <a:cubicBezTo>
+                    <a:pt x="1503444" y="171578"/>
+                    <a:pt x="1451320" y="183362"/>
+                    <a:pt x="1595356" y="127000"/>
+                  </a:cubicBezTo>
+                  <a:cubicBezTo>
+                    <a:pt x="1615371" y="119168"/>
+                    <a:pt x="1633913" y="107353"/>
+                    <a:pt x="1654622" y="101600"/>
+                  </a:cubicBezTo>
+                  <a:cubicBezTo>
+                    <a:pt x="1685024" y="93155"/>
+                    <a:pt x="1717041" y="91893"/>
+                    <a:pt x="1747756" y="84666"/>
+                  </a:cubicBezTo>
+                  <a:cubicBezTo>
+                    <a:pt x="1765131" y="80578"/>
+                    <a:pt x="1781623" y="73377"/>
+                    <a:pt x="1798556" y="67733"/>
+                  </a:cubicBezTo>
+                  <a:cubicBezTo>
+                    <a:pt x="1833478" y="65550"/>
+                    <a:pt x="1942367" y="49546"/>
+                    <a:pt x="1993289" y="67733"/>
+                  </a:cubicBezTo>
+                  <a:cubicBezTo>
+                    <a:pt x="2014717" y="75386"/>
+                    <a:pt x="2032800" y="90311"/>
+                    <a:pt x="2052556" y="101600"/>
+                  </a:cubicBezTo>
+                  <a:cubicBezTo>
+                    <a:pt x="2077956" y="107244"/>
+                    <a:pt x="2103887" y="110881"/>
+                    <a:pt x="2128756" y="118533"/>
+                  </a:cubicBezTo>
+                  <a:cubicBezTo>
+                    <a:pt x="2146954" y="124132"/>
+                    <a:pt x="2191421" y="153346"/>
+                    <a:pt x="2204956" y="160866"/>
+                  </a:cubicBezTo>
+                  <a:cubicBezTo>
+                    <a:pt x="2215989" y="166996"/>
+                    <a:pt x="2226686" y="174333"/>
+                    <a:pt x="2238822" y="177800"/>
+                  </a:cubicBezTo>
+                  <a:cubicBezTo>
+                    <a:pt x="2266496" y="185707"/>
+                    <a:pt x="2295267" y="189089"/>
+                    <a:pt x="2323489" y="194733"/>
+                  </a:cubicBezTo>
+                  <a:cubicBezTo>
+                    <a:pt x="2351711" y="191911"/>
+                    <a:pt x="2380422" y="192209"/>
+                    <a:pt x="2408156" y="186266"/>
+                  </a:cubicBezTo>
+                  <a:cubicBezTo>
+                    <a:pt x="2452425" y="176780"/>
+                    <a:pt x="2513093" y="98262"/>
+                    <a:pt x="2526689" y="84666"/>
+                  </a:cubicBezTo>
+                  <a:cubicBezTo>
+                    <a:pt x="2555470" y="55885"/>
+                    <a:pt x="2594422" y="39511"/>
+                    <a:pt x="2628289" y="16933"/>
+                  </a:cubicBezTo>
+                  <a:cubicBezTo>
+                    <a:pt x="2648045" y="11289"/>
+                    <a:pt x="2667010" y="0"/>
+                    <a:pt x="2687556" y="0"/>
+                  </a:cubicBezTo>
+                  <a:close/>
+                </a:path>
+              </a:pathLst>
+            </a:custGeom>
+            <a:ln>
+              <a:solidFill>
+                <a:srgbClr val="F26E61"/>
+              </a:solidFill>
+            </a:ln>
+          </p:spPr>
+          <p:style>
+            <a:lnRef idx="2">
+              <a:schemeClr val="accent1">
+                <a:shade val="50000"/>
+              </a:schemeClr>
+            </a:lnRef>
+            <a:fillRef idx="1">
+              <a:schemeClr val="accent1"/>
+            </a:fillRef>
+            <a:effectRef idx="0">
+              <a:schemeClr val="accent1"/>
+            </a:effectRef>
+            <a:fontRef idx="minor">
+              <a:schemeClr val="lt1"/>
+            </a:fontRef>
+          </p:style>
+          <p:txBody>
+            <a:bodyPr wrap="square" rtlCol="0" anchor="ctr">
+              <a:noAutofit/>
+            </a:bodyPr>
+            <a:lstStyle/>
+            <a:p>
+              <a:pPr algn="ctr"/>
+              <a:endParaRPr lang="zh-TW" altLang="en-US"/>
+            </a:p>
+          </p:txBody>
+        </p:sp>
+        <p:sp>
+          <p:nvSpPr>
+            <p:cNvPr id="78" name="手繪多邊形: 圖案 77">
+              <a:extLst>
+                <a:ext uri="{FF2B5EF4-FFF2-40B4-BE49-F238E27FC236}">
+                  <a16:creationId xmlns:a16="http://schemas.microsoft.com/office/drawing/2014/main" id="{73DD6838-4C82-47D4-B20B-44BD185DE73A}"/>
+                </a:ext>
+              </a:extLst>
+            </p:cNvPr>
+            <p:cNvSpPr/>
+            <p:nvPr/>
+          </p:nvSpPr>
+          <p:spPr>
+            <a:xfrm>
+              <a:off x="6684905" y="4416130"/>
+              <a:ext cx="51701" cy="167005"/>
+            </a:xfrm>
+            <a:custGeom>
+              <a:avLst/>
+              <a:gdLst>
+                <a:gd name="connsiteX0" fmla="*/ 0 w 51701"/>
+                <a:gd name="connsiteY0" fmla="*/ 0 h 167005"/>
+                <a:gd name="connsiteX1" fmla="*/ 51701 w 51701"/>
+                <a:gd name="connsiteY1" fmla="*/ 167005 h 167005"/>
+                <a:gd name="connsiteX2" fmla="*/ 29758 w 51701"/>
+                <a:gd name="connsiteY2" fmla="*/ 126579 h 167005"/>
+                <a:gd name="connsiteX3" fmla="*/ 4586 w 51701"/>
+                <a:gd name="connsiteY3" fmla="*/ 45488 h 167005"/>
+                <a:gd name="connsiteX4" fmla="*/ 0 w 51701"/>
+                <a:gd name="connsiteY4" fmla="*/ 0 h 167005"/>
+              </a:gdLst>
+              <a:ahLst/>
+              <a:cxnLst>
+                <a:cxn ang="0">
+                  <a:pos x="connsiteX0" y="connsiteY0"/>
+                </a:cxn>
+                <a:cxn ang="0">
+                  <a:pos x="connsiteX1" y="connsiteY1"/>
+                </a:cxn>
+                <a:cxn ang="0">
+                  <a:pos x="connsiteX2" y="connsiteY2"/>
+                </a:cxn>
+                <a:cxn ang="0">
+                  <a:pos x="connsiteX3" y="connsiteY3"/>
+                </a:cxn>
+                <a:cxn ang="0">
+                  <a:pos x="connsiteX4" y="connsiteY4"/>
+                </a:cxn>
+              </a:cxnLst>
+              <a:rect l="l" t="t" r="r" b="b"/>
+              <a:pathLst>
+                <a:path w="51701" h="167005">
+                  <a:moveTo>
+                    <a:pt x="0" y="0"/>
+                  </a:moveTo>
+                  <a:lnTo>
+                    <a:pt x="51701" y="167005"/>
+                  </a:lnTo>
+                  <a:lnTo>
+                    <a:pt x="29758" y="126579"/>
+                  </a:lnTo>
+                  <a:cubicBezTo>
+                    <a:pt x="18828" y="100737"/>
+                    <a:pt x="10341" y="73610"/>
+                    <a:pt x="4586" y="45488"/>
+                  </a:cubicBezTo>
+                  <a:lnTo>
+                    <a:pt x="0" y="0"/>
+                  </a:lnTo>
+                  <a:close/>
+                </a:path>
+              </a:pathLst>
+            </a:custGeom>
+          </p:spPr>
+          <p:style>
+            <a:lnRef idx="2">
+              <a:schemeClr val="accent1">
+                <a:shade val="50000"/>
+              </a:schemeClr>
+            </a:lnRef>
+            <a:fillRef idx="1">
+              <a:schemeClr val="accent1"/>
+            </a:fillRef>
+            <a:effectRef idx="0">
+              <a:schemeClr val="accent1"/>
+            </a:effectRef>
+            <a:fontRef idx="minor">
+              <a:schemeClr val="lt1"/>
+            </a:fontRef>
+          </p:style>
+          <p:txBody>
+            <a:bodyPr wrap="square" rtlCol="0" anchor="ctr">
+              <a:noAutofit/>
+            </a:bodyPr>
+            <a:lstStyle/>
+            <a:p>
+              <a:pPr algn="ctr"/>
+              <a:endParaRPr lang="zh-TW" altLang="en-US"/>
+            </a:p>
+          </p:txBody>
+        </p:sp>
+        <p:sp>
+          <p:nvSpPr>
+            <p:cNvPr id="77" name="手繪多邊形: 圖案 76">
+              <a:extLst>
+                <a:ext uri="{FF2B5EF4-FFF2-40B4-BE49-F238E27FC236}">
+                  <a16:creationId xmlns:a16="http://schemas.microsoft.com/office/drawing/2014/main" id="{D444C34B-B904-4C3A-BC71-4457D28C6288}"/>
+                </a:ext>
+              </a:extLst>
+            </p:cNvPr>
+            <p:cNvSpPr/>
+            <p:nvPr/>
+          </p:nvSpPr>
+          <p:spPr>
+            <a:xfrm>
+              <a:off x="7476620" y="4433727"/>
+              <a:ext cx="62128" cy="171889"/>
+            </a:xfrm>
+            <a:custGeom>
+              <a:avLst/>
+              <a:gdLst>
+                <a:gd name="connsiteX0" fmla="*/ 62128 w 62128"/>
+                <a:gd name="connsiteY0" fmla="*/ 0 h 171889"/>
+                <a:gd name="connsiteX1" fmla="*/ 59316 w 62128"/>
+                <a:gd name="connsiteY1" fmla="*/ 27891 h 171889"/>
+                <a:gd name="connsiteX2" fmla="*/ 34144 w 62128"/>
+                <a:gd name="connsiteY2" fmla="*/ 108982 h 171889"/>
+                <a:gd name="connsiteX3" fmla="*/ 0 w 62128"/>
+                <a:gd name="connsiteY3" fmla="*/ 171889 h 171889"/>
+                <a:gd name="connsiteX4" fmla="*/ 62128 w 62128"/>
+                <a:gd name="connsiteY4" fmla="*/ 0 h 171889"/>
+              </a:gdLst>
+              <a:ahLst/>
+              <a:cxnLst>
+                <a:cxn ang="0">
+                  <a:pos x="connsiteX0" y="connsiteY0"/>
+                </a:cxn>
+                <a:cxn ang="0">
+                  <a:pos x="connsiteX1" y="connsiteY1"/>
+                </a:cxn>
+                <a:cxn ang="0">
+                  <a:pos x="connsiteX2" y="connsiteY2"/>
+                </a:cxn>
+                <a:cxn ang="0">
+                  <a:pos x="connsiteX3" y="connsiteY3"/>
+                </a:cxn>
+                <a:cxn ang="0">
+                  <a:pos x="connsiteX4" y="connsiteY4"/>
+                </a:cxn>
+              </a:cxnLst>
+              <a:rect l="l" t="t" r="r" b="b"/>
+              <a:pathLst>
+                <a:path w="62128" h="171889">
+                  <a:moveTo>
+                    <a:pt x="62128" y="0"/>
+                  </a:moveTo>
+                  <a:lnTo>
+                    <a:pt x="59316" y="27891"/>
+                  </a:lnTo>
+                  <a:cubicBezTo>
+                    <a:pt x="53562" y="56013"/>
+                    <a:pt x="45075" y="83140"/>
+                    <a:pt x="34144" y="108982"/>
+                  </a:cubicBezTo>
+                  <a:lnTo>
+                    <a:pt x="0" y="171889"/>
+                  </a:lnTo>
+                  <a:lnTo>
+                    <a:pt x="62128" y="0"/>
+                  </a:lnTo>
+                  <a:close/>
+                </a:path>
+              </a:pathLst>
+            </a:custGeom>
+          </p:spPr>
+          <p:style>
+            <a:lnRef idx="2">
+              <a:schemeClr val="accent1">
+                <a:shade val="50000"/>
+              </a:schemeClr>
+            </a:lnRef>
+            <a:fillRef idx="1">
+              <a:schemeClr val="accent1"/>
+            </a:fillRef>
+            <a:effectRef idx="0">
+              <a:schemeClr val="accent1"/>
+            </a:effectRef>
+            <a:fontRef idx="minor">
+              <a:schemeClr val="lt1"/>
+            </a:fontRef>
+          </p:style>
+          <p:txBody>
+            <a:bodyPr wrap="square" rtlCol="0" anchor="ctr">
+              <a:noAutofit/>
+            </a:bodyPr>
+            <a:lstStyle/>
+            <a:p>
+              <a:pPr algn="ctr"/>
+              <a:endParaRPr lang="zh-TW" altLang="en-US"/>
+            </a:p>
+          </p:txBody>
+        </p:sp>
+        <p:sp>
+          <p:nvSpPr>
+            <p:cNvPr id="24" name="拱形 23">
+              <a:extLst>
+                <a:ext uri="{FF2B5EF4-FFF2-40B4-BE49-F238E27FC236}">
+                  <a16:creationId xmlns:a16="http://schemas.microsoft.com/office/drawing/2014/main" id="{D974F0F7-1048-449D-80B3-1786888B247D}"/>
+                </a:ext>
+              </a:extLst>
+            </p:cNvPr>
+            <p:cNvSpPr/>
+            <p:nvPr/>
+          </p:nvSpPr>
+          <p:spPr>
+            <a:xfrm rot="10974555">
+              <a:off x="6680713" y="3969878"/>
+              <a:ext cx="864000" cy="864000"/>
+            </a:xfrm>
+            <a:prstGeom prst="blockArc">
+              <a:avLst>
+                <a:gd name="adj1" fmla="val 11915825"/>
+                <a:gd name="adj2" fmla="val 20713052"/>
+                <a:gd name="adj3" fmla="val 4380"/>
+              </a:avLst>
+            </a:prstGeom>
+            <a:solidFill>
+              <a:schemeClr val="tx1"/>
+            </a:solidFill>
+            <a:ln>
+              <a:noFill/>
+            </a:ln>
+          </p:spPr>
+          <p:style>
+            <a:lnRef idx="2">
+              <a:schemeClr val="accent1">
+                <a:shade val="50000"/>
+              </a:schemeClr>
+            </a:lnRef>
+            <a:fillRef idx="1">
+              <a:schemeClr val="accent1"/>
+            </a:fillRef>
+            <a:effectRef idx="0">
+              <a:schemeClr val="accent1"/>
+            </a:effectRef>
+            <a:fontRef idx="minor">
+              <a:schemeClr val="lt1"/>
+            </a:fontRef>
+          </p:style>
+          <p:txBody>
+            <a:bodyPr rtlCol="0" anchor="ctr"/>
+            <a:lstStyle/>
+            <a:p>
+              <a:pPr algn="ctr"/>
+              <a:endParaRPr lang="zh-TW" altLang="en-US">
+                <a:solidFill>
+                  <a:schemeClr val="tx1"/>
+                </a:solidFill>
+              </a:endParaRPr>
+            </a:p>
+          </p:txBody>
+        </p:sp>
+        <p:cxnSp>
+          <p:nvCxnSpPr>
+            <p:cNvPr id="65" name="直線單箭頭接點 64">
+              <a:extLst>
+                <a:ext uri="{FF2B5EF4-FFF2-40B4-BE49-F238E27FC236}">
+                  <a16:creationId xmlns:a16="http://schemas.microsoft.com/office/drawing/2014/main" id="{34B48AE2-6F69-4157-B76F-A0D2063C6C78}"/>
+                </a:ext>
+              </a:extLst>
+            </p:cNvPr>
+            <p:cNvCxnSpPr>
+              <a:cxnSpLocks/>
+              <a:stCxn id="24" idx="0"/>
+            </p:cNvCxnSpPr>
+            <p:nvPr/>
+          </p:nvCxnSpPr>
+          <p:spPr>
+            <a:xfrm flipV="1">
+              <a:off x="7497031" y="1481668"/>
+              <a:ext cx="1108726" cy="3071646"/>
+            </a:xfrm>
+            <a:prstGeom prst="straightConnector1">
+              <a:avLst/>
+            </a:prstGeom>
+            <a:ln w="38100">
+              <a:solidFill>
+                <a:schemeClr val="tx1"/>
+              </a:solidFill>
+              <a:tailEnd type="triangle"/>
+            </a:ln>
+          </p:spPr>
+          <p:style>
+            <a:lnRef idx="1">
+              <a:schemeClr val="accent1"/>
+            </a:lnRef>
+            <a:fillRef idx="0">
+              <a:schemeClr val="accent1"/>
+            </a:fillRef>
+            <a:effectRef idx="0">
+              <a:schemeClr val="accent1"/>
+            </a:effectRef>
+            <a:fontRef idx="minor">
+              <a:schemeClr val="tx1"/>
+            </a:fontRef>
+          </p:style>
+        </p:cxnSp>
+        <p:cxnSp>
+          <p:nvCxnSpPr>
+            <p:cNvPr id="64" name="直線單箭頭接點 63">
+              <a:extLst>
+                <a:ext uri="{FF2B5EF4-FFF2-40B4-BE49-F238E27FC236}">
+                  <a16:creationId xmlns:a16="http://schemas.microsoft.com/office/drawing/2014/main" id="{BF4B51D4-76C3-40D7-9986-DDDEDC63DE6C}"/>
+                </a:ext>
+              </a:extLst>
+            </p:cNvPr>
+            <p:cNvCxnSpPr>
+              <a:cxnSpLocks/>
+              <a:stCxn id="80" idx="7"/>
+            </p:cNvCxnSpPr>
+            <p:nvPr/>
+          </p:nvCxnSpPr>
+          <p:spPr>
+            <a:xfrm flipH="1" flipV="1">
+              <a:off x="5794823" y="1532468"/>
+              <a:ext cx="941782" cy="3050666"/>
+            </a:xfrm>
+            <a:prstGeom prst="straightConnector1">
+              <a:avLst/>
+            </a:prstGeom>
+            <a:ln w="38100">
+              <a:solidFill>
+                <a:schemeClr val="tx1"/>
+              </a:solidFill>
+              <a:tailEnd type="triangle"/>
+            </a:ln>
+          </p:spPr>
+          <p:style>
+            <a:lnRef idx="1">
+              <a:schemeClr val="accent1"/>
+            </a:lnRef>
+            <a:fillRef idx="0">
+              <a:schemeClr val="accent1"/>
+            </a:fillRef>
+            <a:effectRef idx="0">
+              <a:schemeClr val="accent1"/>
+            </a:effectRef>
+            <a:fontRef idx="minor">
+              <a:schemeClr val="tx1"/>
+            </a:fontRef>
+          </p:style>
+        </p:cxnSp>
+      </p:grpSp>
+      <mc:AlternateContent xmlns:mc="http://schemas.openxmlformats.org/markup-compatibility/2006">
+        <mc:Choice xmlns:a14="http://schemas.microsoft.com/office/drawing/2010/main" Requires="a14">
+          <p:sp>
+            <p:nvSpPr>
+              <p:cNvPr id="28" name="文字方塊 27">
+                <a:extLst>
+                  <a:ext uri="{FF2B5EF4-FFF2-40B4-BE49-F238E27FC236}">
+                    <a16:creationId xmlns:a16="http://schemas.microsoft.com/office/drawing/2014/main" id="{0E99B352-5B55-4FAB-8313-87E150939900}"/>
+                  </a:ext>
+                </a:extLst>
+              </p:cNvPr>
+              <p:cNvSpPr txBox="1"/>
+              <p:nvPr/>
+            </p:nvSpPr>
+            <p:spPr>
+              <a:xfrm>
+                <a:off x="2571728" y="2946392"/>
+                <a:ext cx="1126066" cy="461665"/>
+              </a:xfrm>
+              <a:prstGeom prst="rect">
+                <a:avLst/>
+              </a:prstGeom>
+              <a:noFill/>
+            </p:spPr>
+            <p:txBody>
+              <a:bodyPr wrap="square" rtlCol="0">
+                <a:spAutoFit/>
+              </a:bodyPr>
+              <a:lstStyle/>
+              <a:p>
+                <a14:m>
+                  <m:oMathPara xmlns:m="http://schemas.openxmlformats.org/officeDocument/2006/math">
+                    <m:oMathParaPr>
+                      <m:jc m:val="centerGroup"/>
+                    </m:oMathParaPr>
+                    <m:oMath xmlns:m="http://schemas.openxmlformats.org/officeDocument/2006/math">
+                      <m:r>
+                        <a:rPr lang="en-US" altLang="zh-TW" sz="2400" b="0" i="1" smtClean="0">
+                          <a:latin typeface="Cambria Math" panose="02040503050406030204" pitchFamily="18" charset="0"/>
+                        </a:rPr>
+                        <m:t>𝑉</m:t>
+                      </m:r>
+                      <m:sSub>
+                        <m:sSubPr>
+                          <m:ctrlPr>
+                            <a:rPr lang="en-US" altLang="zh-TW" sz="2400" b="0" i="1" smtClean="0">
+                              <a:latin typeface="Cambria Math" panose="02040503050406030204" pitchFamily="18" charset="0"/>
+                            </a:rPr>
+                          </m:ctrlPr>
+                        </m:sSubPr>
+                        <m:e>
+                          <m:r>
+                            <a:rPr lang="en-US" altLang="zh-TW" sz="2400" b="0" i="1" smtClean="0">
+                              <a:latin typeface="Cambria Math" panose="02040503050406030204" pitchFamily="18" charset="0"/>
+                            </a:rPr>
+                            <m:t>𝑂</m:t>
+                          </m:r>
+                        </m:e>
+                        <m:sub>
+                          <m:r>
+                            <a:rPr lang="en-US" altLang="zh-TW" sz="2400" b="0" i="1" smtClean="0">
+                              <a:latin typeface="Cambria Math" panose="02040503050406030204" pitchFamily="18" charset="0"/>
+                            </a:rPr>
+                            <m:t>𝐴𝐵</m:t>
+                          </m:r>
+                        </m:sub>
+                      </m:sSub>
+                    </m:oMath>
+                  </m:oMathPara>
+                </a14:m>
+                <a:endParaRPr lang="zh-TW" altLang="en-US" sz="2400" dirty="0"/>
+              </a:p>
+            </p:txBody>
+          </p:sp>
+        </mc:Choice>
+        <mc:Fallback>
+          <p:sp>
+            <p:nvSpPr>
+              <p:cNvPr id="28" name="文字方塊 27">
+                <a:extLst>
+                  <a:ext uri="{FF2B5EF4-FFF2-40B4-BE49-F238E27FC236}">
+                    <a16:creationId xmlns:a16="http://schemas.microsoft.com/office/drawing/2014/main" id="{0E99B352-5B55-4FAB-8313-87E150939900}"/>
+                  </a:ext>
+                </a:extLst>
+              </p:cNvPr>
+              <p:cNvSpPr txBox="1">
+                <a:spLocks noRot="1" noChangeAspect="1" noMove="1" noResize="1" noEditPoints="1" noAdjustHandles="1" noChangeArrowheads="1" noChangeShapeType="1" noTextEdit="1"/>
+              </p:cNvSpPr>
+              <p:nvPr/>
+            </p:nvSpPr>
+            <p:spPr>
+              <a:xfrm>
+                <a:off x="2571728" y="2946392"/>
+                <a:ext cx="1126066" cy="461665"/>
+              </a:xfrm>
+              <a:prstGeom prst="rect">
+                <a:avLst/>
+              </a:prstGeom>
+              <a:blipFill>
+                <a:blip r:embed="rId2"/>
+                <a:stretch>
+                  <a:fillRect b="-3947"/>
+                </a:stretch>
+              </a:blipFill>
+            </p:spPr>
+            <p:txBody>
+              <a:bodyPr/>
+              <a:lstStyle/>
+              <a:p>
+                <a:r>
+                  <a:rPr lang="zh-TW" altLang="en-US">
+                    <a:noFill/>
+                  </a:rPr>
+                  <a:t> </a:t>
+                </a:r>
+              </a:p>
+            </p:txBody>
+          </p:sp>
+        </mc:Fallback>
+      </mc:AlternateContent>
+      <p:cxnSp>
+        <p:nvCxnSpPr>
+          <p:cNvPr id="41" name="直線單箭頭接點 40">
+            <a:extLst>
+              <a:ext uri="{FF2B5EF4-FFF2-40B4-BE49-F238E27FC236}">
+                <a16:creationId xmlns:a16="http://schemas.microsoft.com/office/drawing/2014/main" id="{FFB9D12B-1B8C-4D24-A25D-201FFB9410E2}"/>
+              </a:ext>
+            </a:extLst>
+          </p:cNvPr>
+          <p:cNvCxnSpPr/>
+          <p:nvPr/>
+        </p:nvCxnSpPr>
+        <p:spPr>
+          <a:xfrm>
+            <a:off x="474744" y="5220985"/>
+            <a:ext cx="4038600" cy="0"/>
+          </a:xfrm>
+          <a:prstGeom prst="straightConnector1">
+            <a:avLst/>
+          </a:prstGeom>
+          <a:ln w="28575">
+            <a:solidFill>
+              <a:schemeClr val="tx1"/>
+            </a:solidFill>
+            <a:tailEnd type="triangle"/>
+          </a:ln>
+        </p:spPr>
+        <p:style>
+          <a:lnRef idx="1">
+            <a:schemeClr val="accent1"/>
+          </a:lnRef>
+          <a:fillRef idx="0">
+            <a:schemeClr val="accent1"/>
+          </a:fillRef>
+          <a:effectRef idx="0">
+            <a:schemeClr val="accent1"/>
+          </a:effectRef>
+          <a:fontRef idx="minor">
+            <a:schemeClr val="tx1"/>
+          </a:fontRef>
+        </p:style>
+      </p:cxnSp>
+      <p:cxnSp>
+        <p:nvCxnSpPr>
+          <p:cNvPr id="90" name="直線單箭頭接點 89">
+            <a:extLst>
+              <a:ext uri="{FF2B5EF4-FFF2-40B4-BE49-F238E27FC236}">
+                <a16:creationId xmlns:a16="http://schemas.microsoft.com/office/drawing/2014/main" id="{674B5426-B80F-4F64-9961-A838E063A5F4}"/>
+              </a:ext>
+            </a:extLst>
+          </p:cNvPr>
+          <p:cNvCxnSpPr/>
+          <p:nvPr/>
+        </p:nvCxnSpPr>
+        <p:spPr>
+          <a:xfrm>
+            <a:off x="6750276" y="5220985"/>
+            <a:ext cx="4038600" cy="0"/>
+          </a:xfrm>
+          <a:prstGeom prst="straightConnector1">
+            <a:avLst/>
+          </a:prstGeom>
+          <a:ln w="28575">
+            <a:solidFill>
+              <a:schemeClr val="tx1"/>
+            </a:solidFill>
+            <a:tailEnd type="triangle"/>
+          </a:ln>
+        </p:spPr>
+        <p:style>
+          <a:lnRef idx="1">
+            <a:schemeClr val="accent1"/>
+          </a:lnRef>
+          <a:fillRef idx="0">
+            <a:schemeClr val="accent1"/>
+          </a:fillRef>
+          <a:effectRef idx="0">
+            <a:schemeClr val="accent1"/>
+          </a:effectRef>
+          <a:fontRef idx="minor">
+            <a:schemeClr val="tx1"/>
+          </a:fontRef>
+        </p:style>
+      </p:cxnSp>
+      <p:cxnSp>
+        <p:nvCxnSpPr>
+          <p:cNvPr id="91" name="直線單箭頭接點 90">
+            <a:extLst>
+              <a:ext uri="{FF2B5EF4-FFF2-40B4-BE49-F238E27FC236}">
+                <a16:creationId xmlns:a16="http://schemas.microsoft.com/office/drawing/2014/main" id="{1A4FE00A-6132-4D90-AA50-30CB31A92ED6}"/>
+              </a:ext>
+            </a:extLst>
+          </p:cNvPr>
+          <p:cNvCxnSpPr>
+            <a:cxnSpLocks/>
+          </p:cNvCxnSpPr>
+          <p:nvPr/>
+        </p:nvCxnSpPr>
+        <p:spPr>
+          <a:xfrm flipV="1">
+            <a:off x="2657088" y="2030901"/>
+            <a:ext cx="0" cy="3732742"/>
+          </a:xfrm>
+          <a:prstGeom prst="straightConnector1">
+            <a:avLst/>
+          </a:prstGeom>
+          <a:ln w="28575">
+            <a:solidFill>
+              <a:schemeClr val="tx1"/>
+            </a:solidFill>
+            <a:tailEnd type="triangle"/>
+          </a:ln>
+        </p:spPr>
+        <p:style>
+          <a:lnRef idx="1">
+            <a:schemeClr val="accent1"/>
+          </a:lnRef>
+          <a:fillRef idx="0">
+            <a:schemeClr val="accent1"/>
+          </a:fillRef>
+          <a:effectRef idx="0">
+            <a:schemeClr val="accent1"/>
+          </a:effectRef>
+          <a:fontRef idx="minor">
+            <a:schemeClr val="tx1"/>
+          </a:fontRef>
+        </p:style>
+      </p:cxnSp>
+      <p:cxnSp>
+        <p:nvCxnSpPr>
+          <p:cNvPr id="93" name="直線單箭頭接點 92">
+            <a:extLst>
+              <a:ext uri="{FF2B5EF4-FFF2-40B4-BE49-F238E27FC236}">
+                <a16:creationId xmlns:a16="http://schemas.microsoft.com/office/drawing/2014/main" id="{6C548FE7-9403-4F83-9ED4-E8A9D352EF13}"/>
+              </a:ext>
+            </a:extLst>
+          </p:cNvPr>
+          <p:cNvCxnSpPr>
+            <a:cxnSpLocks/>
+          </p:cNvCxnSpPr>
+          <p:nvPr/>
+        </p:nvCxnSpPr>
+        <p:spPr>
+          <a:xfrm flipV="1">
+            <a:off x="8932620" y="2030901"/>
+            <a:ext cx="0" cy="3732742"/>
+          </a:xfrm>
+          <a:prstGeom prst="straightConnector1">
+            <a:avLst/>
+          </a:prstGeom>
+          <a:ln w="28575">
+            <a:solidFill>
+              <a:schemeClr val="tx1"/>
+            </a:solidFill>
+            <a:tailEnd type="triangle"/>
+          </a:ln>
+        </p:spPr>
+        <p:style>
+          <a:lnRef idx="1">
+            <a:schemeClr val="accent1"/>
+          </a:lnRef>
+          <a:fillRef idx="0">
+            <a:schemeClr val="accent1"/>
+          </a:fillRef>
+          <a:effectRef idx="0">
+            <a:schemeClr val="accent1"/>
+          </a:effectRef>
+          <a:fontRef idx="minor">
+            <a:schemeClr val="tx1"/>
+          </a:fontRef>
+        </p:style>
+      </p:cxnSp>
+      <mc:AlternateContent xmlns:mc="http://schemas.openxmlformats.org/markup-compatibility/2006">
+        <mc:Choice xmlns:a14="http://schemas.microsoft.com/office/drawing/2010/main" Requires="a14">
+          <p:sp>
+            <p:nvSpPr>
+              <p:cNvPr id="47" name="文字方塊 46">
+                <a:extLst>
+                  <a:ext uri="{FF2B5EF4-FFF2-40B4-BE49-F238E27FC236}">
+                    <a16:creationId xmlns:a16="http://schemas.microsoft.com/office/drawing/2014/main" id="{3F9A8ED2-0F1D-4EEC-B761-28D536A47A1E}"/>
+                  </a:ext>
+                </a:extLst>
+              </p:cNvPr>
+              <p:cNvSpPr txBox="1"/>
+              <p:nvPr/>
+            </p:nvSpPr>
+            <p:spPr>
+              <a:xfrm>
+                <a:off x="3988499" y="4761272"/>
+                <a:ext cx="544654" cy="461665"/>
+              </a:xfrm>
+              <a:prstGeom prst="rect">
+                <a:avLst/>
+              </a:prstGeom>
+              <a:noFill/>
+            </p:spPr>
+            <p:txBody>
+              <a:bodyPr wrap="square" rtlCol="0">
+                <a:spAutoFit/>
+              </a:bodyPr>
+              <a:lstStyle/>
+              <a:p>
+                <a14:m>
+                  <m:oMathPara xmlns:m="http://schemas.openxmlformats.org/officeDocument/2006/math">
+                    <m:oMathParaPr>
+                      <m:jc m:val="centerGroup"/>
+                    </m:oMathParaPr>
+                    <m:oMath xmlns:m="http://schemas.openxmlformats.org/officeDocument/2006/math">
+                      <m:sSub>
+                        <m:sSubPr>
+                          <m:ctrlPr>
+                            <a:rPr lang="en-US" altLang="zh-TW" sz="2400" b="0" i="1" smtClean="0">
+                              <a:latin typeface="Cambria Math" panose="02040503050406030204" pitchFamily="18" charset="0"/>
+                            </a:rPr>
+                          </m:ctrlPr>
+                        </m:sSubPr>
+                        <m:e>
+                          <m:r>
+                            <a:rPr lang="en-US" altLang="zh-TW" sz="2400" b="0" i="1" smtClean="0">
+                              <a:latin typeface="Cambria Math" panose="02040503050406030204" pitchFamily="18" charset="0"/>
+                            </a:rPr>
+                            <m:t>𝑣</m:t>
+                          </m:r>
+                        </m:e>
+                        <m:sub>
+                          <m:r>
+                            <a:rPr lang="en-US" altLang="zh-TW" sz="2400" b="0" i="1" smtClean="0">
+                              <a:latin typeface="Cambria Math" panose="02040503050406030204" pitchFamily="18" charset="0"/>
+                            </a:rPr>
+                            <m:t>𝑥</m:t>
+                          </m:r>
+                        </m:sub>
+                      </m:sSub>
+                    </m:oMath>
+                  </m:oMathPara>
+                </a14:m>
+                <a:endParaRPr lang="zh-TW" altLang="en-US" sz="2400" dirty="0"/>
+              </a:p>
+            </p:txBody>
+          </p:sp>
+        </mc:Choice>
+        <mc:Fallback>
+          <p:sp>
+            <p:nvSpPr>
+              <p:cNvPr id="47" name="文字方塊 46">
+                <a:extLst>
+                  <a:ext uri="{FF2B5EF4-FFF2-40B4-BE49-F238E27FC236}">
+                    <a16:creationId xmlns:a16="http://schemas.microsoft.com/office/drawing/2014/main" id="{3F9A8ED2-0F1D-4EEC-B761-28D536A47A1E}"/>
+                  </a:ext>
+                </a:extLst>
+              </p:cNvPr>
+              <p:cNvSpPr txBox="1">
+                <a:spLocks noRot="1" noChangeAspect="1" noMove="1" noResize="1" noEditPoints="1" noAdjustHandles="1" noChangeArrowheads="1" noChangeShapeType="1" noTextEdit="1"/>
+              </p:cNvSpPr>
+              <p:nvPr/>
+            </p:nvSpPr>
+            <p:spPr>
+              <a:xfrm>
+                <a:off x="3988499" y="4761272"/>
+                <a:ext cx="544654" cy="461665"/>
+              </a:xfrm>
+              <a:prstGeom prst="rect">
+                <a:avLst/>
+              </a:prstGeom>
+              <a:blipFill>
+                <a:blip r:embed="rId3"/>
+                <a:stretch>
+                  <a:fillRect/>
+                </a:stretch>
+              </a:blipFill>
+            </p:spPr>
+            <p:txBody>
+              <a:bodyPr/>
+              <a:lstStyle/>
+              <a:p>
+                <a:r>
+                  <a:rPr lang="zh-TW" altLang="en-US">
+                    <a:noFill/>
+                  </a:rPr>
+                  <a:t> </a:t>
+                </a:r>
+              </a:p>
+            </p:txBody>
+          </p:sp>
+        </mc:Fallback>
+      </mc:AlternateContent>
+      <mc:AlternateContent xmlns:mc="http://schemas.openxmlformats.org/markup-compatibility/2006">
+        <mc:Choice xmlns:a14="http://schemas.microsoft.com/office/drawing/2010/main" Requires="a14">
+          <p:sp>
+            <p:nvSpPr>
+              <p:cNvPr id="49" name="文字方塊 48">
+                <a:extLst>
+                  <a:ext uri="{FF2B5EF4-FFF2-40B4-BE49-F238E27FC236}">
+                    <a16:creationId xmlns:a16="http://schemas.microsoft.com/office/drawing/2014/main" id="{C99685B8-A59F-4A4A-9779-2995E377867B}"/>
+                  </a:ext>
+                </a:extLst>
+              </p:cNvPr>
+              <p:cNvSpPr txBox="1"/>
+              <p:nvPr/>
+            </p:nvSpPr>
+            <p:spPr>
+              <a:xfrm>
+                <a:off x="2165251" y="1752387"/>
+                <a:ext cx="528471" cy="490840"/>
+              </a:xfrm>
+              <a:prstGeom prst="rect">
+                <a:avLst/>
+              </a:prstGeom>
+              <a:noFill/>
+            </p:spPr>
+            <p:txBody>
+              <a:bodyPr wrap="square" rtlCol="0">
+                <a:spAutoFit/>
+              </a:bodyPr>
+              <a:lstStyle/>
+              <a:p>
+                <a14:m>
+                  <m:oMathPara xmlns:m="http://schemas.openxmlformats.org/officeDocument/2006/math">
+                    <m:oMathParaPr>
+                      <m:jc m:val="centerGroup"/>
+                    </m:oMathParaPr>
+                    <m:oMath xmlns:m="http://schemas.openxmlformats.org/officeDocument/2006/math">
+                      <m:sSub>
+                        <m:sSubPr>
+                          <m:ctrlPr>
+                            <a:rPr lang="en-US" altLang="zh-TW" sz="2400" b="0" i="1" smtClean="0">
+                              <a:latin typeface="Cambria Math" panose="02040503050406030204" pitchFamily="18" charset="0"/>
+                            </a:rPr>
+                          </m:ctrlPr>
+                        </m:sSubPr>
+                        <m:e>
+                          <m:r>
+                            <a:rPr lang="en-US" altLang="zh-TW" sz="2400" b="0" i="1" smtClean="0">
+                              <a:latin typeface="Cambria Math" panose="02040503050406030204" pitchFamily="18" charset="0"/>
+                            </a:rPr>
+                            <m:t>𝑣</m:t>
+                          </m:r>
+                        </m:e>
+                        <m:sub>
+                          <m:r>
+                            <a:rPr lang="en-US" altLang="zh-TW" sz="2400" b="0" i="1" smtClean="0">
+                              <a:latin typeface="Cambria Math" panose="02040503050406030204" pitchFamily="18" charset="0"/>
+                            </a:rPr>
+                            <m:t>𝑦</m:t>
+                          </m:r>
+                        </m:sub>
+                      </m:sSub>
+                    </m:oMath>
+                  </m:oMathPara>
+                </a14:m>
+                <a:endParaRPr lang="zh-TW" altLang="en-US" sz="2400" dirty="0"/>
+              </a:p>
+            </p:txBody>
+          </p:sp>
+        </mc:Choice>
+        <mc:Fallback>
+          <p:sp>
+            <p:nvSpPr>
+              <p:cNvPr id="49" name="文字方塊 48">
+                <a:extLst>
+                  <a:ext uri="{FF2B5EF4-FFF2-40B4-BE49-F238E27FC236}">
+                    <a16:creationId xmlns:a16="http://schemas.microsoft.com/office/drawing/2014/main" id="{C99685B8-A59F-4A4A-9779-2995E377867B}"/>
+                  </a:ext>
+                </a:extLst>
+              </p:cNvPr>
+              <p:cNvSpPr txBox="1">
+                <a:spLocks noRot="1" noChangeAspect="1" noMove="1" noResize="1" noEditPoints="1" noAdjustHandles="1" noChangeArrowheads="1" noChangeShapeType="1" noTextEdit="1"/>
+              </p:cNvSpPr>
+              <p:nvPr/>
+            </p:nvSpPr>
+            <p:spPr>
+              <a:xfrm>
+                <a:off x="2165251" y="1752387"/>
+                <a:ext cx="528471" cy="490840"/>
+              </a:xfrm>
+              <a:prstGeom prst="rect">
+                <a:avLst/>
+              </a:prstGeom>
+              <a:blipFill>
+                <a:blip r:embed="rId4"/>
+                <a:stretch>
+                  <a:fillRect b="-6173"/>
+                </a:stretch>
+              </a:blipFill>
+            </p:spPr>
+            <p:txBody>
+              <a:bodyPr/>
+              <a:lstStyle/>
+              <a:p>
+                <a:r>
+                  <a:rPr lang="zh-TW" altLang="en-US">
+                    <a:noFill/>
+                  </a:rPr>
+                  <a:t> </a:t>
+                </a:r>
+              </a:p>
+            </p:txBody>
+          </p:sp>
+        </mc:Fallback>
+      </mc:AlternateContent>
+      <mc:AlternateContent xmlns:mc="http://schemas.openxmlformats.org/markup-compatibility/2006">
+        <mc:Choice xmlns:a14="http://schemas.microsoft.com/office/drawing/2010/main" Requires="a14">
+          <p:sp>
+            <p:nvSpPr>
+              <p:cNvPr id="96" name="文字方塊 95">
+                <a:extLst>
+                  <a:ext uri="{FF2B5EF4-FFF2-40B4-BE49-F238E27FC236}">
+                    <a16:creationId xmlns:a16="http://schemas.microsoft.com/office/drawing/2014/main" id="{7883740E-2161-4829-A373-97A1484395E1}"/>
+                  </a:ext>
+                </a:extLst>
+              </p:cNvPr>
+              <p:cNvSpPr txBox="1"/>
+              <p:nvPr/>
+            </p:nvSpPr>
+            <p:spPr>
+              <a:xfrm>
+                <a:off x="10264031" y="4760296"/>
+                <a:ext cx="544654" cy="461665"/>
+              </a:xfrm>
+              <a:prstGeom prst="rect">
+                <a:avLst/>
+              </a:prstGeom>
+              <a:noFill/>
+            </p:spPr>
+            <p:txBody>
+              <a:bodyPr wrap="square" rtlCol="0">
+                <a:spAutoFit/>
+              </a:bodyPr>
+              <a:lstStyle/>
+              <a:p>
+                <a14:m>
+                  <m:oMathPara xmlns:m="http://schemas.openxmlformats.org/officeDocument/2006/math">
+                    <m:oMathParaPr>
+                      <m:jc m:val="centerGroup"/>
+                    </m:oMathParaPr>
+                    <m:oMath xmlns:m="http://schemas.openxmlformats.org/officeDocument/2006/math">
+                      <m:sSub>
+                        <m:sSubPr>
+                          <m:ctrlPr>
+                            <a:rPr lang="en-US" altLang="zh-TW" sz="2400" b="0" i="1" smtClean="0">
+                              <a:latin typeface="Cambria Math" panose="02040503050406030204" pitchFamily="18" charset="0"/>
+                            </a:rPr>
+                          </m:ctrlPr>
+                        </m:sSubPr>
+                        <m:e>
+                          <m:r>
+                            <a:rPr lang="en-US" altLang="zh-TW" sz="2400" b="0" i="1" smtClean="0">
+                              <a:latin typeface="Cambria Math" panose="02040503050406030204" pitchFamily="18" charset="0"/>
+                            </a:rPr>
+                            <m:t>𝑣</m:t>
+                          </m:r>
+                        </m:e>
+                        <m:sub>
+                          <m:r>
+                            <a:rPr lang="en-US" altLang="zh-TW" sz="2400" b="0" i="1" smtClean="0">
+                              <a:latin typeface="Cambria Math" panose="02040503050406030204" pitchFamily="18" charset="0"/>
+                            </a:rPr>
+                            <m:t>𝑥</m:t>
+                          </m:r>
+                        </m:sub>
+                      </m:sSub>
+                    </m:oMath>
+                  </m:oMathPara>
+                </a14:m>
+                <a:endParaRPr lang="zh-TW" altLang="en-US" sz="2400" dirty="0"/>
+              </a:p>
+            </p:txBody>
+          </p:sp>
+        </mc:Choice>
+        <mc:Fallback>
+          <p:sp>
+            <p:nvSpPr>
+              <p:cNvPr id="96" name="文字方塊 95">
+                <a:extLst>
+                  <a:ext uri="{FF2B5EF4-FFF2-40B4-BE49-F238E27FC236}">
+                    <a16:creationId xmlns:a16="http://schemas.microsoft.com/office/drawing/2014/main" id="{7883740E-2161-4829-A373-97A1484395E1}"/>
+                  </a:ext>
+                </a:extLst>
+              </p:cNvPr>
+              <p:cNvSpPr txBox="1">
+                <a:spLocks noRot="1" noChangeAspect="1" noMove="1" noResize="1" noEditPoints="1" noAdjustHandles="1" noChangeArrowheads="1" noChangeShapeType="1" noTextEdit="1"/>
+              </p:cNvSpPr>
+              <p:nvPr/>
+            </p:nvSpPr>
+            <p:spPr>
+              <a:xfrm>
+                <a:off x="10264031" y="4760296"/>
+                <a:ext cx="544654" cy="461665"/>
+              </a:xfrm>
+              <a:prstGeom prst="rect">
+                <a:avLst/>
+              </a:prstGeom>
+              <a:blipFill>
+                <a:blip r:embed="rId5"/>
+                <a:stretch>
+                  <a:fillRect/>
+                </a:stretch>
+              </a:blipFill>
+            </p:spPr>
+            <p:txBody>
+              <a:bodyPr/>
+              <a:lstStyle/>
+              <a:p>
+                <a:r>
+                  <a:rPr lang="zh-TW" altLang="en-US">
+                    <a:noFill/>
+                  </a:rPr>
+                  <a:t> </a:t>
+                </a:r>
+              </a:p>
+            </p:txBody>
+          </p:sp>
+        </mc:Fallback>
+      </mc:AlternateContent>
+      <mc:AlternateContent xmlns:mc="http://schemas.openxmlformats.org/markup-compatibility/2006">
+        <mc:Choice xmlns:a14="http://schemas.microsoft.com/office/drawing/2010/main" Requires="a14">
+          <p:sp>
+            <p:nvSpPr>
+              <p:cNvPr id="97" name="文字方塊 96">
+                <a:extLst>
+                  <a:ext uri="{FF2B5EF4-FFF2-40B4-BE49-F238E27FC236}">
+                    <a16:creationId xmlns:a16="http://schemas.microsoft.com/office/drawing/2014/main" id="{17C298B7-336F-45D5-B69B-10E9C3006FC3}"/>
+                  </a:ext>
+                </a:extLst>
+              </p:cNvPr>
+              <p:cNvSpPr txBox="1"/>
+              <p:nvPr/>
+            </p:nvSpPr>
+            <p:spPr>
+              <a:xfrm>
+                <a:off x="8423381" y="1752387"/>
+                <a:ext cx="528471" cy="490840"/>
+              </a:xfrm>
+              <a:prstGeom prst="rect">
+                <a:avLst/>
+              </a:prstGeom>
+              <a:noFill/>
+            </p:spPr>
+            <p:txBody>
+              <a:bodyPr wrap="square" rtlCol="0">
+                <a:spAutoFit/>
+              </a:bodyPr>
+              <a:lstStyle/>
+              <a:p>
+                <a14:m>
+                  <m:oMathPara xmlns:m="http://schemas.openxmlformats.org/officeDocument/2006/math">
+                    <m:oMathParaPr>
+                      <m:jc m:val="centerGroup"/>
+                    </m:oMathParaPr>
+                    <m:oMath xmlns:m="http://schemas.openxmlformats.org/officeDocument/2006/math">
+                      <m:sSub>
+                        <m:sSubPr>
+                          <m:ctrlPr>
+                            <a:rPr lang="en-US" altLang="zh-TW" sz="2400" b="0" i="1" smtClean="0">
+                              <a:latin typeface="Cambria Math" panose="02040503050406030204" pitchFamily="18" charset="0"/>
+                            </a:rPr>
+                          </m:ctrlPr>
+                        </m:sSubPr>
+                        <m:e>
+                          <m:r>
+                            <a:rPr lang="en-US" altLang="zh-TW" sz="2400" b="0" i="1" smtClean="0">
+                              <a:latin typeface="Cambria Math" panose="02040503050406030204" pitchFamily="18" charset="0"/>
+                            </a:rPr>
+                            <m:t>𝑣</m:t>
+                          </m:r>
+                        </m:e>
+                        <m:sub>
+                          <m:r>
+                            <a:rPr lang="en-US" altLang="zh-TW" sz="2400" b="0" i="1" smtClean="0">
+                              <a:latin typeface="Cambria Math" panose="02040503050406030204" pitchFamily="18" charset="0"/>
+                            </a:rPr>
+                            <m:t>𝑦</m:t>
+                          </m:r>
+                        </m:sub>
+                      </m:sSub>
+                    </m:oMath>
+                  </m:oMathPara>
+                </a14:m>
+                <a:endParaRPr lang="zh-TW" altLang="en-US" sz="2400" dirty="0"/>
+              </a:p>
+            </p:txBody>
+          </p:sp>
+        </mc:Choice>
+        <mc:Fallback>
+          <p:sp>
+            <p:nvSpPr>
+              <p:cNvPr id="97" name="文字方塊 96">
+                <a:extLst>
+                  <a:ext uri="{FF2B5EF4-FFF2-40B4-BE49-F238E27FC236}">
+                    <a16:creationId xmlns:a16="http://schemas.microsoft.com/office/drawing/2014/main" id="{17C298B7-336F-45D5-B69B-10E9C3006FC3}"/>
+                  </a:ext>
+                </a:extLst>
+              </p:cNvPr>
+              <p:cNvSpPr txBox="1">
+                <a:spLocks noRot="1" noChangeAspect="1" noMove="1" noResize="1" noEditPoints="1" noAdjustHandles="1" noChangeArrowheads="1" noChangeShapeType="1" noTextEdit="1"/>
+              </p:cNvSpPr>
+              <p:nvPr/>
+            </p:nvSpPr>
+            <p:spPr>
+              <a:xfrm>
+                <a:off x="8423381" y="1752387"/>
+                <a:ext cx="528471" cy="490840"/>
+              </a:xfrm>
+              <a:prstGeom prst="rect">
+                <a:avLst/>
+              </a:prstGeom>
+              <a:blipFill>
+                <a:blip r:embed="rId6"/>
+                <a:stretch>
+                  <a:fillRect b="-6173"/>
+                </a:stretch>
+              </a:blipFill>
+            </p:spPr>
+            <p:txBody>
+              <a:bodyPr/>
+              <a:lstStyle/>
+              <a:p>
+                <a:r>
+                  <a:rPr lang="zh-TW" altLang="en-US">
+                    <a:noFill/>
+                  </a:rPr>
+                  <a:t> </a:t>
+                </a:r>
+              </a:p>
+            </p:txBody>
+          </p:sp>
+        </mc:Fallback>
+      </mc:AlternateContent>
+      <p:sp>
+        <p:nvSpPr>
+          <p:cNvPr id="58" name="橢圓 57">
+            <a:extLst>
+              <a:ext uri="{FF2B5EF4-FFF2-40B4-BE49-F238E27FC236}">
+                <a16:creationId xmlns:a16="http://schemas.microsoft.com/office/drawing/2014/main" id="{7E2A6581-5D97-43AE-8A49-5DBE4AC0E1AB}"/>
+              </a:ext>
+            </a:extLst>
+          </p:cNvPr>
+          <p:cNvSpPr/>
+          <p:nvPr/>
+        </p:nvSpPr>
+        <p:spPr>
+          <a:xfrm>
+            <a:off x="2135088" y="4706894"/>
+            <a:ext cx="1044000" cy="1044000"/>
+          </a:xfrm>
+          <a:prstGeom prst="ellipse">
+            <a:avLst/>
+          </a:prstGeom>
+          <a:solidFill>
+            <a:srgbClr val="C5E0B4">
+              <a:alpha val="50196"/>
+            </a:srgbClr>
+          </a:solidFill>
+          <a:ln w="57150">
+            <a:solidFill>
+              <a:srgbClr val="002060"/>
+            </a:solidFill>
+            <a:prstDash val="sysDash"/>
+          </a:ln>
+        </p:spPr>
+        <p:style>
+          <a:lnRef idx="2">
+            <a:schemeClr val="accent1">
+              <a:shade val="50000"/>
+            </a:schemeClr>
+          </a:lnRef>
+          <a:fillRef idx="1">
+            <a:schemeClr val="accent1"/>
+          </a:fillRef>
+          <a:effectRef idx="0">
+            <a:schemeClr val="accent1"/>
+          </a:effectRef>
+          <a:fontRef idx="minor">
+            <a:schemeClr val="lt1"/>
+          </a:fontRef>
+        </p:style>
+        <p:txBody>
+          <a:bodyPr rtlCol="0" anchor="ctr"/>
+          <a:lstStyle/>
+          <a:p>
+            <a:pPr algn="ctr"/>
+            <a:endParaRPr lang="zh-TW" altLang="en-US"/>
+          </a:p>
+        </p:txBody>
+      </p:sp>
+      <p:sp>
+        <p:nvSpPr>
+          <p:cNvPr id="102" name="橢圓 101">
+            <a:extLst>
+              <a:ext uri="{FF2B5EF4-FFF2-40B4-BE49-F238E27FC236}">
+                <a16:creationId xmlns:a16="http://schemas.microsoft.com/office/drawing/2014/main" id="{8980993E-5422-4688-BA02-BF003AD1F6ED}"/>
+              </a:ext>
+            </a:extLst>
+          </p:cNvPr>
+          <p:cNvSpPr/>
+          <p:nvPr/>
+        </p:nvSpPr>
+        <p:spPr>
+          <a:xfrm>
+            <a:off x="8410620" y="4706894"/>
+            <a:ext cx="1044000" cy="1044000"/>
+          </a:xfrm>
+          <a:prstGeom prst="ellipse">
+            <a:avLst/>
+          </a:prstGeom>
+          <a:solidFill>
+            <a:srgbClr val="C5E0B4">
+              <a:alpha val="50196"/>
+            </a:srgbClr>
+          </a:solidFill>
+          <a:ln w="57150">
+            <a:solidFill>
+              <a:srgbClr val="002060"/>
+            </a:solidFill>
+            <a:prstDash val="sysDash"/>
+          </a:ln>
+        </p:spPr>
+        <p:style>
+          <a:lnRef idx="2">
+            <a:schemeClr val="accent1">
+              <a:shade val="50000"/>
+            </a:schemeClr>
+          </a:lnRef>
+          <a:fillRef idx="1">
+            <a:schemeClr val="accent1"/>
+          </a:fillRef>
+          <a:effectRef idx="0">
+            <a:schemeClr val="accent1"/>
+          </a:effectRef>
+          <a:fontRef idx="minor">
+            <a:schemeClr val="lt1"/>
+          </a:fontRef>
+        </p:style>
+        <p:txBody>
+          <a:bodyPr rtlCol="0" anchor="ctr"/>
+          <a:lstStyle/>
+          <a:p>
+            <a:pPr algn="ctr"/>
+            <a:endParaRPr lang="zh-TW" altLang="en-US"/>
+          </a:p>
+        </p:txBody>
+      </p:sp>
+      <p:sp>
+        <p:nvSpPr>
+          <p:cNvPr id="62" name="文字方塊 61">
+            <a:extLst>
+              <a:ext uri="{FF2B5EF4-FFF2-40B4-BE49-F238E27FC236}">
+                <a16:creationId xmlns:a16="http://schemas.microsoft.com/office/drawing/2014/main" id="{2715D466-372A-43FF-B798-E3B622E2931B}"/>
+              </a:ext>
+            </a:extLst>
+          </p:cNvPr>
+          <p:cNvSpPr txBox="1"/>
+          <p:nvPr/>
+        </p:nvSpPr>
+        <p:spPr>
+          <a:xfrm>
+            <a:off x="427892" y="4380414"/>
+            <a:ext cx="2009861" cy="646331"/>
+          </a:xfrm>
+          <a:prstGeom prst="rect">
+            <a:avLst/>
+          </a:prstGeom>
+          <a:noFill/>
+        </p:spPr>
+        <p:txBody>
+          <a:bodyPr wrap="square" rtlCol="0">
+            <a:spAutoFit/>
+          </a:bodyPr>
+          <a:lstStyle/>
+          <a:p>
+            <a:r>
+              <a:rPr lang="en-US" altLang="zh-TW" b="1" dirty="0">
+                <a:solidFill>
+                  <a:srgbClr val="FF0000"/>
+                </a:solidFill>
+              </a:rPr>
+              <a:t>feasible velocity region</a:t>
+            </a:r>
+            <a:endParaRPr lang="zh-TW" altLang="en-US" b="1" dirty="0">
+              <a:solidFill>
+                <a:srgbClr val="FF0000"/>
+              </a:solidFill>
+            </a:endParaRPr>
+          </a:p>
+        </p:txBody>
+      </p:sp>
+      <p:sp>
+        <p:nvSpPr>
+          <p:cNvPr id="109" name="箭號: 向右 108">
+            <a:extLst>
+              <a:ext uri="{FF2B5EF4-FFF2-40B4-BE49-F238E27FC236}">
+                <a16:creationId xmlns:a16="http://schemas.microsoft.com/office/drawing/2014/main" id="{CED1280F-6294-479C-BD76-2600B0ACBBF2}"/>
+              </a:ext>
+            </a:extLst>
+          </p:cNvPr>
+          <p:cNvSpPr/>
+          <p:nvPr/>
+        </p:nvSpPr>
+        <p:spPr>
+          <a:xfrm>
+            <a:off x="5394868" y="4626419"/>
+            <a:ext cx="1010653" cy="756062"/>
+          </a:xfrm>
+          <a:prstGeom prst="rightArrow">
+            <a:avLst/>
+          </a:prstGeom>
+          <a:solidFill>
+            <a:schemeClr val="accent6">
+              <a:lumMod val="40000"/>
+              <a:lumOff val="60000"/>
+            </a:schemeClr>
+          </a:solidFill>
+          <a:ln>
+            <a:solidFill>
+              <a:schemeClr val="accent6">
+                <a:lumMod val="50000"/>
+              </a:schemeClr>
+            </a:solidFill>
+          </a:ln>
+        </p:spPr>
+        <p:style>
+          <a:lnRef idx="2">
+            <a:schemeClr val="accent1">
+              <a:shade val="50000"/>
+            </a:schemeClr>
+          </a:lnRef>
+          <a:fillRef idx="1">
+            <a:schemeClr val="accent1"/>
+          </a:fillRef>
+          <a:effectRef idx="0">
+            <a:schemeClr val="accent1"/>
+          </a:effectRef>
+          <a:fontRef idx="minor">
+            <a:schemeClr val="lt1"/>
+          </a:fontRef>
+        </p:style>
+        <p:txBody>
+          <a:bodyPr rtlCol="0" anchor="ctr"/>
+          <a:lstStyle/>
+          <a:p>
+            <a:pPr algn="ctr"/>
+            <a:endParaRPr lang="zh-TW" altLang="en-US"/>
+          </a:p>
+        </p:txBody>
+      </p:sp>
+      <p:sp>
+        <p:nvSpPr>
+          <p:cNvPr id="2" name="標題 1">
+            <a:extLst>
+              <a:ext uri="{FF2B5EF4-FFF2-40B4-BE49-F238E27FC236}">
+                <a16:creationId xmlns:a16="http://schemas.microsoft.com/office/drawing/2014/main" id="{A952E27C-AD20-4170-9CFA-A09A3A6ED724}"/>
+              </a:ext>
+            </a:extLst>
+          </p:cNvPr>
+          <p:cNvSpPr>
+            <a:spLocks noGrp="1"/>
+          </p:cNvSpPr>
+          <p:nvPr>
+            <p:ph type="title"/>
+          </p:nvPr>
+        </p:nvSpPr>
+        <p:spPr/>
+        <p:txBody>
+          <a:bodyPr/>
+          <a:lstStyle/>
+          <a:p>
+            <a:r>
+              <a:rPr lang="en-US" altLang="zh-TW" dirty="0"/>
+              <a:t>Velocity Obstacle (VO)-2</a:t>
+            </a:r>
+            <a:endParaRPr lang="zh-TW" altLang="en-US" dirty="0"/>
+          </a:p>
+        </p:txBody>
+      </p:sp>
+      <mc:AlternateContent xmlns:mc="http://schemas.openxmlformats.org/markup-compatibility/2006">
+        <mc:Choice xmlns:a14="http://schemas.microsoft.com/office/drawing/2010/main" Requires="a14">
+          <p:sp>
+            <p:nvSpPr>
+              <p:cNvPr id="111" name="文字方塊 110">
+                <a:extLst>
+                  <a:ext uri="{FF2B5EF4-FFF2-40B4-BE49-F238E27FC236}">
+                    <a16:creationId xmlns:a16="http://schemas.microsoft.com/office/drawing/2014/main" id="{8F803E1E-D665-464B-9BF1-29D229A75317}"/>
+                  </a:ext>
+                </a:extLst>
+              </p:cNvPr>
+              <p:cNvSpPr txBox="1"/>
+              <p:nvPr/>
+            </p:nvSpPr>
+            <p:spPr>
+              <a:xfrm>
+                <a:off x="8891587" y="2848298"/>
+                <a:ext cx="1126066" cy="461665"/>
+              </a:xfrm>
+              <a:prstGeom prst="rect">
+                <a:avLst/>
+              </a:prstGeom>
+              <a:noFill/>
+            </p:spPr>
+            <p:txBody>
+              <a:bodyPr wrap="square" rtlCol="0">
+                <a:spAutoFit/>
+              </a:bodyPr>
+              <a:lstStyle/>
+              <a:p>
+                <a14:m>
+                  <m:oMathPara xmlns:m="http://schemas.openxmlformats.org/officeDocument/2006/math">
+                    <m:oMathParaPr>
+                      <m:jc m:val="centerGroup"/>
+                    </m:oMathParaPr>
+                    <m:oMath xmlns:m="http://schemas.openxmlformats.org/officeDocument/2006/math">
+                      <m:r>
+                        <a:rPr lang="en-US" altLang="zh-TW" sz="2400" b="0" i="1" smtClean="0">
+                          <a:latin typeface="Cambria Math" panose="02040503050406030204" pitchFamily="18" charset="0"/>
+                        </a:rPr>
+                        <m:t>𝑉</m:t>
+                      </m:r>
+                      <m:sSubSup>
+                        <m:sSubSupPr>
+                          <m:ctrlPr>
+                            <a:rPr lang="en-US" altLang="zh-TW" sz="2400" b="0" i="1" smtClean="0">
+                              <a:latin typeface="Cambria Math" panose="02040503050406030204" pitchFamily="18" charset="0"/>
+                            </a:rPr>
+                          </m:ctrlPr>
+                        </m:sSubSupPr>
+                        <m:e>
+                          <m:r>
+                            <a:rPr lang="en-US" altLang="zh-TW" sz="2400" b="0" i="1" smtClean="0">
+                              <a:latin typeface="Cambria Math" panose="02040503050406030204" pitchFamily="18" charset="0"/>
+                            </a:rPr>
+                            <m:t>𝑂</m:t>
+                          </m:r>
+                        </m:e>
+                        <m:sub>
+                          <m:r>
+                            <a:rPr lang="en-US" altLang="zh-TW" sz="2400" b="0" i="1" smtClean="0">
+                              <a:latin typeface="Cambria Math" panose="02040503050406030204" pitchFamily="18" charset="0"/>
+                            </a:rPr>
+                            <m:t>𝐴𝐵</m:t>
+                          </m:r>
+                        </m:sub>
+                        <m:sup>
+                          <m:r>
+                            <a:rPr lang="zh-TW" altLang="en-US" sz="2400" b="0" i="1" smtClean="0">
+                              <a:latin typeface="Cambria Math" panose="02040503050406030204" pitchFamily="18" charset="0"/>
+                            </a:rPr>
+                            <m:t>𝜏</m:t>
+                          </m:r>
+                        </m:sup>
+                      </m:sSubSup>
+                    </m:oMath>
+                  </m:oMathPara>
+                </a14:m>
+                <a:endParaRPr lang="zh-TW" altLang="en-US" sz="2400" dirty="0"/>
+              </a:p>
+            </p:txBody>
+          </p:sp>
+        </mc:Choice>
+        <mc:Fallback>
+          <p:sp>
+            <p:nvSpPr>
+              <p:cNvPr id="111" name="文字方塊 110">
+                <a:extLst>
+                  <a:ext uri="{FF2B5EF4-FFF2-40B4-BE49-F238E27FC236}">
+                    <a16:creationId xmlns:a16="http://schemas.microsoft.com/office/drawing/2014/main" id="{8F803E1E-D665-464B-9BF1-29D229A75317}"/>
+                  </a:ext>
+                </a:extLst>
+              </p:cNvPr>
+              <p:cNvSpPr txBox="1">
+                <a:spLocks noRot="1" noChangeAspect="1" noMove="1" noResize="1" noEditPoints="1" noAdjustHandles="1" noChangeArrowheads="1" noChangeShapeType="1" noTextEdit="1"/>
+              </p:cNvSpPr>
+              <p:nvPr/>
+            </p:nvSpPr>
+            <p:spPr>
+              <a:xfrm>
+                <a:off x="8891587" y="2848298"/>
+                <a:ext cx="1126066" cy="461665"/>
+              </a:xfrm>
+              <a:prstGeom prst="rect">
+                <a:avLst/>
+              </a:prstGeom>
+              <a:blipFill>
+                <a:blip r:embed="rId7"/>
+                <a:stretch>
+                  <a:fillRect b="-5263"/>
+                </a:stretch>
+              </a:blipFill>
+            </p:spPr>
+            <p:txBody>
+              <a:bodyPr/>
+              <a:lstStyle/>
+              <a:p>
+                <a:r>
+                  <a:rPr lang="zh-TW" altLang="en-US">
+                    <a:noFill/>
+                  </a:rPr>
+                  <a:t> </a:t>
+                </a:r>
+              </a:p>
+            </p:txBody>
+          </p:sp>
+        </mc:Fallback>
+      </mc:AlternateContent>
+      <p:sp>
+        <p:nvSpPr>
+          <p:cNvPr id="74" name="文字方塊 73">
+            <a:extLst>
+              <a:ext uri="{FF2B5EF4-FFF2-40B4-BE49-F238E27FC236}">
+                <a16:creationId xmlns:a16="http://schemas.microsoft.com/office/drawing/2014/main" id="{8EA8EDBA-5643-4144-9550-B542768F7ECF}"/>
+              </a:ext>
+            </a:extLst>
+          </p:cNvPr>
+          <p:cNvSpPr txBox="1"/>
+          <p:nvPr/>
+        </p:nvSpPr>
+        <p:spPr>
+          <a:xfrm>
+            <a:off x="4728738" y="4081883"/>
+            <a:ext cx="2305583" cy="646331"/>
+          </a:xfrm>
+          <a:prstGeom prst="rect">
+            <a:avLst/>
+          </a:prstGeom>
+          <a:noFill/>
+        </p:spPr>
+        <p:txBody>
+          <a:bodyPr wrap="square" rtlCol="0">
+            <a:spAutoFit/>
+          </a:bodyPr>
+          <a:lstStyle/>
+          <a:p>
+            <a:r>
+              <a:rPr lang="en-US" altLang="zh-TW" dirty="0"/>
+              <a:t>Cut off the relatively safe region</a:t>
+            </a:r>
+            <a:endParaRPr lang="zh-TW" altLang="en-US" dirty="0"/>
+          </a:p>
+        </p:txBody>
+      </p:sp>
+      <p:grpSp>
+        <p:nvGrpSpPr>
+          <p:cNvPr id="83" name="群組 82">
+            <a:extLst>
+              <a:ext uri="{FF2B5EF4-FFF2-40B4-BE49-F238E27FC236}">
+                <a16:creationId xmlns:a16="http://schemas.microsoft.com/office/drawing/2014/main" id="{DB9AE243-A394-440C-BB5C-CDDFD8DB563C}"/>
+              </a:ext>
+            </a:extLst>
+          </p:cNvPr>
+          <p:cNvGrpSpPr/>
+          <p:nvPr/>
+        </p:nvGrpSpPr>
+        <p:grpSpPr>
+          <a:xfrm>
+            <a:off x="4074767" y="2156208"/>
+            <a:ext cx="3647035" cy="1878928"/>
+            <a:chOff x="4260826" y="1912058"/>
+            <a:chExt cx="3647035" cy="1878928"/>
+          </a:xfrm>
+        </p:grpSpPr>
+        <p:sp>
+          <p:nvSpPr>
+            <p:cNvPr id="82" name="矩形 81">
+              <a:extLst>
+                <a:ext uri="{FF2B5EF4-FFF2-40B4-BE49-F238E27FC236}">
+                  <a16:creationId xmlns:a16="http://schemas.microsoft.com/office/drawing/2014/main" id="{6FBF5925-5291-4417-BA20-F4609440DEE0}"/>
+                </a:ext>
+              </a:extLst>
+            </p:cNvPr>
+            <p:cNvSpPr/>
+            <p:nvPr/>
+          </p:nvSpPr>
+          <p:spPr>
+            <a:xfrm>
+              <a:off x="4260826" y="1912058"/>
+              <a:ext cx="3619862" cy="1878928"/>
+            </a:xfrm>
+            <a:prstGeom prst="rect">
+              <a:avLst/>
+            </a:prstGeom>
+            <a:solidFill>
+              <a:schemeClr val="bg1"/>
+            </a:solidFill>
+            <a:ln>
+              <a:noFill/>
+            </a:ln>
+          </p:spPr>
+          <p:style>
+            <a:lnRef idx="2">
+              <a:schemeClr val="accent1">
+                <a:shade val="50000"/>
+              </a:schemeClr>
+            </a:lnRef>
+            <a:fillRef idx="1">
+              <a:schemeClr val="accent1"/>
+            </a:fillRef>
+            <a:effectRef idx="0">
+              <a:schemeClr val="accent1"/>
+            </a:effectRef>
+            <a:fontRef idx="minor">
+              <a:schemeClr val="lt1"/>
+            </a:fontRef>
+          </p:style>
+          <p:txBody>
+            <a:bodyPr rtlCol="0" anchor="ctr"/>
+            <a:lstStyle/>
+            <a:p>
+              <a:pPr algn="ctr"/>
+              <a:endParaRPr lang="zh-TW" altLang="en-US"/>
+            </a:p>
+          </p:txBody>
+        </p:sp>
+        <mc:AlternateContent xmlns:mc="http://schemas.openxmlformats.org/markup-compatibility/2006">
+          <mc:Choice xmlns:a14="http://schemas.microsoft.com/office/drawing/2010/main" Requires="a14">
+            <p:sp>
+              <p:nvSpPr>
+                <p:cNvPr id="75" name="文字方塊 74">
+                  <a:extLst>
+                    <a:ext uri="{FF2B5EF4-FFF2-40B4-BE49-F238E27FC236}">
+                      <a16:creationId xmlns:a16="http://schemas.microsoft.com/office/drawing/2014/main" id="{204D022F-1C40-479C-96F2-9A6104487D75}"/>
+                    </a:ext>
+                  </a:extLst>
+                </p:cNvPr>
+                <p:cNvSpPr txBox="1"/>
+                <p:nvPr/>
+              </p:nvSpPr>
+              <p:spPr>
+                <a:xfrm>
+                  <a:off x="4265269" y="1912058"/>
+                  <a:ext cx="3425078" cy="830997"/>
+                </a:xfrm>
+                <a:prstGeom prst="rect">
+                  <a:avLst/>
+                </a:prstGeom>
+                <a:noFill/>
+              </p:spPr>
+              <p:txBody>
+                <a:bodyPr wrap="square" rtlCol="0">
+                  <a:spAutoFit/>
+                </a:bodyPr>
+                <a:lstStyle/>
+                <a:p>
+                  <a:pPr marL="342900" indent="-342900">
+                    <a:buFont typeface="Arial" panose="020B0604020202020204" pitchFamily="34" charset="0"/>
+                    <a:buChar char="•"/>
+                  </a:pPr>
+                  <a:r>
+                    <a:rPr lang="en-US" altLang="zh-TW" sz="2400" dirty="0"/>
+                    <a:t>Collide in </a:t>
+                  </a:r>
+                  <a14:m>
+                    <m:oMath xmlns:m="http://schemas.openxmlformats.org/officeDocument/2006/math">
+                      <m:r>
+                        <a:rPr lang="zh-TW" altLang="en-US" sz="2400" i="1" smtClean="0">
+                          <a:latin typeface="Cambria Math" panose="02040503050406030204" pitchFamily="18" charset="0"/>
+                        </a:rPr>
+                        <m:t>𝜏</m:t>
+                      </m:r>
+                    </m:oMath>
+                  </a14:m>
+                  <a:r>
+                    <a:rPr lang="zh-TW" altLang="en-US" sz="2400" dirty="0"/>
+                    <a:t> </a:t>
+                  </a:r>
+                  <a:r>
+                    <a:rPr lang="en-US" altLang="zh-TW" sz="2400" dirty="0"/>
+                    <a:t>seconds → </a:t>
+                  </a:r>
+                  <a:r>
+                    <a:rPr lang="en-US" altLang="zh-TW" sz="2400" b="1" dirty="0">
+                      <a:solidFill>
+                        <a:srgbClr val="FF0000"/>
+                      </a:solidFill>
+                    </a:rPr>
+                    <a:t>danger</a:t>
+                  </a:r>
+                  <a:endParaRPr lang="zh-TW" altLang="en-US" sz="2400" b="1" dirty="0">
+                    <a:solidFill>
+                      <a:srgbClr val="FF0000"/>
+                    </a:solidFill>
+                  </a:endParaRPr>
+                </a:p>
+              </p:txBody>
+            </p:sp>
+          </mc:Choice>
+          <mc:Fallback>
+            <p:sp>
+              <p:nvSpPr>
+                <p:cNvPr id="75" name="文字方塊 74">
+                  <a:extLst>
+                    <a:ext uri="{FF2B5EF4-FFF2-40B4-BE49-F238E27FC236}">
+                      <a16:creationId xmlns:a16="http://schemas.microsoft.com/office/drawing/2014/main" id="{204D022F-1C40-479C-96F2-9A6104487D75}"/>
+                    </a:ext>
+                  </a:extLst>
+                </p:cNvPr>
+                <p:cNvSpPr txBox="1">
+                  <a:spLocks noRot="1" noChangeAspect="1" noMove="1" noResize="1" noEditPoints="1" noAdjustHandles="1" noChangeArrowheads="1" noChangeShapeType="1" noTextEdit="1"/>
+                </p:cNvSpPr>
+                <p:nvPr/>
+              </p:nvSpPr>
+              <p:spPr>
+                <a:xfrm>
+                  <a:off x="4265269" y="1912058"/>
+                  <a:ext cx="3425078" cy="830997"/>
+                </a:xfrm>
+                <a:prstGeom prst="rect">
+                  <a:avLst/>
+                </a:prstGeom>
+                <a:blipFill>
+                  <a:blip r:embed="rId8"/>
+                  <a:stretch>
+                    <a:fillRect l="-2313" t="-5147" b="-16912"/>
+                  </a:stretch>
+                </a:blipFill>
+              </p:spPr>
+              <p:txBody>
+                <a:bodyPr/>
+                <a:lstStyle/>
+                <a:p>
+                  <a:r>
+                    <a:rPr lang="zh-TW" altLang="en-US">
+                      <a:noFill/>
+                    </a:rPr>
+                    <a:t> </a:t>
+                  </a:r>
+                </a:p>
+              </p:txBody>
+            </p:sp>
+          </mc:Fallback>
+        </mc:AlternateContent>
+        <mc:AlternateContent xmlns:mc="http://schemas.openxmlformats.org/markup-compatibility/2006">
+          <mc:Choice xmlns:a14="http://schemas.microsoft.com/office/drawing/2010/main" Requires="a14">
+            <p:sp>
+              <p:nvSpPr>
+                <p:cNvPr id="114" name="文字方塊 113">
+                  <a:extLst>
+                    <a:ext uri="{FF2B5EF4-FFF2-40B4-BE49-F238E27FC236}">
+                      <a16:creationId xmlns:a16="http://schemas.microsoft.com/office/drawing/2014/main" id="{B25C80A6-55B2-495C-9C56-F1D70B363E35}"/>
+                    </a:ext>
+                  </a:extLst>
+                </p:cNvPr>
+                <p:cNvSpPr txBox="1"/>
+                <p:nvPr/>
+              </p:nvSpPr>
+              <p:spPr>
+                <a:xfrm>
+                  <a:off x="4267834" y="2743055"/>
+                  <a:ext cx="3640027" cy="830997"/>
+                </a:xfrm>
+                <a:prstGeom prst="rect">
+                  <a:avLst/>
+                </a:prstGeom>
+                <a:noFill/>
+              </p:spPr>
+              <p:txBody>
+                <a:bodyPr wrap="square" rtlCol="0">
+                  <a:spAutoFit/>
+                </a:bodyPr>
+                <a:lstStyle/>
+                <a:p>
+                  <a:pPr marL="342900" indent="-342900">
+                    <a:buFont typeface="Arial" panose="020B0604020202020204" pitchFamily="34" charset="0"/>
+                    <a:buChar char="•"/>
+                  </a:pPr>
+                  <a:r>
+                    <a:rPr lang="en-US" altLang="zh-TW" sz="2400" dirty="0"/>
+                    <a:t>Collide after </a:t>
+                  </a:r>
+                  <a14:m>
+                    <m:oMath xmlns:m="http://schemas.openxmlformats.org/officeDocument/2006/math">
+                      <m:r>
+                        <a:rPr lang="zh-TW" altLang="en-US" sz="2400" i="1" smtClean="0">
+                          <a:latin typeface="Cambria Math" panose="02040503050406030204" pitchFamily="18" charset="0"/>
+                        </a:rPr>
+                        <m:t>𝜏</m:t>
+                      </m:r>
+                    </m:oMath>
+                  </a14:m>
+                  <a:r>
+                    <a:rPr lang="zh-TW" altLang="en-US" sz="2400" dirty="0"/>
+                    <a:t> </a:t>
+                  </a:r>
+                  <a:r>
+                    <a:rPr lang="en-US" altLang="zh-TW" sz="2400" dirty="0"/>
+                    <a:t>seconds → </a:t>
+                  </a:r>
+                  <a:r>
+                    <a:rPr lang="en-US" altLang="zh-TW" sz="2400" b="1" dirty="0"/>
+                    <a:t>relatively safe</a:t>
+                  </a:r>
+                  <a:endParaRPr lang="zh-TW" altLang="en-US" sz="2400" b="1" dirty="0"/>
+                </a:p>
+              </p:txBody>
+            </p:sp>
+          </mc:Choice>
+          <mc:Fallback>
+            <p:sp>
+              <p:nvSpPr>
+                <p:cNvPr id="114" name="文字方塊 113">
+                  <a:extLst>
+                    <a:ext uri="{FF2B5EF4-FFF2-40B4-BE49-F238E27FC236}">
+                      <a16:creationId xmlns:a16="http://schemas.microsoft.com/office/drawing/2014/main" id="{B25C80A6-55B2-495C-9C56-F1D70B363E35}"/>
+                    </a:ext>
+                  </a:extLst>
+                </p:cNvPr>
+                <p:cNvSpPr txBox="1">
+                  <a:spLocks noRot="1" noChangeAspect="1" noMove="1" noResize="1" noEditPoints="1" noAdjustHandles="1" noChangeArrowheads="1" noChangeShapeType="1" noTextEdit="1"/>
+                </p:cNvSpPr>
+                <p:nvPr/>
+              </p:nvSpPr>
+              <p:spPr>
+                <a:xfrm>
+                  <a:off x="4267834" y="2743055"/>
+                  <a:ext cx="3640027" cy="830997"/>
+                </a:xfrm>
+                <a:prstGeom prst="rect">
+                  <a:avLst/>
+                </a:prstGeom>
+                <a:blipFill>
+                  <a:blip r:embed="rId9"/>
+                  <a:stretch>
+                    <a:fillRect l="-2345" t="-5147" r="-3853" b="-16912"/>
+                  </a:stretch>
+                </a:blipFill>
+              </p:spPr>
+              <p:txBody>
+                <a:bodyPr/>
+                <a:lstStyle/>
+                <a:p>
+                  <a:r>
+                    <a:rPr lang="zh-TW" altLang="en-US">
+                      <a:noFill/>
+                    </a:rPr>
+                    <a:t> </a:t>
+                  </a:r>
+                </a:p>
+              </p:txBody>
+            </p:sp>
+          </mc:Fallback>
+        </mc:AlternateContent>
+      </p:grpSp>
+      <p:sp>
+        <p:nvSpPr>
+          <p:cNvPr id="81" name="手繪多邊形: 圖案 80">
+            <a:extLst>
+              <a:ext uri="{FF2B5EF4-FFF2-40B4-BE49-F238E27FC236}">
+                <a16:creationId xmlns:a16="http://schemas.microsoft.com/office/drawing/2014/main" id="{72B954C9-AB1A-46AC-AB81-7B60FAE2ABFB}"/>
+              </a:ext>
+            </a:extLst>
+          </p:cNvPr>
+          <p:cNvSpPr/>
+          <p:nvPr/>
+        </p:nvSpPr>
+        <p:spPr>
+          <a:xfrm>
+            <a:off x="1345843" y="4783668"/>
+            <a:ext cx="778933" cy="695166"/>
+          </a:xfrm>
+          <a:custGeom>
+            <a:avLst/>
+            <a:gdLst>
+              <a:gd name="connsiteX0" fmla="*/ 778933 w 778933"/>
+              <a:gd name="connsiteY0" fmla="*/ 643466 h 695166"/>
+              <a:gd name="connsiteX1" fmla="*/ 457200 w 778933"/>
+              <a:gd name="connsiteY1" fmla="*/ 660400 h 695166"/>
+              <a:gd name="connsiteX2" fmla="*/ 558800 w 778933"/>
+              <a:gd name="connsiteY2" fmla="*/ 245533 h 695166"/>
+              <a:gd name="connsiteX3" fmla="*/ 0 w 778933"/>
+              <a:gd name="connsiteY3" fmla="*/ 0 h 695166"/>
+            </a:gdLst>
+            <a:ahLst/>
+            <a:cxnLst>
+              <a:cxn ang="0">
+                <a:pos x="connsiteX0" y="connsiteY0"/>
+              </a:cxn>
+              <a:cxn ang="0">
+                <a:pos x="connsiteX1" y="connsiteY1"/>
+              </a:cxn>
+              <a:cxn ang="0">
+                <a:pos x="connsiteX2" y="connsiteY2"/>
+              </a:cxn>
+              <a:cxn ang="0">
+                <a:pos x="connsiteX3" y="connsiteY3"/>
+              </a:cxn>
+            </a:cxnLst>
+            <a:rect l="l" t="t" r="r" b="b"/>
+            <a:pathLst>
+              <a:path w="778933" h="695166">
+                <a:moveTo>
+                  <a:pt x="778933" y="643466"/>
+                </a:moveTo>
+                <a:cubicBezTo>
+                  <a:pt x="636411" y="685094"/>
+                  <a:pt x="493889" y="726722"/>
+                  <a:pt x="457200" y="660400"/>
+                </a:cubicBezTo>
+                <a:cubicBezTo>
+                  <a:pt x="420511" y="594078"/>
+                  <a:pt x="635000" y="355600"/>
+                  <a:pt x="558800" y="245533"/>
+                </a:cubicBezTo>
+                <a:cubicBezTo>
+                  <a:pt x="482600" y="135466"/>
+                  <a:pt x="241300" y="67733"/>
+                  <a:pt x="0" y="0"/>
+                </a:cubicBezTo>
+              </a:path>
+            </a:pathLst>
+          </a:custGeom>
+          <a:noFill/>
+          <a:ln>
+            <a:solidFill>
+              <a:schemeClr val="tx1"/>
+            </a:solidFill>
+            <a:headEnd type="arrow" w="med" len="med"/>
+            <a:tailEnd type="none" w="med" len="med"/>
+          </a:ln>
+        </p:spPr>
+        <p:style>
+          <a:lnRef idx="2">
+            <a:schemeClr val="accent1">
+              <a:shade val="50000"/>
+            </a:schemeClr>
+          </a:lnRef>
+          <a:fillRef idx="1">
+            <a:schemeClr val="accent1"/>
+          </a:fillRef>
+          <a:effectRef idx="0">
+            <a:schemeClr val="accent1"/>
+          </a:effectRef>
+          <a:fontRef idx="minor">
+            <a:schemeClr val="lt1"/>
+          </a:fontRef>
+        </p:style>
+        <p:txBody>
+          <a:bodyPr rtlCol="0" anchor="ctr"/>
+          <a:lstStyle/>
+          <a:p>
+            <a:pPr algn="ctr"/>
+            <a:endParaRPr lang="zh-TW" altLang="en-US"/>
+          </a:p>
+        </p:txBody>
+      </p:sp>
+    </p:spTree>
+    <p:extLst>
+      <p:ext uri="{BB962C8B-B14F-4D97-AF65-F5344CB8AC3E}">
+        <p14:creationId xmlns:p14="http://schemas.microsoft.com/office/powerpoint/2010/main" val="307047148"/>
+      </p:ext>
+    </p:extLst>
+  </p:cSld>
+  <p:clrMapOvr>
+    <a:masterClrMapping/>
+  </p:clrMapOvr>
+  <mc:AlternateContent xmlns:mc="http://schemas.openxmlformats.org/markup-compatibility/2006">
+    <mc:Choice xmlns:p159="http://schemas.microsoft.com/office/powerpoint/2015/09/main" Requires="p159">
+      <p:transition xmlns:p14="http://schemas.microsoft.com/office/powerpoint/2010/main" spd="slow" p14:dur="2000">
+        <p159:morph option="byObject"/>
+      </p:transition>
+    </mc:Choice>
+    <mc:Fallback>
+      <p:transition spd="slow">
+        <p:fade/>
+      </p:transition>
+    </mc:Fallback>
+  </mc:AlternateContent>
+  <p:timing>
+    <p:tnLst>
+      <p:par>
+        <p:cTn id="1" dur="indefinite" restart="never" nodeType="tmRoot">
+          <p:childTnLst>
+            <p:seq concurrent="1" nextAc="seek">
+              <p:cTn id="2" dur="indefinite" nodeType="mainSeq">
+                <p:childTnLst>
+                  <p:par>
+                    <p:cTn id="3" fill="hold">
+                      <p:stCondLst>
+                        <p:cond delay="indefinite"/>
+                      </p:stCondLst>
+                      <p:childTnLst>
+                        <p:par>
+                          <p:cTn id="4" fill="hold">
+                            <p:stCondLst>
+                              <p:cond delay="0"/>
+                            </p:stCondLst>
+                            <p:childTnLst>
+                              <p:par>
+                                <p:cTn id="5" presetID="10" presetClass="entr" presetSubtype="0" fill="hold" grpId="0" nodeType="clickEffect">
+                                  <p:stCondLst>
+                                    <p:cond delay="0"/>
+                                  </p:stCondLst>
+                                  <p:childTnLst>
+                                    <p:set>
+                                      <p:cBhvr>
+                                        <p:cTn id="6" dur="1" fill="hold">
+                                          <p:stCondLst>
+                                            <p:cond delay="0"/>
+                                          </p:stCondLst>
+                                        </p:cTn>
+                                        <p:tgtEl>
+                                          <p:spTgt spid="109"/>
+                                        </p:tgtEl>
+                                        <p:attrNameLst>
+                                          <p:attrName>style.visibility</p:attrName>
+                                        </p:attrNameLst>
+                                      </p:cBhvr>
+                                      <p:to>
+                                        <p:strVal val="visible"/>
+                                      </p:to>
+                                    </p:set>
+                                    <p:animEffect transition="in" filter="fade">
+                                      <p:cBhvr>
+                                        <p:cTn id="7" dur="500"/>
+                                        <p:tgtEl>
+                                          <p:spTgt spid="109"/>
+                                        </p:tgtEl>
+                                      </p:cBhvr>
+                                    </p:animEffect>
+                                  </p:childTnLst>
+                                </p:cTn>
+                              </p:par>
+                            </p:childTnLst>
+                          </p:cTn>
+                        </p:par>
+                      </p:childTnLst>
+                    </p:cTn>
+                  </p:par>
+                </p:childTnLst>
+              </p:cTn>
+              <p:prevCondLst>
+                <p:cond evt="onPrev" delay="0">
+                  <p:tgtEl>
+                    <p:sldTgt/>
+                  </p:tgtEl>
+                </p:cond>
+              </p:prevCondLst>
+              <p:nextCondLst>
+                <p:cond evt="onNext" delay="0">
+                  <p:tgtEl>
+                    <p:sldTgt/>
+                  </p:tgtEl>
+                </p:cond>
+              </p:nextCondLst>
+            </p:seq>
+          </p:childTnLst>
+        </p:cTn>
+      </p:par>
+    </p:tnLst>
+    <p:bldLst>
+      <p:bldP spid="109" grpId="0" animBg="1"/>
+    </p:bldLst>
+  </p:timing>
+</p:sld>
+</file>
+
+<file path=ppt/slides/slide8.xml><?xml version="1.0" encoding="utf-8"?>
 <p:sld xmlns:a="http://schemas.openxmlformats.org/drawingml/2006/main" xmlns:r="http://schemas.openxmlformats.org/officeDocument/2006/relationships" xmlns:p="http://schemas.openxmlformats.org/presentationml/2006/main">
   <p:cSld>
     <p:spTree>
@@ -22750,7 +27293,7 @@
                   <a:srgbClr val="FFFF00"/>
                 </a:solidFill>
               </a:rPr>
-              <a:t>6</a:t>
+              <a:t>8</a:t>
             </a:fld>
             <a:endParaRPr lang="zh-TW" altLang="en-US" sz="3200" dirty="0">
               <a:solidFill>
@@ -22770,13 +27313,13 @@
   <p:clrMapOvr>
     <a:masterClrMapping/>
   </p:clrMapOvr>
-  <mc:AlternateContent xmlns:mc="http://schemas.openxmlformats.org/markup-compatibility/2006">
-    <mc:Choice xmlns:p159="http://schemas.microsoft.com/office/powerpoint/2015/09/main" Requires="p159">
+  <mc:AlternateContent xmlns:mc="http://schemas.openxmlformats.org/markup-compatibility/2006" xmlns:p159="http://schemas.microsoft.com/office/powerpoint/2015/09/main">
+    <mc:Choice Requires="p159">
       <p:transition xmlns:p14="http://schemas.microsoft.com/office/powerpoint/2010/main" spd="slow" p14:dur="2000">
         <p159:morph option="byObject"/>
       </p:transition>
     </mc:Choice>
-    <mc:Fallback>
+    <mc:Fallback xmlns="">
       <p:transition spd="slow">
         <p:fade/>
       </p:transition>
@@ -22785,7 +27328,7 @@
 </p:sld>
 </file>
 
-<file path=ppt/slides/slide7.xml><?xml version="1.0" encoding="utf-8"?>
+<file path=ppt/slides/slide9.xml><?xml version="1.0" encoding="utf-8"?>
 <p:sld xmlns:a="http://schemas.openxmlformats.org/drawingml/2006/main" xmlns:r="http://schemas.openxmlformats.org/officeDocument/2006/relationships" xmlns:p="http://schemas.openxmlformats.org/presentationml/2006/main">
   <p:cSld>
     <p:spTree>
@@ -23204,7 +27747,7 @@
                   <a:srgbClr val="FFFF00"/>
                 </a:solidFill>
               </a:rPr>
-              <a:t>7</a:t>
+              <a:t>9</a:t>
             </a:fld>
             <a:endParaRPr lang="zh-TW" altLang="en-US" sz="3200" dirty="0">
               <a:solidFill>
@@ -23224,13 +27767,13 @@
   <p:clrMapOvr>
     <a:masterClrMapping/>
   </p:clrMapOvr>
-  <mc:AlternateContent xmlns:mc="http://schemas.openxmlformats.org/markup-compatibility/2006">
-    <mc:Choice xmlns:p159="http://schemas.microsoft.com/office/powerpoint/2015/09/main" Requires="p159">
+  <mc:AlternateContent xmlns:mc="http://schemas.openxmlformats.org/markup-compatibility/2006" xmlns:p159="http://schemas.microsoft.com/office/powerpoint/2015/09/main">
+    <mc:Choice Requires="p159">
       <p:transition xmlns:p14="http://schemas.microsoft.com/office/powerpoint/2010/main" spd="slow" p14:dur="2000">
         <p159:morph option="byObject"/>
       </p:transition>
     </mc:Choice>
-    <mc:Fallback>
+    <mc:Fallback xmlns="">
       <p:transition spd="slow">
         <p:fade/>
       </p:transition>
